--- a/usecase-to-dfd/Hotel Reservation System - Use Case-Context-System-DFD.pptx
+++ b/usecase-to-dfd/Hotel Reservation System - Use Case-Context-System-DFD.pptx
@@ -9,12 +9,13 @@
     <p:sldId id="261" r:id="rId3"/>
     <p:sldId id="260" r:id="rId4"/>
     <p:sldId id="262" r:id="rId5"/>
-    <p:sldId id="256" r:id="rId6"/>
-    <p:sldId id="267" r:id="rId7"/>
-    <p:sldId id="270" r:id="rId8"/>
-    <p:sldId id="271" r:id="rId9"/>
-    <p:sldId id="269" r:id="rId10"/>
-    <p:sldId id="268" r:id="rId11"/>
+    <p:sldId id="272" r:id="rId6"/>
+    <p:sldId id="256" r:id="rId7"/>
+    <p:sldId id="267" r:id="rId8"/>
+    <p:sldId id="270" r:id="rId9"/>
+    <p:sldId id="271" r:id="rId10"/>
+    <p:sldId id="269" r:id="rId11"/>
+    <p:sldId id="268" r:id="rId12"/>
   </p:sldIdLst>
   <p:sldSz cx="12192000" cy="6858000"/>
   <p:notesSz cx="6858000" cy="9144000"/>
@@ -3457,6 +3458,2990 @@
 </file>
 
 <file path=ppt/slides/slide10.xml><?xml version="1.0" encoding="utf-8"?>
+<p:sld xmlns:a="http://schemas.openxmlformats.org/drawingml/2006/main" xmlns:r="http://schemas.openxmlformats.org/officeDocument/2006/relationships" xmlns:p="http://schemas.openxmlformats.org/presentationml/2006/main">
+  <p:cSld>
+    <p:spTree>
+      <p:nvGrpSpPr>
+        <p:cNvPr id="1" name=""/>
+        <p:cNvGrpSpPr/>
+        <p:nvPr/>
+      </p:nvGrpSpPr>
+      <p:grpSpPr>
+        <a:xfrm>
+          <a:off x="0" y="0"/>
+          <a:ext cx="0" cy="0"/>
+          <a:chOff x="0" y="0"/>
+          <a:chExt cx="0" cy="0"/>
+        </a:xfrm>
+      </p:grpSpPr>
+      <p:sp>
+        <p:nvSpPr>
+          <p:cNvPr id="4" name="Rectangle 3">
+            <a:extLst>
+              <a:ext uri="{FF2B5EF4-FFF2-40B4-BE49-F238E27FC236}">
+                <a16:creationId xmlns:a16="http://schemas.microsoft.com/office/drawing/2014/main" id="{EEE75858-A858-7E4F-B8AD-6A09407EB0B4}"/>
+              </a:ext>
+            </a:extLst>
+          </p:cNvPr>
+          <p:cNvSpPr/>
+          <p:nvPr/>
+        </p:nvSpPr>
+        <p:spPr>
+          <a:xfrm>
+            <a:off x="5535536" y="921967"/>
+            <a:ext cx="816981" cy="299073"/>
+          </a:xfrm>
+          <a:prstGeom prst="rect">
+            <a:avLst/>
+          </a:prstGeom>
+          <a:solidFill>
+            <a:schemeClr val="bg1"/>
+          </a:solidFill>
+        </p:spPr>
+        <p:style>
+          <a:lnRef idx="2">
+            <a:schemeClr val="accent1">
+              <a:shade val="50000"/>
+            </a:schemeClr>
+          </a:lnRef>
+          <a:fillRef idx="1">
+            <a:schemeClr val="accent1"/>
+          </a:fillRef>
+          <a:effectRef idx="0">
+            <a:schemeClr val="accent1"/>
+          </a:effectRef>
+          <a:fontRef idx="minor">
+            <a:schemeClr val="lt1"/>
+          </a:fontRef>
+        </p:style>
+        <p:txBody>
+          <a:bodyPr rtlCol="0" anchor="ctr"/>
+          <a:lstStyle/>
+          <a:p>
+            <a:pPr algn="ctr"/>
+            <a:r>
+              <a:rPr lang="en-US" sz="700" dirty="0">
+                <a:solidFill>
+                  <a:schemeClr val="tx1"/>
+                </a:solidFill>
+              </a:rPr>
+              <a:t>Customer</a:t>
+            </a:r>
+          </a:p>
+        </p:txBody>
+      </p:sp>
+      <p:sp>
+        <p:nvSpPr>
+          <p:cNvPr id="8" name="TextBox 7">
+            <a:extLst>
+              <a:ext uri="{FF2B5EF4-FFF2-40B4-BE49-F238E27FC236}">
+                <a16:creationId xmlns:a16="http://schemas.microsoft.com/office/drawing/2014/main" id="{ACA475DA-AAB4-0C4F-ACC0-99DC10FCC247}"/>
+              </a:ext>
+            </a:extLst>
+          </p:cNvPr>
+          <p:cNvSpPr txBox="1"/>
+          <p:nvPr/>
+        </p:nvSpPr>
+        <p:spPr>
+          <a:xfrm>
+            <a:off x="2671280" y="28672"/>
+            <a:ext cx="8329011" cy="584775"/>
+          </a:xfrm>
+          <a:prstGeom prst="rect">
+            <a:avLst/>
+          </a:prstGeom>
+          <a:noFill/>
+        </p:spPr>
+        <p:txBody>
+          <a:bodyPr wrap="none" rtlCol="0">
+            <a:spAutoFit/>
+          </a:bodyPr>
+          <a:lstStyle/>
+          <a:p>
+            <a:r>
+              <a:rPr lang="en-US" sz="3200" b="1" dirty="0"/>
+              <a:t>System DFD : Hotel Reservation System (DRAFT)</a:t>
+            </a:r>
+          </a:p>
+        </p:txBody>
+      </p:sp>
+      <p:grpSp>
+        <p:nvGrpSpPr>
+          <p:cNvPr id="15" name="Group 14">
+            <a:extLst>
+              <a:ext uri="{FF2B5EF4-FFF2-40B4-BE49-F238E27FC236}">
+                <a16:creationId xmlns:a16="http://schemas.microsoft.com/office/drawing/2014/main" id="{2EFCF254-7E03-7446-BD00-A1AA939CEB61}"/>
+              </a:ext>
+            </a:extLst>
+          </p:cNvPr>
+          <p:cNvGrpSpPr/>
+          <p:nvPr/>
+        </p:nvGrpSpPr>
+        <p:grpSpPr>
+          <a:xfrm>
+            <a:off x="861350" y="2571320"/>
+            <a:ext cx="1033383" cy="876447"/>
+            <a:chOff x="4894996" y="1947470"/>
+            <a:chExt cx="1933434" cy="1639810"/>
+          </a:xfrm>
+        </p:grpSpPr>
+        <p:sp>
+          <p:nvSpPr>
+            <p:cNvPr id="7" name="Rounded Rectangle 6">
+              <a:extLst>
+                <a:ext uri="{FF2B5EF4-FFF2-40B4-BE49-F238E27FC236}">
+                  <a16:creationId xmlns:a16="http://schemas.microsoft.com/office/drawing/2014/main" id="{63E0E38D-BDA2-2948-8C9F-547612700343}"/>
+                </a:ext>
+              </a:extLst>
+            </p:cNvPr>
+            <p:cNvSpPr/>
+            <p:nvPr/>
+          </p:nvSpPr>
+          <p:spPr>
+            <a:xfrm>
+              <a:off x="4894996" y="2082614"/>
+              <a:ext cx="1933433" cy="1504666"/>
+            </a:xfrm>
+            <a:prstGeom prst="roundRect">
+              <a:avLst/>
+            </a:prstGeom>
+            <a:solidFill>
+              <a:schemeClr val="bg1"/>
+            </a:solidFill>
+          </p:spPr>
+          <p:style>
+            <a:lnRef idx="2">
+              <a:schemeClr val="accent1">
+                <a:shade val="50000"/>
+              </a:schemeClr>
+            </a:lnRef>
+            <a:fillRef idx="1">
+              <a:schemeClr val="accent1"/>
+            </a:fillRef>
+            <a:effectRef idx="0">
+              <a:schemeClr val="accent1"/>
+            </a:effectRef>
+            <a:fontRef idx="minor">
+              <a:schemeClr val="lt1"/>
+            </a:fontRef>
+          </p:style>
+          <p:txBody>
+            <a:bodyPr rtlCol="0" anchor="b"/>
+            <a:lstStyle/>
+            <a:p>
+              <a:pPr algn="ctr"/>
+              <a:r>
+                <a:rPr lang="en-US" sz="700" b="1" dirty="0">
+                  <a:solidFill>
+                    <a:schemeClr val="tx1"/>
+                  </a:solidFill>
+                </a:rPr>
+                <a:t>Search</a:t>
+              </a:r>
+              <a:r>
+                <a:rPr lang="en-US" sz="700" dirty="0">
+                  <a:solidFill>
+                    <a:schemeClr val="tx1"/>
+                  </a:solidFill>
+                </a:rPr>
+                <a:t> Rooms</a:t>
+              </a:r>
+            </a:p>
+          </p:txBody>
+        </p:sp>
+        <p:sp>
+          <p:nvSpPr>
+            <p:cNvPr id="19" name="Delay 18">
+              <a:extLst>
+                <a:ext uri="{FF2B5EF4-FFF2-40B4-BE49-F238E27FC236}">
+                  <a16:creationId xmlns:a16="http://schemas.microsoft.com/office/drawing/2014/main" id="{C2FEA86F-0C49-5947-A1A8-C95A6D15366C}"/>
+                </a:ext>
+              </a:extLst>
+            </p:cNvPr>
+            <p:cNvSpPr/>
+            <p:nvPr/>
+          </p:nvSpPr>
+          <p:spPr>
+            <a:xfrm rot="16200000">
+              <a:off x="5651026" y="1191440"/>
+              <a:ext cx="421373" cy="1933434"/>
+            </a:xfrm>
+            <a:prstGeom prst="flowChartDelay">
+              <a:avLst/>
+            </a:prstGeom>
+            <a:solidFill>
+              <a:schemeClr val="accent1">
+                <a:lumMod val="20000"/>
+                <a:lumOff val="80000"/>
+              </a:schemeClr>
+            </a:solidFill>
+          </p:spPr>
+          <p:style>
+            <a:lnRef idx="2">
+              <a:schemeClr val="accent1">
+                <a:shade val="50000"/>
+              </a:schemeClr>
+            </a:lnRef>
+            <a:fillRef idx="1">
+              <a:schemeClr val="accent1"/>
+            </a:fillRef>
+            <a:effectRef idx="0">
+              <a:schemeClr val="accent1"/>
+            </a:effectRef>
+            <a:fontRef idx="minor">
+              <a:schemeClr val="lt1"/>
+            </a:fontRef>
+          </p:style>
+          <p:txBody>
+            <a:bodyPr rtlCol="0" anchor="ctr"/>
+            <a:lstStyle/>
+            <a:p>
+              <a:pPr algn="ctr"/>
+              <a:endParaRPr lang="en-US" sz="700" dirty="0"/>
+            </a:p>
+          </p:txBody>
+        </p:sp>
+        <p:sp>
+          <p:nvSpPr>
+            <p:cNvPr id="20" name="TextBox 19">
+              <a:extLst>
+                <a:ext uri="{FF2B5EF4-FFF2-40B4-BE49-F238E27FC236}">
+                  <a16:creationId xmlns:a16="http://schemas.microsoft.com/office/drawing/2014/main" id="{DBB3E46C-6971-E94E-BBC9-65E463402177}"/>
+                </a:ext>
+              </a:extLst>
+            </p:cNvPr>
+            <p:cNvSpPr txBox="1"/>
+            <p:nvPr/>
+          </p:nvSpPr>
+          <p:spPr>
+            <a:xfrm>
+              <a:off x="5628981" y="1973492"/>
+              <a:ext cx="555448" cy="374298"/>
+            </a:xfrm>
+            <a:prstGeom prst="rect">
+              <a:avLst/>
+            </a:prstGeom>
+            <a:noFill/>
+          </p:spPr>
+          <p:txBody>
+            <a:bodyPr wrap="none" rtlCol="0">
+              <a:spAutoFit/>
+            </a:bodyPr>
+            <a:lstStyle/>
+            <a:p>
+              <a:r>
+                <a:rPr lang="en-US" sz="700" dirty="0"/>
+                <a:t>1.0</a:t>
+              </a:r>
+            </a:p>
+          </p:txBody>
+        </p:sp>
+      </p:grpSp>
+      <p:grpSp>
+        <p:nvGrpSpPr>
+          <p:cNvPr id="35" name="Group 34">
+            <a:extLst>
+              <a:ext uri="{FF2B5EF4-FFF2-40B4-BE49-F238E27FC236}">
+                <a16:creationId xmlns:a16="http://schemas.microsoft.com/office/drawing/2014/main" id="{190879D8-005F-0547-BD29-2413F8A12AC4}"/>
+              </a:ext>
+            </a:extLst>
+          </p:cNvPr>
+          <p:cNvGrpSpPr/>
+          <p:nvPr/>
+        </p:nvGrpSpPr>
+        <p:grpSpPr>
+          <a:xfrm>
+            <a:off x="5200187" y="4609200"/>
+            <a:ext cx="1167114" cy="307904"/>
+            <a:chOff x="903742" y="5627244"/>
+            <a:chExt cx="2183643" cy="576081"/>
+          </a:xfrm>
+        </p:grpSpPr>
+        <p:sp>
+          <p:nvSpPr>
+            <p:cNvPr id="9" name="Rectangle 8">
+              <a:extLst>
+                <a:ext uri="{FF2B5EF4-FFF2-40B4-BE49-F238E27FC236}">
+                  <a16:creationId xmlns:a16="http://schemas.microsoft.com/office/drawing/2014/main" id="{EC2A5354-F889-E740-8854-E21E03B32AAF}"/>
+                </a:ext>
+              </a:extLst>
+            </p:cNvPr>
+            <p:cNvSpPr/>
+            <p:nvPr/>
+          </p:nvSpPr>
+          <p:spPr>
+            <a:xfrm>
+              <a:off x="903743" y="5627244"/>
+              <a:ext cx="2183642" cy="576081"/>
+            </a:xfrm>
+            <a:prstGeom prst="rect">
+              <a:avLst/>
+            </a:prstGeom>
+            <a:solidFill>
+              <a:schemeClr val="bg1"/>
+            </a:solidFill>
+          </p:spPr>
+          <p:style>
+            <a:lnRef idx="2">
+              <a:schemeClr val="accent1">
+                <a:shade val="50000"/>
+              </a:schemeClr>
+            </a:lnRef>
+            <a:fillRef idx="1">
+              <a:schemeClr val="accent1"/>
+            </a:fillRef>
+            <a:effectRef idx="0">
+              <a:schemeClr val="accent1"/>
+            </a:effectRef>
+            <a:fontRef idx="minor">
+              <a:schemeClr val="lt1"/>
+            </a:fontRef>
+          </p:style>
+          <p:txBody>
+            <a:bodyPr rot="0" spcFirstLastPara="0" vertOverflow="overflow" horzOverflow="overflow" vert="horz" wrap="square" lIns="91440" tIns="45720" rIns="91440" bIns="45720" numCol="1" spcCol="0" rtlCol="0" fromWordArt="0" anchor="ctr" anchorCtr="0" forceAA="0" compatLnSpc="1">
+              <a:prstTxWarp prst="textNoShape">
+                <a:avLst/>
+              </a:prstTxWarp>
+              <a:noAutofit/>
+            </a:bodyPr>
+            <a:lstStyle/>
+            <a:p>
+              <a:pPr algn="r"/>
+              <a:r>
+                <a:rPr lang="en-US" sz="700" dirty="0">
+                  <a:solidFill>
+                    <a:schemeClr val="tx1"/>
+                  </a:solidFill>
+                </a:rPr>
+                <a:t>Reservation File</a:t>
+              </a:r>
+            </a:p>
+          </p:txBody>
+        </p:sp>
+        <p:sp>
+          <p:nvSpPr>
+            <p:cNvPr id="11" name="Rectangle 10">
+              <a:extLst>
+                <a:ext uri="{FF2B5EF4-FFF2-40B4-BE49-F238E27FC236}">
+                  <a16:creationId xmlns:a16="http://schemas.microsoft.com/office/drawing/2014/main" id="{5316078B-3729-6042-BEFF-452D9DEF5C44}"/>
+                </a:ext>
+              </a:extLst>
+            </p:cNvPr>
+            <p:cNvSpPr/>
+            <p:nvPr/>
+          </p:nvSpPr>
+          <p:spPr>
+            <a:xfrm>
+              <a:off x="903742" y="5627244"/>
+              <a:ext cx="527000" cy="576081"/>
+            </a:xfrm>
+            <a:prstGeom prst="rect">
+              <a:avLst/>
+            </a:prstGeom>
+            <a:solidFill>
+              <a:schemeClr val="accent1">
+                <a:lumMod val="20000"/>
+                <a:lumOff val="80000"/>
+              </a:schemeClr>
+            </a:solidFill>
+          </p:spPr>
+          <p:style>
+            <a:lnRef idx="2">
+              <a:schemeClr val="accent1">
+                <a:shade val="50000"/>
+              </a:schemeClr>
+            </a:lnRef>
+            <a:fillRef idx="1">
+              <a:schemeClr val="accent1"/>
+            </a:fillRef>
+            <a:effectRef idx="0">
+              <a:schemeClr val="accent1"/>
+            </a:effectRef>
+            <a:fontRef idx="minor">
+              <a:schemeClr val="lt1"/>
+            </a:fontRef>
+          </p:style>
+          <p:txBody>
+            <a:bodyPr rtlCol="0" anchor="ctr"/>
+            <a:lstStyle/>
+            <a:p>
+              <a:pPr algn="ctr"/>
+              <a:r>
+                <a:rPr lang="en-US" sz="700" dirty="0">
+                  <a:solidFill>
+                    <a:schemeClr val="tx1"/>
+                  </a:solidFill>
+                </a:rPr>
+                <a:t>D2</a:t>
+              </a:r>
+            </a:p>
+          </p:txBody>
+        </p:sp>
+      </p:grpSp>
+      <p:grpSp>
+        <p:nvGrpSpPr>
+          <p:cNvPr id="57" name="Group 56">
+            <a:extLst>
+              <a:ext uri="{FF2B5EF4-FFF2-40B4-BE49-F238E27FC236}">
+                <a16:creationId xmlns:a16="http://schemas.microsoft.com/office/drawing/2014/main" id="{C5F9AB48-B4D8-154B-88E0-9E3DCF7823BE}"/>
+              </a:ext>
+            </a:extLst>
+          </p:cNvPr>
+          <p:cNvGrpSpPr/>
+          <p:nvPr/>
+        </p:nvGrpSpPr>
+        <p:grpSpPr>
+          <a:xfrm>
+            <a:off x="9452955" y="5106477"/>
+            <a:ext cx="1167114" cy="307904"/>
+            <a:chOff x="903742" y="5627244"/>
+            <a:chExt cx="2183643" cy="576081"/>
+          </a:xfrm>
+        </p:grpSpPr>
+        <p:sp>
+          <p:nvSpPr>
+            <p:cNvPr id="58" name="Rectangle 57">
+              <a:extLst>
+                <a:ext uri="{FF2B5EF4-FFF2-40B4-BE49-F238E27FC236}">
+                  <a16:creationId xmlns:a16="http://schemas.microsoft.com/office/drawing/2014/main" id="{B5B89637-8698-394D-9F18-656DC220FB34}"/>
+                </a:ext>
+              </a:extLst>
+            </p:cNvPr>
+            <p:cNvSpPr/>
+            <p:nvPr/>
+          </p:nvSpPr>
+          <p:spPr>
+            <a:xfrm>
+              <a:off x="903744" y="5627244"/>
+              <a:ext cx="2183641" cy="576081"/>
+            </a:xfrm>
+            <a:prstGeom prst="rect">
+              <a:avLst/>
+            </a:prstGeom>
+            <a:solidFill>
+              <a:schemeClr val="bg1"/>
+            </a:solidFill>
+          </p:spPr>
+          <p:style>
+            <a:lnRef idx="2">
+              <a:schemeClr val="accent1">
+                <a:shade val="50000"/>
+              </a:schemeClr>
+            </a:lnRef>
+            <a:fillRef idx="1">
+              <a:schemeClr val="accent1"/>
+            </a:fillRef>
+            <a:effectRef idx="0">
+              <a:schemeClr val="accent1"/>
+            </a:effectRef>
+            <a:fontRef idx="minor">
+              <a:schemeClr val="lt1"/>
+            </a:fontRef>
+          </p:style>
+          <p:txBody>
+            <a:bodyPr rot="0" spcFirstLastPara="0" vertOverflow="overflow" horzOverflow="overflow" vert="horz" wrap="square" lIns="91440" tIns="45720" rIns="91440" bIns="45720" numCol="1" spcCol="0" rtlCol="0" fromWordArt="0" anchor="ctr" anchorCtr="0" forceAA="0" compatLnSpc="1">
+              <a:prstTxWarp prst="textNoShape">
+                <a:avLst/>
+              </a:prstTxWarp>
+              <a:noAutofit/>
+            </a:bodyPr>
+            <a:lstStyle/>
+            <a:p>
+              <a:pPr algn="r"/>
+              <a:r>
+                <a:rPr lang="en-US" sz="700" dirty="0">
+                  <a:solidFill>
+                    <a:schemeClr val="tx1"/>
+                  </a:solidFill>
+                </a:rPr>
+                <a:t>Account File</a:t>
+              </a:r>
+            </a:p>
+          </p:txBody>
+        </p:sp>
+        <p:sp>
+          <p:nvSpPr>
+            <p:cNvPr id="59" name="Rectangle 58">
+              <a:extLst>
+                <a:ext uri="{FF2B5EF4-FFF2-40B4-BE49-F238E27FC236}">
+                  <a16:creationId xmlns:a16="http://schemas.microsoft.com/office/drawing/2014/main" id="{0D110CCA-0E0A-D54B-AE1E-BA2AC6A7F9BE}"/>
+                </a:ext>
+              </a:extLst>
+            </p:cNvPr>
+            <p:cNvSpPr/>
+            <p:nvPr/>
+          </p:nvSpPr>
+          <p:spPr>
+            <a:xfrm>
+              <a:off x="903742" y="5627244"/>
+              <a:ext cx="527000" cy="576081"/>
+            </a:xfrm>
+            <a:prstGeom prst="rect">
+              <a:avLst/>
+            </a:prstGeom>
+            <a:solidFill>
+              <a:schemeClr val="accent1">
+                <a:lumMod val="20000"/>
+                <a:lumOff val="80000"/>
+              </a:schemeClr>
+            </a:solidFill>
+          </p:spPr>
+          <p:style>
+            <a:lnRef idx="2">
+              <a:schemeClr val="accent1">
+                <a:shade val="50000"/>
+              </a:schemeClr>
+            </a:lnRef>
+            <a:fillRef idx="1">
+              <a:schemeClr val="accent1"/>
+            </a:fillRef>
+            <a:effectRef idx="0">
+              <a:schemeClr val="accent1"/>
+            </a:effectRef>
+            <a:fontRef idx="minor">
+              <a:schemeClr val="lt1"/>
+            </a:fontRef>
+          </p:style>
+          <p:txBody>
+            <a:bodyPr rtlCol="0" anchor="ctr"/>
+            <a:lstStyle/>
+            <a:p>
+              <a:pPr algn="ctr"/>
+              <a:r>
+                <a:rPr lang="en-US" sz="700" dirty="0">
+                  <a:solidFill>
+                    <a:schemeClr val="tx1"/>
+                  </a:solidFill>
+                </a:rPr>
+                <a:t>D3</a:t>
+              </a:r>
+            </a:p>
+          </p:txBody>
+        </p:sp>
+      </p:grpSp>
+      <p:grpSp>
+        <p:nvGrpSpPr>
+          <p:cNvPr id="76" name="Group 75">
+            <a:extLst>
+              <a:ext uri="{FF2B5EF4-FFF2-40B4-BE49-F238E27FC236}">
+                <a16:creationId xmlns:a16="http://schemas.microsoft.com/office/drawing/2014/main" id="{0DB72949-3E73-CD42-80CE-5946B25D2965}"/>
+              </a:ext>
+            </a:extLst>
+          </p:cNvPr>
+          <p:cNvGrpSpPr/>
+          <p:nvPr/>
+        </p:nvGrpSpPr>
+        <p:grpSpPr>
+          <a:xfrm>
+            <a:off x="8084384" y="2573198"/>
+            <a:ext cx="1033383" cy="876447"/>
+            <a:chOff x="4894996" y="1947470"/>
+            <a:chExt cx="1933434" cy="1639810"/>
+          </a:xfrm>
+        </p:grpSpPr>
+        <p:sp>
+          <p:nvSpPr>
+            <p:cNvPr id="77" name="Rounded Rectangle 76">
+              <a:extLst>
+                <a:ext uri="{FF2B5EF4-FFF2-40B4-BE49-F238E27FC236}">
+                  <a16:creationId xmlns:a16="http://schemas.microsoft.com/office/drawing/2014/main" id="{D38F9B3C-FB3F-B849-BC29-8388C7382520}"/>
+                </a:ext>
+              </a:extLst>
+            </p:cNvPr>
+            <p:cNvSpPr/>
+            <p:nvPr/>
+          </p:nvSpPr>
+          <p:spPr>
+            <a:xfrm>
+              <a:off x="4894996" y="2082614"/>
+              <a:ext cx="1933433" cy="1504666"/>
+            </a:xfrm>
+            <a:prstGeom prst="roundRect">
+              <a:avLst/>
+            </a:prstGeom>
+            <a:solidFill>
+              <a:schemeClr val="bg1"/>
+            </a:solidFill>
+          </p:spPr>
+          <p:style>
+            <a:lnRef idx="2">
+              <a:schemeClr val="accent1">
+                <a:shade val="50000"/>
+              </a:schemeClr>
+            </a:lnRef>
+            <a:fillRef idx="1">
+              <a:schemeClr val="accent1"/>
+            </a:fillRef>
+            <a:effectRef idx="0">
+              <a:schemeClr val="accent1"/>
+            </a:effectRef>
+            <a:fontRef idx="minor">
+              <a:schemeClr val="lt1"/>
+            </a:fontRef>
+          </p:style>
+          <p:txBody>
+            <a:bodyPr rtlCol="0" anchor="b"/>
+            <a:lstStyle/>
+            <a:p>
+              <a:pPr algn="ctr"/>
+              <a:r>
+                <a:rPr lang="en-US" sz="700" b="1" dirty="0">
+                  <a:solidFill>
+                    <a:schemeClr val="tx1"/>
+                  </a:solidFill>
+                </a:rPr>
+                <a:t>Receive </a:t>
+              </a:r>
+              <a:r>
+                <a:rPr lang="en-US" sz="700" dirty="0">
+                  <a:solidFill>
+                    <a:schemeClr val="tx1"/>
+                  </a:solidFill>
+                </a:rPr>
+                <a:t>Confirmation</a:t>
+              </a:r>
+            </a:p>
+          </p:txBody>
+        </p:sp>
+        <p:sp>
+          <p:nvSpPr>
+            <p:cNvPr id="78" name="Delay 77">
+              <a:extLst>
+                <a:ext uri="{FF2B5EF4-FFF2-40B4-BE49-F238E27FC236}">
+                  <a16:creationId xmlns:a16="http://schemas.microsoft.com/office/drawing/2014/main" id="{769380F5-A19F-D642-90B5-4B66F9C9F170}"/>
+                </a:ext>
+              </a:extLst>
+            </p:cNvPr>
+            <p:cNvSpPr/>
+            <p:nvPr/>
+          </p:nvSpPr>
+          <p:spPr>
+            <a:xfrm rot="16200000">
+              <a:off x="5651026" y="1191440"/>
+              <a:ext cx="421373" cy="1933434"/>
+            </a:xfrm>
+            <a:prstGeom prst="flowChartDelay">
+              <a:avLst/>
+            </a:prstGeom>
+            <a:solidFill>
+              <a:schemeClr val="accent1">
+                <a:lumMod val="20000"/>
+                <a:lumOff val="80000"/>
+              </a:schemeClr>
+            </a:solidFill>
+          </p:spPr>
+          <p:style>
+            <a:lnRef idx="2">
+              <a:schemeClr val="accent1">
+                <a:shade val="50000"/>
+              </a:schemeClr>
+            </a:lnRef>
+            <a:fillRef idx="1">
+              <a:schemeClr val="accent1"/>
+            </a:fillRef>
+            <a:effectRef idx="0">
+              <a:schemeClr val="accent1"/>
+            </a:effectRef>
+            <a:fontRef idx="minor">
+              <a:schemeClr val="lt1"/>
+            </a:fontRef>
+          </p:style>
+          <p:txBody>
+            <a:bodyPr rtlCol="0" anchor="ctr"/>
+            <a:lstStyle/>
+            <a:p>
+              <a:pPr algn="ctr"/>
+              <a:endParaRPr lang="en-US" sz="700" dirty="0"/>
+            </a:p>
+          </p:txBody>
+        </p:sp>
+        <p:sp>
+          <p:nvSpPr>
+            <p:cNvPr id="79" name="TextBox 78">
+              <a:extLst>
+                <a:ext uri="{FF2B5EF4-FFF2-40B4-BE49-F238E27FC236}">
+                  <a16:creationId xmlns:a16="http://schemas.microsoft.com/office/drawing/2014/main" id="{A9EEDA21-C1C8-684E-9D56-7C7455AA83BA}"/>
+                </a:ext>
+              </a:extLst>
+            </p:cNvPr>
+            <p:cNvSpPr txBox="1"/>
+            <p:nvPr/>
+          </p:nvSpPr>
+          <p:spPr>
+            <a:xfrm>
+              <a:off x="5628981" y="1973492"/>
+              <a:ext cx="555448" cy="374298"/>
+            </a:xfrm>
+            <a:prstGeom prst="rect">
+              <a:avLst/>
+            </a:prstGeom>
+            <a:noFill/>
+          </p:spPr>
+          <p:txBody>
+            <a:bodyPr wrap="none" rtlCol="0">
+              <a:spAutoFit/>
+            </a:bodyPr>
+            <a:lstStyle/>
+            <a:p>
+              <a:r>
+                <a:rPr lang="en-US" sz="700" dirty="0"/>
+                <a:t>5.0</a:t>
+              </a:r>
+            </a:p>
+          </p:txBody>
+        </p:sp>
+      </p:grpSp>
+      <p:grpSp>
+        <p:nvGrpSpPr>
+          <p:cNvPr id="80" name="Group 79">
+            <a:extLst>
+              <a:ext uri="{FF2B5EF4-FFF2-40B4-BE49-F238E27FC236}">
+                <a16:creationId xmlns:a16="http://schemas.microsoft.com/office/drawing/2014/main" id="{B7A424EF-EC93-CA4D-937E-BD73114933F4}"/>
+              </a:ext>
+            </a:extLst>
+          </p:cNvPr>
+          <p:cNvGrpSpPr/>
+          <p:nvPr/>
+        </p:nvGrpSpPr>
+        <p:grpSpPr>
+          <a:xfrm>
+            <a:off x="5783746" y="2583184"/>
+            <a:ext cx="1033383" cy="876447"/>
+            <a:chOff x="4894996" y="1947470"/>
+            <a:chExt cx="1933434" cy="1639810"/>
+          </a:xfrm>
+        </p:grpSpPr>
+        <p:sp>
+          <p:nvSpPr>
+            <p:cNvPr id="81" name="Rounded Rectangle 80">
+              <a:extLst>
+                <a:ext uri="{FF2B5EF4-FFF2-40B4-BE49-F238E27FC236}">
+                  <a16:creationId xmlns:a16="http://schemas.microsoft.com/office/drawing/2014/main" id="{7ACC0D16-AF81-0C4A-9D40-69E767D9DA70}"/>
+                </a:ext>
+              </a:extLst>
+            </p:cNvPr>
+            <p:cNvSpPr/>
+            <p:nvPr/>
+          </p:nvSpPr>
+          <p:spPr>
+            <a:xfrm>
+              <a:off x="4894996" y="2082614"/>
+              <a:ext cx="1933433" cy="1504666"/>
+            </a:xfrm>
+            <a:prstGeom prst="roundRect">
+              <a:avLst/>
+            </a:prstGeom>
+            <a:solidFill>
+              <a:schemeClr val="bg1"/>
+            </a:solidFill>
+          </p:spPr>
+          <p:style>
+            <a:lnRef idx="2">
+              <a:schemeClr val="accent1">
+                <a:shade val="50000"/>
+              </a:schemeClr>
+            </a:lnRef>
+            <a:fillRef idx="1">
+              <a:schemeClr val="accent1"/>
+            </a:fillRef>
+            <a:effectRef idx="0">
+              <a:schemeClr val="accent1"/>
+            </a:effectRef>
+            <a:fontRef idx="minor">
+              <a:schemeClr val="lt1"/>
+            </a:fontRef>
+          </p:style>
+          <p:txBody>
+            <a:bodyPr rtlCol="0" anchor="b"/>
+            <a:lstStyle/>
+            <a:p>
+              <a:pPr algn="ctr"/>
+              <a:r>
+                <a:rPr lang="en-US" sz="700" b="1" dirty="0">
+                  <a:solidFill>
+                    <a:schemeClr val="tx1"/>
+                  </a:solidFill>
+                </a:rPr>
+                <a:t>Book</a:t>
+              </a:r>
+              <a:r>
+                <a:rPr lang="en-US" sz="700" dirty="0">
+                  <a:solidFill>
+                    <a:schemeClr val="tx1"/>
+                  </a:solidFill>
+                </a:rPr>
+                <a:t> Rooms</a:t>
+              </a:r>
+            </a:p>
+          </p:txBody>
+        </p:sp>
+        <p:sp>
+          <p:nvSpPr>
+            <p:cNvPr id="82" name="Delay 81">
+              <a:extLst>
+                <a:ext uri="{FF2B5EF4-FFF2-40B4-BE49-F238E27FC236}">
+                  <a16:creationId xmlns:a16="http://schemas.microsoft.com/office/drawing/2014/main" id="{EFDA4729-EE7A-DF49-BACE-947DD6060891}"/>
+                </a:ext>
+              </a:extLst>
+            </p:cNvPr>
+            <p:cNvSpPr/>
+            <p:nvPr/>
+          </p:nvSpPr>
+          <p:spPr>
+            <a:xfrm rot="16200000">
+              <a:off x="5651026" y="1191440"/>
+              <a:ext cx="421373" cy="1933434"/>
+            </a:xfrm>
+            <a:prstGeom prst="flowChartDelay">
+              <a:avLst/>
+            </a:prstGeom>
+            <a:solidFill>
+              <a:schemeClr val="accent1">
+                <a:lumMod val="20000"/>
+                <a:lumOff val="80000"/>
+              </a:schemeClr>
+            </a:solidFill>
+          </p:spPr>
+          <p:style>
+            <a:lnRef idx="2">
+              <a:schemeClr val="accent1">
+                <a:shade val="50000"/>
+              </a:schemeClr>
+            </a:lnRef>
+            <a:fillRef idx="1">
+              <a:schemeClr val="accent1"/>
+            </a:fillRef>
+            <a:effectRef idx="0">
+              <a:schemeClr val="accent1"/>
+            </a:effectRef>
+            <a:fontRef idx="minor">
+              <a:schemeClr val="lt1"/>
+            </a:fontRef>
+          </p:style>
+          <p:txBody>
+            <a:bodyPr rtlCol="0" anchor="ctr"/>
+            <a:lstStyle/>
+            <a:p>
+              <a:pPr algn="ctr"/>
+              <a:endParaRPr lang="en-US" sz="700" dirty="0"/>
+            </a:p>
+          </p:txBody>
+        </p:sp>
+        <p:sp>
+          <p:nvSpPr>
+            <p:cNvPr id="83" name="TextBox 82">
+              <a:extLst>
+                <a:ext uri="{FF2B5EF4-FFF2-40B4-BE49-F238E27FC236}">
+                  <a16:creationId xmlns:a16="http://schemas.microsoft.com/office/drawing/2014/main" id="{A7725265-B903-DE49-9B06-844747542A71}"/>
+                </a:ext>
+              </a:extLst>
+            </p:cNvPr>
+            <p:cNvSpPr txBox="1"/>
+            <p:nvPr/>
+          </p:nvSpPr>
+          <p:spPr>
+            <a:xfrm>
+              <a:off x="5628981" y="1973492"/>
+              <a:ext cx="555448" cy="374298"/>
+            </a:xfrm>
+            <a:prstGeom prst="rect">
+              <a:avLst/>
+            </a:prstGeom>
+            <a:noFill/>
+          </p:spPr>
+          <p:txBody>
+            <a:bodyPr wrap="none" rtlCol="0">
+              <a:spAutoFit/>
+            </a:bodyPr>
+            <a:lstStyle/>
+            <a:p>
+              <a:r>
+                <a:rPr lang="en-US" sz="700" dirty="0"/>
+                <a:t>3.0</a:t>
+              </a:r>
+            </a:p>
+          </p:txBody>
+        </p:sp>
+      </p:grpSp>
+      <p:grpSp>
+        <p:nvGrpSpPr>
+          <p:cNvPr id="84" name="Group 83">
+            <a:extLst>
+              <a:ext uri="{FF2B5EF4-FFF2-40B4-BE49-F238E27FC236}">
+                <a16:creationId xmlns:a16="http://schemas.microsoft.com/office/drawing/2014/main" id="{3F2817F1-4B42-6E4A-9F4F-5D6B60568B59}"/>
+              </a:ext>
+            </a:extLst>
+          </p:cNvPr>
+          <p:cNvGrpSpPr/>
+          <p:nvPr/>
+        </p:nvGrpSpPr>
+        <p:grpSpPr>
+          <a:xfrm>
+            <a:off x="6919112" y="2583184"/>
+            <a:ext cx="1033383" cy="876447"/>
+            <a:chOff x="4894996" y="1947470"/>
+            <a:chExt cx="1933434" cy="1639810"/>
+          </a:xfrm>
+        </p:grpSpPr>
+        <p:sp>
+          <p:nvSpPr>
+            <p:cNvPr id="85" name="Rounded Rectangle 84">
+              <a:extLst>
+                <a:ext uri="{FF2B5EF4-FFF2-40B4-BE49-F238E27FC236}">
+                  <a16:creationId xmlns:a16="http://schemas.microsoft.com/office/drawing/2014/main" id="{E1A95158-4B02-3349-B90F-B111643F1FE0}"/>
+                </a:ext>
+              </a:extLst>
+            </p:cNvPr>
+            <p:cNvSpPr/>
+            <p:nvPr/>
+          </p:nvSpPr>
+          <p:spPr>
+            <a:xfrm>
+              <a:off x="4894996" y="2082614"/>
+              <a:ext cx="1933433" cy="1504666"/>
+            </a:xfrm>
+            <a:prstGeom prst="roundRect">
+              <a:avLst/>
+            </a:prstGeom>
+            <a:solidFill>
+              <a:schemeClr val="bg1"/>
+            </a:solidFill>
+          </p:spPr>
+          <p:style>
+            <a:lnRef idx="2">
+              <a:schemeClr val="accent1">
+                <a:shade val="50000"/>
+              </a:schemeClr>
+            </a:lnRef>
+            <a:fillRef idx="1">
+              <a:schemeClr val="accent1"/>
+            </a:fillRef>
+            <a:effectRef idx="0">
+              <a:schemeClr val="accent1"/>
+            </a:effectRef>
+            <a:fontRef idx="minor">
+              <a:schemeClr val="lt1"/>
+            </a:fontRef>
+          </p:style>
+          <p:txBody>
+            <a:bodyPr rtlCol="0" anchor="b"/>
+            <a:lstStyle/>
+            <a:p>
+              <a:pPr algn="ctr"/>
+              <a:r>
+                <a:rPr lang="en-US" sz="700" b="1" dirty="0">
+                  <a:solidFill>
+                    <a:schemeClr val="tx1"/>
+                  </a:solidFill>
+                </a:rPr>
+                <a:t>Cancel</a:t>
+              </a:r>
+              <a:r>
+                <a:rPr lang="en-US" sz="700" dirty="0">
+                  <a:solidFill>
+                    <a:schemeClr val="tx1"/>
+                  </a:solidFill>
+                </a:rPr>
+                <a:t> Reservation</a:t>
+              </a:r>
+            </a:p>
+          </p:txBody>
+        </p:sp>
+        <p:sp>
+          <p:nvSpPr>
+            <p:cNvPr id="86" name="Delay 85">
+              <a:extLst>
+                <a:ext uri="{FF2B5EF4-FFF2-40B4-BE49-F238E27FC236}">
+                  <a16:creationId xmlns:a16="http://schemas.microsoft.com/office/drawing/2014/main" id="{D8AF57B8-D18C-F647-B90A-C7E909ADC443}"/>
+                </a:ext>
+              </a:extLst>
+            </p:cNvPr>
+            <p:cNvSpPr/>
+            <p:nvPr/>
+          </p:nvSpPr>
+          <p:spPr>
+            <a:xfrm rot="16200000">
+              <a:off x="5651026" y="1191440"/>
+              <a:ext cx="421373" cy="1933434"/>
+            </a:xfrm>
+            <a:prstGeom prst="flowChartDelay">
+              <a:avLst/>
+            </a:prstGeom>
+            <a:solidFill>
+              <a:schemeClr val="accent1">
+                <a:lumMod val="20000"/>
+                <a:lumOff val="80000"/>
+              </a:schemeClr>
+            </a:solidFill>
+          </p:spPr>
+          <p:style>
+            <a:lnRef idx="2">
+              <a:schemeClr val="accent1">
+                <a:shade val="50000"/>
+              </a:schemeClr>
+            </a:lnRef>
+            <a:fillRef idx="1">
+              <a:schemeClr val="accent1"/>
+            </a:fillRef>
+            <a:effectRef idx="0">
+              <a:schemeClr val="accent1"/>
+            </a:effectRef>
+            <a:fontRef idx="minor">
+              <a:schemeClr val="lt1"/>
+            </a:fontRef>
+          </p:style>
+          <p:txBody>
+            <a:bodyPr rtlCol="0" anchor="ctr"/>
+            <a:lstStyle/>
+            <a:p>
+              <a:pPr algn="ctr"/>
+              <a:endParaRPr lang="en-US" sz="700" dirty="0"/>
+            </a:p>
+          </p:txBody>
+        </p:sp>
+        <p:sp>
+          <p:nvSpPr>
+            <p:cNvPr id="87" name="TextBox 86">
+              <a:extLst>
+                <a:ext uri="{FF2B5EF4-FFF2-40B4-BE49-F238E27FC236}">
+                  <a16:creationId xmlns:a16="http://schemas.microsoft.com/office/drawing/2014/main" id="{254317A5-AEE9-9B45-B791-6860EDC9E8FB}"/>
+                </a:ext>
+              </a:extLst>
+            </p:cNvPr>
+            <p:cNvSpPr txBox="1"/>
+            <p:nvPr/>
+          </p:nvSpPr>
+          <p:spPr>
+            <a:xfrm>
+              <a:off x="5628981" y="1973492"/>
+              <a:ext cx="555448" cy="374298"/>
+            </a:xfrm>
+            <a:prstGeom prst="rect">
+              <a:avLst/>
+            </a:prstGeom>
+            <a:noFill/>
+          </p:spPr>
+          <p:txBody>
+            <a:bodyPr wrap="none" rtlCol="0">
+              <a:spAutoFit/>
+            </a:bodyPr>
+            <a:lstStyle/>
+            <a:p>
+              <a:r>
+                <a:rPr lang="en-US" sz="700" dirty="0"/>
+                <a:t>4.0</a:t>
+              </a:r>
+            </a:p>
+          </p:txBody>
+        </p:sp>
+      </p:grpSp>
+      <p:grpSp>
+        <p:nvGrpSpPr>
+          <p:cNvPr id="97" name="Group 96">
+            <a:extLst>
+              <a:ext uri="{FF2B5EF4-FFF2-40B4-BE49-F238E27FC236}">
+                <a16:creationId xmlns:a16="http://schemas.microsoft.com/office/drawing/2014/main" id="{573FB219-3A9E-C740-B3DE-356B95581CE2}"/>
+              </a:ext>
+            </a:extLst>
+          </p:cNvPr>
+          <p:cNvGrpSpPr/>
+          <p:nvPr/>
+        </p:nvGrpSpPr>
+        <p:grpSpPr>
+          <a:xfrm>
+            <a:off x="3097098" y="2628661"/>
+            <a:ext cx="1033383" cy="876447"/>
+            <a:chOff x="4894996" y="1947470"/>
+            <a:chExt cx="1933434" cy="1639810"/>
+          </a:xfrm>
+        </p:grpSpPr>
+        <p:sp>
+          <p:nvSpPr>
+            <p:cNvPr id="98" name="Rounded Rectangle 97">
+              <a:extLst>
+                <a:ext uri="{FF2B5EF4-FFF2-40B4-BE49-F238E27FC236}">
+                  <a16:creationId xmlns:a16="http://schemas.microsoft.com/office/drawing/2014/main" id="{E815F7BB-EF83-1142-80D7-0DCC9A248F26}"/>
+                </a:ext>
+              </a:extLst>
+            </p:cNvPr>
+            <p:cNvSpPr/>
+            <p:nvPr/>
+          </p:nvSpPr>
+          <p:spPr>
+            <a:xfrm>
+              <a:off x="4894996" y="2082614"/>
+              <a:ext cx="1933433" cy="1504666"/>
+            </a:xfrm>
+            <a:prstGeom prst="roundRect">
+              <a:avLst/>
+            </a:prstGeom>
+            <a:solidFill>
+              <a:schemeClr val="bg1"/>
+            </a:solidFill>
+          </p:spPr>
+          <p:style>
+            <a:lnRef idx="2">
+              <a:schemeClr val="accent1">
+                <a:shade val="50000"/>
+              </a:schemeClr>
+            </a:lnRef>
+            <a:fillRef idx="1">
+              <a:schemeClr val="accent1"/>
+            </a:fillRef>
+            <a:effectRef idx="0">
+              <a:schemeClr val="accent1"/>
+            </a:effectRef>
+            <a:fontRef idx="minor">
+              <a:schemeClr val="lt1"/>
+            </a:fontRef>
+          </p:style>
+          <p:txBody>
+            <a:bodyPr rtlCol="0" anchor="b"/>
+            <a:lstStyle/>
+            <a:p>
+              <a:pPr algn="ctr"/>
+              <a:r>
+                <a:rPr lang="en-US" sz="700" b="1" dirty="0">
+                  <a:solidFill>
+                    <a:schemeClr val="tx1"/>
+                  </a:solidFill>
+                </a:rPr>
+                <a:t>View</a:t>
+              </a:r>
+              <a:r>
+                <a:rPr lang="en-US" sz="700" dirty="0">
+                  <a:solidFill>
+                    <a:schemeClr val="tx1"/>
+                  </a:solidFill>
+                </a:rPr>
+                <a:t> Results</a:t>
+              </a:r>
+            </a:p>
+          </p:txBody>
+        </p:sp>
+        <p:sp>
+          <p:nvSpPr>
+            <p:cNvPr id="99" name="Delay 98">
+              <a:extLst>
+                <a:ext uri="{FF2B5EF4-FFF2-40B4-BE49-F238E27FC236}">
+                  <a16:creationId xmlns:a16="http://schemas.microsoft.com/office/drawing/2014/main" id="{01D83F20-1D3D-7F4E-A2DE-7F8483FC29ED}"/>
+                </a:ext>
+              </a:extLst>
+            </p:cNvPr>
+            <p:cNvSpPr/>
+            <p:nvPr/>
+          </p:nvSpPr>
+          <p:spPr>
+            <a:xfrm rot="16200000">
+              <a:off x="5651026" y="1191440"/>
+              <a:ext cx="421373" cy="1933434"/>
+            </a:xfrm>
+            <a:prstGeom prst="flowChartDelay">
+              <a:avLst/>
+            </a:prstGeom>
+            <a:solidFill>
+              <a:schemeClr val="accent1">
+                <a:lumMod val="20000"/>
+                <a:lumOff val="80000"/>
+              </a:schemeClr>
+            </a:solidFill>
+          </p:spPr>
+          <p:style>
+            <a:lnRef idx="2">
+              <a:schemeClr val="accent1">
+                <a:shade val="50000"/>
+              </a:schemeClr>
+            </a:lnRef>
+            <a:fillRef idx="1">
+              <a:schemeClr val="accent1"/>
+            </a:fillRef>
+            <a:effectRef idx="0">
+              <a:schemeClr val="accent1"/>
+            </a:effectRef>
+            <a:fontRef idx="minor">
+              <a:schemeClr val="lt1"/>
+            </a:fontRef>
+          </p:style>
+          <p:txBody>
+            <a:bodyPr rtlCol="0" anchor="ctr"/>
+            <a:lstStyle/>
+            <a:p>
+              <a:pPr algn="ctr"/>
+              <a:endParaRPr lang="en-US" sz="700" dirty="0"/>
+            </a:p>
+          </p:txBody>
+        </p:sp>
+        <p:sp>
+          <p:nvSpPr>
+            <p:cNvPr id="100" name="TextBox 99">
+              <a:extLst>
+                <a:ext uri="{FF2B5EF4-FFF2-40B4-BE49-F238E27FC236}">
+                  <a16:creationId xmlns:a16="http://schemas.microsoft.com/office/drawing/2014/main" id="{2D59337E-A118-C049-8ECB-E6D0CA665E5C}"/>
+                </a:ext>
+              </a:extLst>
+            </p:cNvPr>
+            <p:cNvSpPr txBox="1"/>
+            <p:nvPr/>
+          </p:nvSpPr>
+          <p:spPr>
+            <a:xfrm>
+              <a:off x="5628981" y="1973492"/>
+              <a:ext cx="555448" cy="374298"/>
+            </a:xfrm>
+            <a:prstGeom prst="rect">
+              <a:avLst/>
+            </a:prstGeom>
+            <a:noFill/>
+          </p:spPr>
+          <p:txBody>
+            <a:bodyPr wrap="none" rtlCol="0">
+              <a:spAutoFit/>
+            </a:bodyPr>
+            <a:lstStyle/>
+            <a:p>
+              <a:r>
+                <a:rPr lang="en-US" sz="700" dirty="0"/>
+                <a:t>2.0</a:t>
+              </a:r>
+            </a:p>
+          </p:txBody>
+        </p:sp>
+      </p:grpSp>
+      <p:grpSp>
+        <p:nvGrpSpPr>
+          <p:cNvPr id="101" name="Group 100">
+            <a:extLst>
+              <a:ext uri="{FF2B5EF4-FFF2-40B4-BE49-F238E27FC236}">
+                <a16:creationId xmlns:a16="http://schemas.microsoft.com/office/drawing/2014/main" id="{1F7FD450-2A97-5542-879A-86CAC8B9AF2B}"/>
+              </a:ext>
+            </a:extLst>
+          </p:cNvPr>
+          <p:cNvGrpSpPr/>
+          <p:nvPr/>
+        </p:nvGrpSpPr>
+        <p:grpSpPr>
+          <a:xfrm>
+            <a:off x="738294" y="4604829"/>
+            <a:ext cx="1167114" cy="307904"/>
+            <a:chOff x="903742" y="5627244"/>
+            <a:chExt cx="2183643" cy="576081"/>
+          </a:xfrm>
+        </p:grpSpPr>
+        <p:sp>
+          <p:nvSpPr>
+            <p:cNvPr id="102" name="Rectangle 101">
+              <a:extLst>
+                <a:ext uri="{FF2B5EF4-FFF2-40B4-BE49-F238E27FC236}">
+                  <a16:creationId xmlns:a16="http://schemas.microsoft.com/office/drawing/2014/main" id="{DBC0D4D8-FA9B-464B-BBFA-ACF3BD09AC07}"/>
+                </a:ext>
+              </a:extLst>
+            </p:cNvPr>
+            <p:cNvSpPr/>
+            <p:nvPr/>
+          </p:nvSpPr>
+          <p:spPr>
+            <a:xfrm>
+              <a:off x="903743" y="5627244"/>
+              <a:ext cx="2183642" cy="576081"/>
+            </a:xfrm>
+            <a:prstGeom prst="rect">
+              <a:avLst/>
+            </a:prstGeom>
+            <a:solidFill>
+              <a:schemeClr val="bg1"/>
+            </a:solidFill>
+          </p:spPr>
+          <p:style>
+            <a:lnRef idx="2">
+              <a:schemeClr val="accent1">
+                <a:shade val="50000"/>
+              </a:schemeClr>
+            </a:lnRef>
+            <a:fillRef idx="1">
+              <a:schemeClr val="accent1"/>
+            </a:fillRef>
+            <a:effectRef idx="0">
+              <a:schemeClr val="accent1"/>
+            </a:effectRef>
+            <a:fontRef idx="minor">
+              <a:schemeClr val="lt1"/>
+            </a:fontRef>
+          </p:style>
+          <p:txBody>
+            <a:bodyPr rot="0" spcFirstLastPara="0" vertOverflow="overflow" horzOverflow="overflow" vert="horz" wrap="square" lIns="91440" tIns="45720" rIns="91440" bIns="45720" numCol="1" spcCol="0" rtlCol="0" fromWordArt="0" anchor="ctr" anchorCtr="0" forceAA="0" compatLnSpc="1">
+              <a:prstTxWarp prst="textNoShape">
+                <a:avLst/>
+              </a:prstTxWarp>
+              <a:noAutofit/>
+            </a:bodyPr>
+            <a:lstStyle/>
+            <a:p>
+              <a:pPr algn="r"/>
+              <a:r>
+                <a:rPr lang="en-US" sz="700" dirty="0">
+                  <a:solidFill>
+                    <a:schemeClr val="tx1"/>
+                  </a:solidFill>
+                </a:rPr>
+                <a:t>Room File</a:t>
+              </a:r>
+            </a:p>
+          </p:txBody>
+        </p:sp>
+        <p:sp>
+          <p:nvSpPr>
+            <p:cNvPr id="103" name="Rectangle 102">
+              <a:extLst>
+                <a:ext uri="{FF2B5EF4-FFF2-40B4-BE49-F238E27FC236}">
+                  <a16:creationId xmlns:a16="http://schemas.microsoft.com/office/drawing/2014/main" id="{A260378A-2661-6E42-9EC0-FF74C6D5850B}"/>
+                </a:ext>
+              </a:extLst>
+            </p:cNvPr>
+            <p:cNvSpPr/>
+            <p:nvPr/>
+          </p:nvSpPr>
+          <p:spPr>
+            <a:xfrm>
+              <a:off x="903742" y="5627244"/>
+              <a:ext cx="527000" cy="576081"/>
+            </a:xfrm>
+            <a:prstGeom prst="rect">
+              <a:avLst/>
+            </a:prstGeom>
+            <a:solidFill>
+              <a:schemeClr val="accent1">
+                <a:lumMod val="20000"/>
+                <a:lumOff val="80000"/>
+              </a:schemeClr>
+            </a:solidFill>
+          </p:spPr>
+          <p:style>
+            <a:lnRef idx="2">
+              <a:schemeClr val="accent1">
+                <a:shade val="50000"/>
+              </a:schemeClr>
+            </a:lnRef>
+            <a:fillRef idx="1">
+              <a:schemeClr val="accent1"/>
+            </a:fillRef>
+            <a:effectRef idx="0">
+              <a:schemeClr val="accent1"/>
+            </a:effectRef>
+            <a:fontRef idx="minor">
+              <a:schemeClr val="lt1"/>
+            </a:fontRef>
+          </p:style>
+          <p:txBody>
+            <a:bodyPr rtlCol="0" anchor="ctr"/>
+            <a:lstStyle/>
+            <a:p>
+              <a:pPr algn="ctr"/>
+              <a:r>
+                <a:rPr lang="en-US" sz="700" dirty="0">
+                  <a:solidFill>
+                    <a:schemeClr val="tx1"/>
+                  </a:solidFill>
+                </a:rPr>
+                <a:t>D1</a:t>
+              </a:r>
+            </a:p>
+          </p:txBody>
+        </p:sp>
+      </p:grpSp>
+      <p:grpSp>
+        <p:nvGrpSpPr>
+          <p:cNvPr id="114" name="Group 113">
+            <a:extLst>
+              <a:ext uri="{FF2B5EF4-FFF2-40B4-BE49-F238E27FC236}">
+                <a16:creationId xmlns:a16="http://schemas.microsoft.com/office/drawing/2014/main" id="{EC01D5AF-A0D6-1542-8FF7-2E547F7EA679}"/>
+              </a:ext>
+            </a:extLst>
+          </p:cNvPr>
+          <p:cNvGrpSpPr/>
+          <p:nvPr/>
+        </p:nvGrpSpPr>
+        <p:grpSpPr>
+          <a:xfrm>
+            <a:off x="9495773" y="2573198"/>
+            <a:ext cx="1033383" cy="876447"/>
+            <a:chOff x="4894996" y="1947470"/>
+            <a:chExt cx="1933434" cy="1639810"/>
+          </a:xfrm>
+        </p:grpSpPr>
+        <p:sp>
+          <p:nvSpPr>
+            <p:cNvPr id="115" name="Rounded Rectangle 114">
+              <a:extLst>
+                <a:ext uri="{FF2B5EF4-FFF2-40B4-BE49-F238E27FC236}">
+                  <a16:creationId xmlns:a16="http://schemas.microsoft.com/office/drawing/2014/main" id="{A178AB7D-5A0D-8642-8EF0-156A4D1EEE01}"/>
+                </a:ext>
+              </a:extLst>
+            </p:cNvPr>
+            <p:cNvSpPr/>
+            <p:nvPr/>
+          </p:nvSpPr>
+          <p:spPr>
+            <a:xfrm>
+              <a:off x="4894996" y="2082614"/>
+              <a:ext cx="1933433" cy="1504666"/>
+            </a:xfrm>
+            <a:prstGeom prst="roundRect">
+              <a:avLst/>
+            </a:prstGeom>
+            <a:solidFill>
+              <a:schemeClr val="bg1"/>
+            </a:solidFill>
+          </p:spPr>
+          <p:style>
+            <a:lnRef idx="2">
+              <a:schemeClr val="accent1">
+                <a:shade val="50000"/>
+              </a:schemeClr>
+            </a:lnRef>
+            <a:fillRef idx="1">
+              <a:schemeClr val="accent1"/>
+            </a:fillRef>
+            <a:effectRef idx="0">
+              <a:schemeClr val="accent1"/>
+            </a:effectRef>
+            <a:fontRef idx="minor">
+              <a:schemeClr val="lt1"/>
+            </a:fontRef>
+          </p:style>
+          <p:txBody>
+            <a:bodyPr rtlCol="0" anchor="b"/>
+            <a:lstStyle/>
+            <a:p>
+              <a:pPr algn="ctr"/>
+              <a:r>
+                <a:rPr lang="en-US" sz="700" b="1" dirty="0">
+                  <a:solidFill>
+                    <a:schemeClr val="tx1"/>
+                  </a:solidFill>
+                </a:rPr>
+                <a:t>Create / Update </a:t>
+              </a:r>
+              <a:r>
+                <a:rPr lang="en-US" sz="700" dirty="0">
+                  <a:solidFill>
+                    <a:schemeClr val="tx1"/>
+                  </a:solidFill>
+                </a:rPr>
+                <a:t> Account</a:t>
+              </a:r>
+            </a:p>
+          </p:txBody>
+        </p:sp>
+        <p:sp>
+          <p:nvSpPr>
+            <p:cNvPr id="116" name="Delay 115">
+              <a:extLst>
+                <a:ext uri="{FF2B5EF4-FFF2-40B4-BE49-F238E27FC236}">
+                  <a16:creationId xmlns:a16="http://schemas.microsoft.com/office/drawing/2014/main" id="{7A33EA24-9982-6E44-9379-09A07B78CB9A}"/>
+                </a:ext>
+              </a:extLst>
+            </p:cNvPr>
+            <p:cNvSpPr/>
+            <p:nvPr/>
+          </p:nvSpPr>
+          <p:spPr>
+            <a:xfrm rot="16200000">
+              <a:off x="5651026" y="1191440"/>
+              <a:ext cx="421373" cy="1933434"/>
+            </a:xfrm>
+            <a:prstGeom prst="flowChartDelay">
+              <a:avLst/>
+            </a:prstGeom>
+            <a:solidFill>
+              <a:schemeClr val="accent1">
+                <a:lumMod val="20000"/>
+                <a:lumOff val="80000"/>
+              </a:schemeClr>
+            </a:solidFill>
+          </p:spPr>
+          <p:style>
+            <a:lnRef idx="2">
+              <a:schemeClr val="accent1">
+                <a:shade val="50000"/>
+              </a:schemeClr>
+            </a:lnRef>
+            <a:fillRef idx="1">
+              <a:schemeClr val="accent1"/>
+            </a:fillRef>
+            <a:effectRef idx="0">
+              <a:schemeClr val="accent1"/>
+            </a:effectRef>
+            <a:fontRef idx="minor">
+              <a:schemeClr val="lt1"/>
+            </a:fontRef>
+          </p:style>
+          <p:txBody>
+            <a:bodyPr rtlCol="0" anchor="ctr"/>
+            <a:lstStyle/>
+            <a:p>
+              <a:pPr algn="ctr"/>
+              <a:endParaRPr lang="en-US" sz="700" dirty="0"/>
+            </a:p>
+          </p:txBody>
+        </p:sp>
+        <p:sp>
+          <p:nvSpPr>
+            <p:cNvPr id="117" name="TextBox 116">
+              <a:extLst>
+                <a:ext uri="{FF2B5EF4-FFF2-40B4-BE49-F238E27FC236}">
+                  <a16:creationId xmlns:a16="http://schemas.microsoft.com/office/drawing/2014/main" id="{CEA427A9-B369-504F-934C-B7D49C88ADA3}"/>
+                </a:ext>
+              </a:extLst>
+            </p:cNvPr>
+            <p:cNvSpPr txBox="1"/>
+            <p:nvPr/>
+          </p:nvSpPr>
+          <p:spPr>
+            <a:xfrm>
+              <a:off x="5628981" y="1973492"/>
+              <a:ext cx="555448" cy="374298"/>
+            </a:xfrm>
+            <a:prstGeom prst="rect">
+              <a:avLst/>
+            </a:prstGeom>
+            <a:noFill/>
+          </p:spPr>
+          <p:txBody>
+            <a:bodyPr wrap="none" rtlCol="0">
+              <a:spAutoFit/>
+            </a:bodyPr>
+            <a:lstStyle/>
+            <a:p>
+              <a:r>
+                <a:rPr lang="en-US" sz="700" dirty="0"/>
+                <a:t>6.0</a:t>
+              </a:r>
+            </a:p>
+          </p:txBody>
+        </p:sp>
+      </p:grpSp>
+      <p:cxnSp>
+        <p:nvCxnSpPr>
+          <p:cNvPr id="3" name="Elbow Connector 2">
+            <a:extLst>
+              <a:ext uri="{FF2B5EF4-FFF2-40B4-BE49-F238E27FC236}">
+                <a16:creationId xmlns:a16="http://schemas.microsoft.com/office/drawing/2014/main" id="{29869E58-441A-7549-AE87-73845B02DDCA}"/>
+              </a:ext>
+            </a:extLst>
+          </p:cNvPr>
+          <p:cNvCxnSpPr>
+            <a:stCxn id="4" idx="2"/>
+            <a:endCxn id="20" idx="0"/>
+          </p:cNvCxnSpPr>
+          <p:nvPr/>
+        </p:nvCxnSpPr>
+        <p:spPr>
+          <a:xfrm rot="5400000">
+            <a:off x="2990964" y="-367835"/>
+            <a:ext cx="1364188" cy="4541938"/>
+          </a:xfrm>
+          <a:prstGeom prst="bentConnector3">
+            <a:avLst>
+              <a:gd name="adj1" fmla="val 58160"/>
+            </a:avLst>
+          </a:prstGeom>
+          <a:ln>
+            <a:tailEnd type="triangle"/>
+          </a:ln>
+        </p:spPr>
+        <p:style>
+          <a:lnRef idx="1">
+            <a:schemeClr val="accent1"/>
+          </a:lnRef>
+          <a:fillRef idx="0">
+            <a:schemeClr val="accent1"/>
+          </a:fillRef>
+          <a:effectRef idx="0">
+            <a:schemeClr val="accent1"/>
+          </a:effectRef>
+          <a:fontRef idx="minor">
+            <a:schemeClr val="tx1"/>
+          </a:fontRef>
+        </p:style>
+      </p:cxnSp>
+      <p:cxnSp>
+        <p:nvCxnSpPr>
+          <p:cNvPr id="44" name="Elbow Connector 43">
+            <a:extLst>
+              <a:ext uri="{FF2B5EF4-FFF2-40B4-BE49-F238E27FC236}">
+                <a16:creationId xmlns:a16="http://schemas.microsoft.com/office/drawing/2014/main" id="{08CDA1DB-02DF-CF45-9C82-EF487B800F3F}"/>
+              </a:ext>
+            </a:extLst>
+          </p:cNvPr>
+          <p:cNvCxnSpPr>
+            <a:cxnSpLocks/>
+            <a:stCxn id="7" idx="2"/>
+            <a:endCxn id="102" idx="0"/>
+          </p:cNvCxnSpPr>
+          <p:nvPr/>
+        </p:nvCxnSpPr>
+        <p:spPr>
+          <a:xfrm rot="5400000">
+            <a:off x="771416" y="3998204"/>
+            <a:ext cx="1157062" cy="56189"/>
+          </a:xfrm>
+          <a:prstGeom prst="bentConnector3">
+            <a:avLst>
+              <a:gd name="adj1" fmla="val 50000"/>
+            </a:avLst>
+          </a:prstGeom>
+          <a:ln>
+            <a:tailEnd type="triangle"/>
+          </a:ln>
+        </p:spPr>
+        <p:style>
+          <a:lnRef idx="1">
+            <a:schemeClr val="accent1"/>
+          </a:lnRef>
+          <a:fillRef idx="0">
+            <a:schemeClr val="accent1"/>
+          </a:fillRef>
+          <a:effectRef idx="0">
+            <a:schemeClr val="accent1"/>
+          </a:effectRef>
+          <a:fontRef idx="minor">
+            <a:schemeClr val="tx1"/>
+          </a:fontRef>
+        </p:style>
+      </p:cxnSp>
+      <p:cxnSp>
+        <p:nvCxnSpPr>
+          <p:cNvPr id="47" name="Elbow Connector 46">
+            <a:extLst>
+              <a:ext uri="{FF2B5EF4-FFF2-40B4-BE49-F238E27FC236}">
+                <a16:creationId xmlns:a16="http://schemas.microsoft.com/office/drawing/2014/main" id="{C70FF695-2E70-DF42-9071-4114A9CB1A4E}"/>
+              </a:ext>
+            </a:extLst>
+          </p:cNvPr>
+          <p:cNvCxnSpPr>
+            <a:cxnSpLocks/>
+            <a:stCxn id="102" idx="2"/>
+            <a:endCxn id="119" idx="1"/>
+          </p:cNvCxnSpPr>
+          <p:nvPr/>
+        </p:nvCxnSpPr>
+        <p:spPr>
+          <a:xfrm rot="5400000" flipH="1" flipV="1">
+            <a:off x="1716704" y="4302392"/>
+            <a:ext cx="215488" cy="1005193"/>
+          </a:xfrm>
+          <a:prstGeom prst="bentConnector4">
+            <a:avLst>
+              <a:gd name="adj1" fmla="val -106085"/>
+              <a:gd name="adj2" fmla="val 79027"/>
+            </a:avLst>
+          </a:prstGeom>
+          <a:ln>
+            <a:tailEnd type="triangle"/>
+          </a:ln>
+        </p:spPr>
+        <p:style>
+          <a:lnRef idx="1">
+            <a:schemeClr val="accent1"/>
+          </a:lnRef>
+          <a:fillRef idx="0">
+            <a:schemeClr val="accent1"/>
+          </a:fillRef>
+          <a:effectRef idx="0">
+            <a:schemeClr val="accent1"/>
+          </a:effectRef>
+          <a:fontRef idx="minor">
+            <a:schemeClr val="tx1"/>
+          </a:fontRef>
+        </p:style>
+      </p:cxnSp>
+      <p:cxnSp>
+        <p:nvCxnSpPr>
+          <p:cNvPr id="63" name="Elbow Connector 62">
+            <a:extLst>
+              <a:ext uri="{FF2B5EF4-FFF2-40B4-BE49-F238E27FC236}">
+                <a16:creationId xmlns:a16="http://schemas.microsoft.com/office/drawing/2014/main" id="{CCA88E51-2D4A-B04D-A207-2B611F431392}"/>
+              </a:ext>
+            </a:extLst>
+          </p:cNvPr>
+          <p:cNvCxnSpPr>
+            <a:cxnSpLocks/>
+            <a:stCxn id="119" idx="3"/>
+            <a:endCxn id="11" idx="1"/>
+          </p:cNvCxnSpPr>
+          <p:nvPr/>
+        </p:nvCxnSpPr>
+        <p:spPr>
+          <a:xfrm>
+            <a:off x="3360427" y="4697245"/>
+            <a:ext cx="1839760" cy="65907"/>
+          </a:xfrm>
+          <a:prstGeom prst="bentConnector3">
+            <a:avLst>
+              <a:gd name="adj1" fmla="val 50000"/>
+            </a:avLst>
+          </a:prstGeom>
+          <a:ln>
+            <a:tailEnd type="triangle"/>
+          </a:ln>
+        </p:spPr>
+        <p:style>
+          <a:lnRef idx="1">
+            <a:schemeClr val="accent1"/>
+          </a:lnRef>
+          <a:fillRef idx="0">
+            <a:schemeClr val="accent1"/>
+          </a:fillRef>
+          <a:effectRef idx="0">
+            <a:schemeClr val="accent1"/>
+          </a:effectRef>
+          <a:fontRef idx="minor">
+            <a:schemeClr val="tx1"/>
+          </a:fontRef>
+        </p:style>
+      </p:cxnSp>
+      <p:cxnSp>
+        <p:nvCxnSpPr>
+          <p:cNvPr id="67" name="Elbow Connector 66">
+            <a:extLst>
+              <a:ext uri="{FF2B5EF4-FFF2-40B4-BE49-F238E27FC236}">
+                <a16:creationId xmlns:a16="http://schemas.microsoft.com/office/drawing/2014/main" id="{2BCBC0F3-4566-1F45-995C-5EE2D99C71BA}"/>
+              </a:ext>
+            </a:extLst>
+          </p:cNvPr>
+          <p:cNvCxnSpPr>
+            <a:cxnSpLocks/>
+            <a:stCxn id="4" idx="2"/>
+            <a:endCxn id="83" idx="0"/>
+          </p:cNvCxnSpPr>
+          <p:nvPr/>
+        </p:nvCxnSpPr>
+        <p:spPr>
+          <a:xfrm rot="16200000" flipH="1">
+            <a:off x="5446230" y="1718837"/>
+            <a:ext cx="1376052" cy="380458"/>
+          </a:xfrm>
+          <a:prstGeom prst="bentConnector3">
+            <a:avLst>
+              <a:gd name="adj1" fmla="val 50000"/>
+            </a:avLst>
+          </a:prstGeom>
+          <a:ln>
+            <a:tailEnd type="triangle"/>
+          </a:ln>
+        </p:spPr>
+        <p:style>
+          <a:lnRef idx="1">
+            <a:schemeClr val="accent1"/>
+          </a:lnRef>
+          <a:fillRef idx="0">
+            <a:schemeClr val="accent1"/>
+          </a:fillRef>
+          <a:effectRef idx="0">
+            <a:schemeClr val="accent1"/>
+          </a:effectRef>
+          <a:fontRef idx="minor">
+            <a:schemeClr val="tx1"/>
+          </a:fontRef>
+        </p:style>
+      </p:cxnSp>
+      <p:cxnSp>
+        <p:nvCxnSpPr>
+          <p:cNvPr id="70" name="Elbow Connector 69">
+            <a:extLst>
+              <a:ext uri="{FF2B5EF4-FFF2-40B4-BE49-F238E27FC236}">
+                <a16:creationId xmlns:a16="http://schemas.microsoft.com/office/drawing/2014/main" id="{729E87BD-2852-EC4D-8BC1-89D9FDD59C04}"/>
+              </a:ext>
+            </a:extLst>
+          </p:cNvPr>
+          <p:cNvCxnSpPr>
+            <a:cxnSpLocks/>
+            <a:stCxn id="81" idx="2"/>
+            <a:endCxn id="9" idx="0"/>
+          </p:cNvCxnSpPr>
+          <p:nvPr/>
+        </p:nvCxnSpPr>
+        <p:spPr>
+          <a:xfrm rot="5400000">
+            <a:off x="5467307" y="3776069"/>
+            <a:ext cx="1149569" cy="516692"/>
+          </a:xfrm>
+          <a:prstGeom prst="bentConnector3">
+            <a:avLst>
+              <a:gd name="adj1" fmla="val 50000"/>
+            </a:avLst>
+          </a:prstGeom>
+          <a:ln>
+            <a:tailEnd type="triangle"/>
+          </a:ln>
+        </p:spPr>
+        <p:style>
+          <a:lnRef idx="1">
+            <a:schemeClr val="accent1"/>
+          </a:lnRef>
+          <a:fillRef idx="0">
+            <a:schemeClr val="accent1"/>
+          </a:fillRef>
+          <a:effectRef idx="0">
+            <a:schemeClr val="accent1"/>
+          </a:effectRef>
+          <a:fontRef idx="minor">
+            <a:schemeClr val="tx1"/>
+          </a:fontRef>
+        </p:style>
+      </p:cxnSp>
+      <p:cxnSp>
+        <p:nvCxnSpPr>
+          <p:cNvPr id="73" name="Elbow Connector 72">
+            <a:extLst>
+              <a:ext uri="{FF2B5EF4-FFF2-40B4-BE49-F238E27FC236}">
+                <a16:creationId xmlns:a16="http://schemas.microsoft.com/office/drawing/2014/main" id="{70018CF3-CA68-1842-805E-6891B2094F49}"/>
+              </a:ext>
+            </a:extLst>
+          </p:cNvPr>
+          <p:cNvCxnSpPr>
+            <a:cxnSpLocks/>
+            <a:stCxn id="4" idx="2"/>
+            <a:endCxn id="87" idx="0"/>
+          </p:cNvCxnSpPr>
+          <p:nvPr/>
+        </p:nvCxnSpPr>
+        <p:spPr>
+          <a:xfrm rot="16200000" flipH="1">
+            <a:off x="6013913" y="1151154"/>
+            <a:ext cx="1376052" cy="1515824"/>
+          </a:xfrm>
+          <a:prstGeom prst="bentConnector3">
+            <a:avLst>
+              <a:gd name="adj1" fmla="val 39599"/>
+            </a:avLst>
+          </a:prstGeom>
+          <a:ln>
+            <a:tailEnd type="triangle"/>
+          </a:ln>
+        </p:spPr>
+        <p:style>
+          <a:lnRef idx="1">
+            <a:schemeClr val="accent1"/>
+          </a:lnRef>
+          <a:fillRef idx="0">
+            <a:schemeClr val="accent1"/>
+          </a:fillRef>
+          <a:effectRef idx="0">
+            <a:schemeClr val="accent1"/>
+          </a:effectRef>
+          <a:fontRef idx="minor">
+            <a:schemeClr val="tx1"/>
+          </a:fontRef>
+        </p:style>
+      </p:cxnSp>
+      <p:cxnSp>
+        <p:nvCxnSpPr>
+          <p:cNvPr id="88" name="Elbow Connector 87">
+            <a:extLst>
+              <a:ext uri="{FF2B5EF4-FFF2-40B4-BE49-F238E27FC236}">
+                <a16:creationId xmlns:a16="http://schemas.microsoft.com/office/drawing/2014/main" id="{4EE4CBBD-ED66-D842-AACA-DFA9D2EE4E04}"/>
+              </a:ext>
+            </a:extLst>
+          </p:cNvPr>
+          <p:cNvCxnSpPr>
+            <a:cxnSpLocks/>
+            <a:stCxn id="4" idx="2"/>
+            <a:endCxn id="117" idx="0"/>
+          </p:cNvCxnSpPr>
+          <p:nvPr/>
+        </p:nvCxnSpPr>
+        <p:spPr>
+          <a:xfrm rot="16200000" flipH="1">
+            <a:off x="7307236" y="-142170"/>
+            <a:ext cx="1366066" cy="4092485"/>
+          </a:xfrm>
+          <a:prstGeom prst="bentConnector3">
+            <a:avLst>
+              <a:gd name="adj1" fmla="val 45343"/>
+            </a:avLst>
+          </a:prstGeom>
+          <a:ln>
+            <a:tailEnd type="triangle"/>
+          </a:ln>
+        </p:spPr>
+        <p:style>
+          <a:lnRef idx="1">
+            <a:schemeClr val="accent1"/>
+          </a:lnRef>
+          <a:fillRef idx="0">
+            <a:schemeClr val="accent1"/>
+          </a:fillRef>
+          <a:effectRef idx="0">
+            <a:schemeClr val="accent1"/>
+          </a:effectRef>
+          <a:fontRef idx="minor">
+            <a:schemeClr val="tx1"/>
+          </a:fontRef>
+        </p:style>
+      </p:cxnSp>
+      <p:cxnSp>
+        <p:nvCxnSpPr>
+          <p:cNvPr id="90" name="Elbow Connector 89">
+            <a:extLst>
+              <a:ext uri="{FF2B5EF4-FFF2-40B4-BE49-F238E27FC236}">
+                <a16:creationId xmlns:a16="http://schemas.microsoft.com/office/drawing/2014/main" id="{5DFDA46C-4FE0-F046-A59E-831D796DBF97}"/>
+              </a:ext>
+            </a:extLst>
+          </p:cNvPr>
+          <p:cNvCxnSpPr>
+            <a:cxnSpLocks/>
+            <a:stCxn id="85" idx="2"/>
+            <a:endCxn id="9" idx="0"/>
+          </p:cNvCxnSpPr>
+          <p:nvPr/>
+        </p:nvCxnSpPr>
+        <p:spPr>
+          <a:xfrm rot="5400000">
+            <a:off x="6034990" y="3208386"/>
+            <a:ext cx="1149569" cy="1652058"/>
+          </a:xfrm>
+          <a:prstGeom prst="bentConnector3">
+            <a:avLst>
+              <a:gd name="adj1" fmla="val 50000"/>
+            </a:avLst>
+          </a:prstGeom>
+          <a:ln>
+            <a:tailEnd type="triangle"/>
+          </a:ln>
+        </p:spPr>
+        <p:style>
+          <a:lnRef idx="1">
+            <a:schemeClr val="accent1"/>
+          </a:lnRef>
+          <a:fillRef idx="0">
+            <a:schemeClr val="accent1"/>
+          </a:fillRef>
+          <a:effectRef idx="0">
+            <a:schemeClr val="accent1"/>
+          </a:effectRef>
+          <a:fontRef idx="minor">
+            <a:schemeClr val="tx1"/>
+          </a:fontRef>
+        </p:style>
+      </p:cxnSp>
+      <p:cxnSp>
+        <p:nvCxnSpPr>
+          <p:cNvPr id="91" name="Elbow Connector 90">
+            <a:extLst>
+              <a:ext uri="{FF2B5EF4-FFF2-40B4-BE49-F238E27FC236}">
+                <a16:creationId xmlns:a16="http://schemas.microsoft.com/office/drawing/2014/main" id="{CDFC900B-16F4-8843-8D46-1DCD2AAD741A}"/>
+              </a:ext>
+            </a:extLst>
+          </p:cNvPr>
+          <p:cNvCxnSpPr>
+            <a:cxnSpLocks/>
+            <a:stCxn id="9" idx="3"/>
+            <a:endCxn id="77" idx="2"/>
+          </p:cNvCxnSpPr>
+          <p:nvPr/>
+        </p:nvCxnSpPr>
+        <p:spPr>
+          <a:xfrm flipV="1">
+            <a:off x="6367301" y="3449645"/>
+            <a:ext cx="2233774" cy="1313507"/>
+          </a:xfrm>
+          <a:prstGeom prst="bentConnector2">
+            <a:avLst/>
+          </a:prstGeom>
+          <a:ln>
+            <a:tailEnd type="triangle"/>
+          </a:ln>
+        </p:spPr>
+        <p:style>
+          <a:lnRef idx="1">
+            <a:schemeClr val="accent1"/>
+          </a:lnRef>
+          <a:fillRef idx="0">
+            <a:schemeClr val="accent1"/>
+          </a:fillRef>
+          <a:effectRef idx="0">
+            <a:schemeClr val="accent1"/>
+          </a:effectRef>
+          <a:fontRef idx="minor">
+            <a:schemeClr val="tx1"/>
+          </a:fontRef>
+        </p:style>
+      </p:cxnSp>
+      <p:cxnSp>
+        <p:nvCxnSpPr>
+          <p:cNvPr id="92" name="Elbow Connector 91">
+            <a:extLst>
+              <a:ext uri="{FF2B5EF4-FFF2-40B4-BE49-F238E27FC236}">
+                <a16:creationId xmlns:a16="http://schemas.microsoft.com/office/drawing/2014/main" id="{92D09CC9-C0A0-9842-8D70-3CC61D564851}"/>
+              </a:ext>
+            </a:extLst>
+          </p:cNvPr>
+          <p:cNvCxnSpPr>
+            <a:cxnSpLocks/>
+            <a:stCxn id="115" idx="2"/>
+            <a:endCxn id="58" idx="0"/>
+          </p:cNvCxnSpPr>
+          <p:nvPr/>
+        </p:nvCxnSpPr>
+        <p:spPr>
+          <a:xfrm rot="16200000" flipH="1">
+            <a:off x="9196072" y="4266036"/>
+            <a:ext cx="1656832" cy="24049"/>
+          </a:xfrm>
+          <a:prstGeom prst="bentConnector3">
+            <a:avLst>
+              <a:gd name="adj1" fmla="val 50000"/>
+            </a:avLst>
+          </a:prstGeom>
+          <a:ln>
+            <a:tailEnd type="triangle"/>
+          </a:ln>
+        </p:spPr>
+        <p:style>
+          <a:lnRef idx="1">
+            <a:schemeClr val="accent1"/>
+          </a:lnRef>
+          <a:fillRef idx="0">
+            <a:schemeClr val="accent1"/>
+          </a:fillRef>
+          <a:effectRef idx="0">
+            <a:schemeClr val="accent1"/>
+          </a:effectRef>
+          <a:fontRef idx="minor">
+            <a:schemeClr val="tx1"/>
+          </a:fontRef>
+        </p:style>
+      </p:cxnSp>
+      <p:sp>
+        <p:nvSpPr>
+          <p:cNvPr id="105" name="TextBox 104">
+            <a:extLst>
+              <a:ext uri="{FF2B5EF4-FFF2-40B4-BE49-F238E27FC236}">
+                <a16:creationId xmlns:a16="http://schemas.microsoft.com/office/drawing/2014/main" id="{86D822C2-17A4-7243-BA1E-16898CB615B2}"/>
+              </a:ext>
+            </a:extLst>
+          </p:cNvPr>
+          <p:cNvSpPr txBox="1"/>
+          <p:nvPr/>
+        </p:nvSpPr>
+        <p:spPr>
+          <a:xfrm>
+            <a:off x="1372384" y="3775765"/>
+            <a:ext cx="604653" cy="184666"/>
+          </a:xfrm>
+          <a:prstGeom prst="rect">
+            <a:avLst/>
+          </a:prstGeom>
+          <a:noFill/>
+        </p:spPr>
+        <p:txBody>
+          <a:bodyPr wrap="none" rtlCol="0">
+            <a:spAutoFit/>
+          </a:bodyPr>
+          <a:lstStyle/>
+          <a:p>
+            <a:r>
+              <a:rPr lang="en-US" sz="600" dirty="0"/>
+              <a:t>Search Query</a:t>
+            </a:r>
+          </a:p>
+        </p:txBody>
+      </p:sp>
+      <p:sp>
+        <p:nvSpPr>
+          <p:cNvPr id="106" name="TextBox 105">
+            <a:extLst>
+              <a:ext uri="{FF2B5EF4-FFF2-40B4-BE49-F238E27FC236}">
+                <a16:creationId xmlns:a16="http://schemas.microsoft.com/office/drawing/2014/main" id="{B9DB5DC2-9D75-0945-B0BA-A3F1EE9B7587}"/>
+              </a:ext>
+            </a:extLst>
+          </p:cNvPr>
+          <p:cNvSpPr txBox="1"/>
+          <p:nvPr/>
+        </p:nvSpPr>
+        <p:spPr>
+          <a:xfrm>
+            <a:off x="1342115" y="5130174"/>
+            <a:ext cx="508473" cy="184666"/>
+          </a:xfrm>
+          <a:prstGeom prst="rect">
+            <a:avLst/>
+          </a:prstGeom>
+          <a:noFill/>
+        </p:spPr>
+        <p:txBody>
+          <a:bodyPr wrap="none" rtlCol="0">
+            <a:spAutoFit/>
+          </a:bodyPr>
+          <a:lstStyle/>
+          <a:p>
+            <a:r>
+              <a:rPr lang="en-US" sz="600" dirty="0"/>
+              <a:t>Room Info</a:t>
+            </a:r>
+          </a:p>
+        </p:txBody>
+      </p:sp>
+      <p:grpSp>
+        <p:nvGrpSpPr>
+          <p:cNvPr id="118" name="Group 117">
+            <a:extLst>
+              <a:ext uri="{FF2B5EF4-FFF2-40B4-BE49-F238E27FC236}">
+                <a16:creationId xmlns:a16="http://schemas.microsoft.com/office/drawing/2014/main" id="{36FA9446-EB95-3347-8920-1470D9626C9D}"/>
+              </a:ext>
+            </a:extLst>
+          </p:cNvPr>
+          <p:cNvGrpSpPr/>
+          <p:nvPr/>
+        </p:nvGrpSpPr>
+        <p:grpSpPr>
+          <a:xfrm>
+            <a:off x="2327045" y="4222905"/>
+            <a:ext cx="1033383" cy="876447"/>
+            <a:chOff x="4894996" y="1947470"/>
+            <a:chExt cx="1933434" cy="1639810"/>
+          </a:xfrm>
+        </p:grpSpPr>
+        <p:sp>
+          <p:nvSpPr>
+            <p:cNvPr id="119" name="Rounded Rectangle 118">
+              <a:extLst>
+                <a:ext uri="{FF2B5EF4-FFF2-40B4-BE49-F238E27FC236}">
+                  <a16:creationId xmlns:a16="http://schemas.microsoft.com/office/drawing/2014/main" id="{31BE4895-B4FE-654B-B1F6-4110E44523B3}"/>
+                </a:ext>
+              </a:extLst>
+            </p:cNvPr>
+            <p:cNvSpPr/>
+            <p:nvPr/>
+          </p:nvSpPr>
+          <p:spPr>
+            <a:xfrm>
+              <a:off x="4894996" y="2082614"/>
+              <a:ext cx="1933433" cy="1504666"/>
+            </a:xfrm>
+            <a:prstGeom prst="roundRect">
+              <a:avLst/>
+            </a:prstGeom>
+            <a:solidFill>
+              <a:schemeClr val="bg1"/>
+            </a:solidFill>
+          </p:spPr>
+          <p:style>
+            <a:lnRef idx="2">
+              <a:schemeClr val="accent1">
+                <a:shade val="50000"/>
+              </a:schemeClr>
+            </a:lnRef>
+            <a:fillRef idx="1">
+              <a:schemeClr val="accent1"/>
+            </a:fillRef>
+            <a:effectRef idx="0">
+              <a:schemeClr val="accent1"/>
+            </a:effectRef>
+            <a:fontRef idx="minor">
+              <a:schemeClr val="lt1"/>
+            </a:fontRef>
+          </p:style>
+          <p:txBody>
+            <a:bodyPr rtlCol="0" anchor="b"/>
+            <a:lstStyle/>
+            <a:p>
+              <a:pPr algn="ctr"/>
+              <a:r>
+                <a:rPr lang="en-US" sz="700" b="1" dirty="0">
+                  <a:solidFill>
+                    <a:schemeClr val="tx1"/>
+                  </a:solidFill>
+                </a:rPr>
+                <a:t>Find</a:t>
+              </a:r>
+            </a:p>
+            <a:p>
+              <a:pPr algn="ctr"/>
+              <a:r>
+                <a:rPr lang="en-US" sz="700" dirty="0">
+                  <a:solidFill>
+                    <a:schemeClr val="tx1"/>
+                  </a:solidFill>
+                </a:rPr>
+                <a:t>Availability</a:t>
+              </a:r>
+            </a:p>
+          </p:txBody>
+        </p:sp>
+        <p:sp>
+          <p:nvSpPr>
+            <p:cNvPr id="120" name="Delay 119">
+              <a:extLst>
+                <a:ext uri="{FF2B5EF4-FFF2-40B4-BE49-F238E27FC236}">
+                  <a16:creationId xmlns:a16="http://schemas.microsoft.com/office/drawing/2014/main" id="{5075492C-66B1-144A-B46A-DF1212428506}"/>
+                </a:ext>
+              </a:extLst>
+            </p:cNvPr>
+            <p:cNvSpPr/>
+            <p:nvPr/>
+          </p:nvSpPr>
+          <p:spPr>
+            <a:xfrm rot="16200000">
+              <a:off x="5651026" y="1191440"/>
+              <a:ext cx="421373" cy="1933434"/>
+            </a:xfrm>
+            <a:prstGeom prst="flowChartDelay">
+              <a:avLst/>
+            </a:prstGeom>
+            <a:solidFill>
+              <a:schemeClr val="accent1">
+                <a:lumMod val="20000"/>
+                <a:lumOff val="80000"/>
+              </a:schemeClr>
+            </a:solidFill>
+          </p:spPr>
+          <p:style>
+            <a:lnRef idx="2">
+              <a:schemeClr val="accent1">
+                <a:shade val="50000"/>
+              </a:schemeClr>
+            </a:lnRef>
+            <a:fillRef idx="1">
+              <a:schemeClr val="accent1"/>
+            </a:fillRef>
+            <a:effectRef idx="0">
+              <a:schemeClr val="accent1"/>
+            </a:effectRef>
+            <a:fontRef idx="minor">
+              <a:schemeClr val="lt1"/>
+            </a:fontRef>
+          </p:style>
+          <p:txBody>
+            <a:bodyPr rtlCol="0" anchor="ctr"/>
+            <a:lstStyle/>
+            <a:p>
+              <a:pPr algn="ctr"/>
+              <a:endParaRPr lang="en-US" sz="700" dirty="0"/>
+            </a:p>
+          </p:txBody>
+        </p:sp>
+        <p:sp>
+          <p:nvSpPr>
+            <p:cNvPr id="121" name="TextBox 120">
+              <a:extLst>
+                <a:ext uri="{FF2B5EF4-FFF2-40B4-BE49-F238E27FC236}">
+                  <a16:creationId xmlns:a16="http://schemas.microsoft.com/office/drawing/2014/main" id="{F2CD3DF0-1E56-6B4D-BA72-CB16B3113CB3}"/>
+                </a:ext>
+              </a:extLst>
+            </p:cNvPr>
+            <p:cNvSpPr txBox="1"/>
+            <p:nvPr/>
+          </p:nvSpPr>
+          <p:spPr>
+            <a:xfrm>
+              <a:off x="5628981" y="1973492"/>
+              <a:ext cx="555448" cy="374298"/>
+            </a:xfrm>
+            <a:prstGeom prst="rect">
+              <a:avLst/>
+            </a:prstGeom>
+            <a:noFill/>
+          </p:spPr>
+          <p:txBody>
+            <a:bodyPr wrap="none" rtlCol="0">
+              <a:spAutoFit/>
+            </a:bodyPr>
+            <a:lstStyle/>
+            <a:p>
+              <a:r>
+                <a:rPr lang="en-US" sz="700" dirty="0"/>
+                <a:t>8.0</a:t>
+              </a:r>
+            </a:p>
+          </p:txBody>
+        </p:sp>
+      </p:grpSp>
+      <p:sp>
+        <p:nvSpPr>
+          <p:cNvPr id="122" name="TextBox 121">
+            <a:extLst>
+              <a:ext uri="{FF2B5EF4-FFF2-40B4-BE49-F238E27FC236}">
+                <a16:creationId xmlns:a16="http://schemas.microsoft.com/office/drawing/2014/main" id="{9A8BE212-74A5-C543-B32E-41C00DD6D18C}"/>
+              </a:ext>
+            </a:extLst>
+          </p:cNvPr>
+          <p:cNvSpPr txBox="1"/>
+          <p:nvPr/>
+        </p:nvSpPr>
+        <p:spPr>
+          <a:xfrm>
+            <a:off x="3498323" y="4518812"/>
+            <a:ext cx="508473" cy="184666"/>
+          </a:xfrm>
+          <a:prstGeom prst="rect">
+            <a:avLst/>
+          </a:prstGeom>
+          <a:noFill/>
+        </p:spPr>
+        <p:txBody>
+          <a:bodyPr wrap="none" rtlCol="0">
+            <a:spAutoFit/>
+          </a:bodyPr>
+          <a:lstStyle/>
+          <a:p>
+            <a:r>
+              <a:rPr lang="en-US" sz="600" dirty="0"/>
+              <a:t>Room Info</a:t>
+            </a:r>
+          </a:p>
+        </p:txBody>
+      </p:sp>
+      <p:cxnSp>
+        <p:nvCxnSpPr>
+          <p:cNvPr id="123" name="Elbow Connector 122">
+            <a:extLst>
+              <a:ext uri="{FF2B5EF4-FFF2-40B4-BE49-F238E27FC236}">
+                <a16:creationId xmlns:a16="http://schemas.microsoft.com/office/drawing/2014/main" id="{A2DC2E0B-060A-E540-923F-B3B972CB8F13}"/>
+              </a:ext>
+            </a:extLst>
+          </p:cNvPr>
+          <p:cNvCxnSpPr>
+            <a:cxnSpLocks/>
+            <a:stCxn id="9" idx="2"/>
+            <a:endCxn id="119" idx="2"/>
+          </p:cNvCxnSpPr>
+          <p:nvPr/>
+        </p:nvCxnSpPr>
+        <p:spPr>
+          <a:xfrm rot="5400000">
+            <a:off x="4222617" y="3538224"/>
+            <a:ext cx="182248" cy="2940009"/>
+          </a:xfrm>
+          <a:prstGeom prst="bentConnector3">
+            <a:avLst>
+              <a:gd name="adj1" fmla="val 225433"/>
+            </a:avLst>
+          </a:prstGeom>
+          <a:ln>
+            <a:tailEnd type="triangle"/>
+          </a:ln>
+        </p:spPr>
+        <p:style>
+          <a:lnRef idx="1">
+            <a:schemeClr val="accent1"/>
+          </a:lnRef>
+          <a:fillRef idx="0">
+            <a:schemeClr val="accent1"/>
+          </a:fillRef>
+          <a:effectRef idx="0">
+            <a:schemeClr val="accent1"/>
+          </a:effectRef>
+          <a:fontRef idx="minor">
+            <a:schemeClr val="tx1"/>
+          </a:fontRef>
+        </p:style>
+      </p:cxnSp>
+      <p:cxnSp>
+        <p:nvCxnSpPr>
+          <p:cNvPr id="124" name="Elbow Connector 123">
+            <a:extLst>
+              <a:ext uri="{FF2B5EF4-FFF2-40B4-BE49-F238E27FC236}">
+                <a16:creationId xmlns:a16="http://schemas.microsoft.com/office/drawing/2014/main" id="{C175BABA-4B56-C043-9FCE-AAAB1FACBD60}"/>
+              </a:ext>
+            </a:extLst>
+          </p:cNvPr>
+          <p:cNvCxnSpPr>
+            <a:cxnSpLocks/>
+            <a:stCxn id="121" idx="0"/>
+            <a:endCxn id="98" idx="2"/>
+          </p:cNvCxnSpPr>
+          <p:nvPr/>
+        </p:nvCxnSpPr>
+        <p:spPr>
+          <a:xfrm rot="5400000" flipH="1" flipV="1">
+            <a:off x="2874934" y="3497959"/>
+            <a:ext cx="731705" cy="746005"/>
+          </a:xfrm>
+          <a:prstGeom prst="bentConnector3">
+            <a:avLst>
+              <a:gd name="adj1" fmla="val 50000"/>
+            </a:avLst>
+          </a:prstGeom>
+          <a:ln>
+            <a:tailEnd type="triangle"/>
+          </a:ln>
+        </p:spPr>
+        <p:style>
+          <a:lnRef idx="1">
+            <a:schemeClr val="accent1"/>
+          </a:lnRef>
+          <a:fillRef idx="0">
+            <a:schemeClr val="accent1"/>
+          </a:fillRef>
+          <a:effectRef idx="0">
+            <a:schemeClr val="accent1"/>
+          </a:effectRef>
+          <a:fontRef idx="minor">
+            <a:schemeClr val="tx1"/>
+          </a:fontRef>
+        </p:style>
+      </p:cxnSp>
+      <p:sp>
+        <p:nvSpPr>
+          <p:cNvPr id="132" name="TextBox 131">
+            <a:extLst>
+              <a:ext uri="{FF2B5EF4-FFF2-40B4-BE49-F238E27FC236}">
+                <a16:creationId xmlns:a16="http://schemas.microsoft.com/office/drawing/2014/main" id="{322746D7-E12D-6B44-BC01-8B5392076BA6}"/>
+              </a:ext>
+            </a:extLst>
+          </p:cNvPr>
+          <p:cNvSpPr txBox="1"/>
+          <p:nvPr/>
+        </p:nvSpPr>
+        <p:spPr>
+          <a:xfrm>
+            <a:off x="3214494" y="5379479"/>
+            <a:ext cx="668773" cy="184666"/>
+          </a:xfrm>
+          <a:prstGeom prst="rect">
+            <a:avLst/>
+          </a:prstGeom>
+          <a:noFill/>
+        </p:spPr>
+        <p:txBody>
+          <a:bodyPr wrap="none" rtlCol="0">
+            <a:spAutoFit/>
+          </a:bodyPr>
+          <a:lstStyle/>
+          <a:p>
+            <a:r>
+              <a:rPr lang="en-US" sz="600" dirty="0"/>
+              <a:t>Availability Info</a:t>
+            </a:r>
+          </a:p>
+        </p:txBody>
+      </p:sp>
+      <p:sp>
+        <p:nvSpPr>
+          <p:cNvPr id="134" name="TextBox 133">
+            <a:extLst>
+              <a:ext uri="{FF2B5EF4-FFF2-40B4-BE49-F238E27FC236}">
+                <a16:creationId xmlns:a16="http://schemas.microsoft.com/office/drawing/2014/main" id="{D1B68123-F00D-1049-A43C-9704F1EC1486}"/>
+              </a:ext>
+            </a:extLst>
+          </p:cNvPr>
+          <p:cNvSpPr txBox="1"/>
+          <p:nvPr/>
+        </p:nvSpPr>
+        <p:spPr>
+          <a:xfrm>
+            <a:off x="2700483" y="3677207"/>
+            <a:ext cx="939681" cy="184666"/>
+          </a:xfrm>
+          <a:prstGeom prst="rect">
+            <a:avLst/>
+          </a:prstGeom>
+          <a:noFill/>
+        </p:spPr>
+        <p:txBody>
+          <a:bodyPr wrap="none" rtlCol="0">
+            <a:spAutoFit/>
+          </a:bodyPr>
+          <a:lstStyle/>
+          <a:p>
+            <a:r>
+              <a:rPr lang="en-US" sz="600" dirty="0"/>
+              <a:t>Room &amp; Availability Info</a:t>
+            </a:r>
+          </a:p>
+        </p:txBody>
+      </p:sp>
+      <p:sp>
+        <p:nvSpPr>
+          <p:cNvPr id="137" name="TextBox 136">
+            <a:extLst>
+              <a:ext uri="{FF2B5EF4-FFF2-40B4-BE49-F238E27FC236}">
+                <a16:creationId xmlns:a16="http://schemas.microsoft.com/office/drawing/2014/main" id="{780348C9-B59C-3E41-93AE-77551F5AD6D0}"/>
+              </a:ext>
+            </a:extLst>
+          </p:cNvPr>
+          <p:cNvSpPr txBox="1"/>
+          <p:nvPr/>
+        </p:nvSpPr>
+        <p:spPr>
+          <a:xfrm>
+            <a:off x="271516" y="3265559"/>
+            <a:ext cx="595035" cy="184666"/>
+          </a:xfrm>
+          <a:prstGeom prst="rect">
+            <a:avLst/>
+          </a:prstGeom>
+          <a:noFill/>
+        </p:spPr>
+        <p:txBody>
+          <a:bodyPr wrap="none" rtlCol="0">
+            <a:spAutoFit/>
+          </a:bodyPr>
+          <a:lstStyle/>
+          <a:p>
+            <a:r>
+              <a:rPr lang="en-US" sz="600" dirty="0"/>
+              <a:t>Room Search</a:t>
+            </a:r>
+          </a:p>
+        </p:txBody>
+      </p:sp>
+      <p:sp>
+        <p:nvSpPr>
+          <p:cNvPr id="139" name="TextBox 138">
+            <a:extLst>
+              <a:ext uri="{FF2B5EF4-FFF2-40B4-BE49-F238E27FC236}">
+                <a16:creationId xmlns:a16="http://schemas.microsoft.com/office/drawing/2014/main" id="{F9324337-F5BB-FD49-BB64-7BBC6F403DD6}"/>
+              </a:ext>
+            </a:extLst>
+          </p:cNvPr>
+          <p:cNvSpPr txBox="1"/>
+          <p:nvPr/>
+        </p:nvSpPr>
+        <p:spPr>
+          <a:xfrm rot="5400000">
+            <a:off x="4413170" y="2205538"/>
+            <a:ext cx="636713" cy="184666"/>
+          </a:xfrm>
+          <a:prstGeom prst="rect">
+            <a:avLst/>
+          </a:prstGeom>
+          <a:noFill/>
+        </p:spPr>
+        <p:txBody>
+          <a:bodyPr wrap="none" rtlCol="0">
+            <a:spAutoFit/>
+          </a:bodyPr>
+          <a:lstStyle/>
+          <a:p>
+            <a:r>
+              <a:rPr lang="en-US" sz="600" dirty="0"/>
+              <a:t>Search Results</a:t>
+            </a:r>
+          </a:p>
+        </p:txBody>
+      </p:sp>
+      <p:cxnSp>
+        <p:nvCxnSpPr>
+          <p:cNvPr id="144" name="Elbow Connector 143">
+            <a:extLst>
+              <a:ext uri="{FF2B5EF4-FFF2-40B4-BE49-F238E27FC236}">
+                <a16:creationId xmlns:a16="http://schemas.microsoft.com/office/drawing/2014/main" id="{D5BE5D4F-EB32-6742-9B61-4466674E98B9}"/>
+              </a:ext>
+            </a:extLst>
+          </p:cNvPr>
+          <p:cNvCxnSpPr>
+            <a:cxnSpLocks/>
+            <a:stCxn id="98" idx="3"/>
+            <a:endCxn id="4" idx="1"/>
+          </p:cNvCxnSpPr>
+          <p:nvPr/>
+        </p:nvCxnSpPr>
+        <p:spPr>
+          <a:xfrm flipV="1">
+            <a:off x="4130480" y="1071504"/>
+            <a:ext cx="1405056" cy="2031497"/>
+          </a:xfrm>
+          <a:prstGeom prst="bentConnector3">
+            <a:avLst>
+              <a:gd name="adj1" fmla="val 50000"/>
+            </a:avLst>
+          </a:prstGeom>
+          <a:ln>
+            <a:tailEnd type="triangle"/>
+          </a:ln>
+        </p:spPr>
+        <p:style>
+          <a:lnRef idx="1">
+            <a:schemeClr val="accent1"/>
+          </a:lnRef>
+          <a:fillRef idx="0">
+            <a:schemeClr val="accent1"/>
+          </a:fillRef>
+          <a:effectRef idx="0">
+            <a:schemeClr val="accent1"/>
+          </a:effectRef>
+          <a:fontRef idx="minor">
+            <a:schemeClr val="tx1"/>
+          </a:fontRef>
+        </p:style>
+      </p:cxnSp>
+      <p:sp>
+        <p:nvSpPr>
+          <p:cNvPr id="159" name="TextBox 158">
+            <a:extLst>
+              <a:ext uri="{FF2B5EF4-FFF2-40B4-BE49-F238E27FC236}">
+                <a16:creationId xmlns:a16="http://schemas.microsoft.com/office/drawing/2014/main" id="{B5B9B31D-8001-A946-8863-7DB97DB0F7B2}"/>
+              </a:ext>
+            </a:extLst>
+          </p:cNvPr>
+          <p:cNvSpPr txBox="1"/>
+          <p:nvPr/>
+        </p:nvSpPr>
+        <p:spPr>
+          <a:xfrm>
+            <a:off x="5531093" y="2057216"/>
+            <a:ext cx="715260" cy="184666"/>
+          </a:xfrm>
+          <a:prstGeom prst="rect">
+            <a:avLst/>
+          </a:prstGeom>
+          <a:noFill/>
+        </p:spPr>
+        <p:txBody>
+          <a:bodyPr wrap="none" rtlCol="0">
+            <a:spAutoFit/>
+          </a:bodyPr>
+          <a:lstStyle/>
+          <a:p>
+            <a:r>
+              <a:rPr lang="en-US" sz="600" dirty="0"/>
+              <a:t>Reservation  Info</a:t>
+            </a:r>
+          </a:p>
+        </p:txBody>
+      </p:sp>
+      <p:sp>
+        <p:nvSpPr>
+          <p:cNvPr id="160" name="TextBox 159">
+            <a:extLst>
+              <a:ext uri="{FF2B5EF4-FFF2-40B4-BE49-F238E27FC236}">
+                <a16:creationId xmlns:a16="http://schemas.microsoft.com/office/drawing/2014/main" id="{35E8A0E0-CE0B-B144-88B0-DDEE20754186}"/>
+              </a:ext>
+            </a:extLst>
+          </p:cNvPr>
+          <p:cNvSpPr txBox="1"/>
+          <p:nvPr/>
+        </p:nvSpPr>
+        <p:spPr>
+          <a:xfrm>
+            <a:off x="6235177" y="3683779"/>
+            <a:ext cx="715260" cy="184666"/>
+          </a:xfrm>
+          <a:prstGeom prst="rect">
+            <a:avLst/>
+          </a:prstGeom>
+          <a:noFill/>
+        </p:spPr>
+        <p:txBody>
+          <a:bodyPr wrap="none" rtlCol="0">
+            <a:spAutoFit/>
+          </a:bodyPr>
+          <a:lstStyle/>
+          <a:p>
+            <a:r>
+              <a:rPr lang="en-US" sz="600" dirty="0"/>
+              <a:t>Reservation  Info</a:t>
+            </a:r>
+          </a:p>
+        </p:txBody>
+      </p:sp>
+      <p:sp>
+        <p:nvSpPr>
+          <p:cNvPr id="161" name="TextBox 160">
+            <a:extLst>
+              <a:ext uri="{FF2B5EF4-FFF2-40B4-BE49-F238E27FC236}">
+                <a16:creationId xmlns:a16="http://schemas.microsoft.com/office/drawing/2014/main" id="{68B77603-DE04-534B-AD23-679F5D1C91FB}"/>
+              </a:ext>
+            </a:extLst>
+          </p:cNvPr>
+          <p:cNvSpPr txBox="1"/>
+          <p:nvPr/>
+        </p:nvSpPr>
+        <p:spPr>
+          <a:xfrm>
+            <a:off x="6485546" y="4062547"/>
+            <a:ext cx="532518" cy="184666"/>
+          </a:xfrm>
+          <a:prstGeom prst="rect">
+            <a:avLst/>
+          </a:prstGeom>
+          <a:noFill/>
+        </p:spPr>
+        <p:txBody>
+          <a:bodyPr wrap="none" rtlCol="0">
+            <a:spAutoFit/>
+          </a:bodyPr>
+          <a:lstStyle/>
+          <a:p>
+            <a:r>
+              <a:rPr lang="en-US" sz="600" dirty="0"/>
+              <a:t>Cancel Info</a:t>
+            </a:r>
+          </a:p>
+        </p:txBody>
+      </p:sp>
+      <p:sp>
+        <p:nvSpPr>
+          <p:cNvPr id="163" name="TextBox 162">
+            <a:extLst>
+              <a:ext uri="{FF2B5EF4-FFF2-40B4-BE49-F238E27FC236}">
+                <a16:creationId xmlns:a16="http://schemas.microsoft.com/office/drawing/2014/main" id="{F17CDBA6-BFB5-CE4F-8AAB-0504559AA392}"/>
+              </a:ext>
+            </a:extLst>
+          </p:cNvPr>
+          <p:cNvSpPr txBox="1"/>
+          <p:nvPr/>
+        </p:nvSpPr>
+        <p:spPr>
+          <a:xfrm>
+            <a:off x="8213792" y="1152729"/>
+            <a:ext cx="808235" cy="184666"/>
+          </a:xfrm>
+          <a:prstGeom prst="rect">
+            <a:avLst/>
+          </a:prstGeom>
+          <a:noFill/>
+        </p:spPr>
+        <p:txBody>
+          <a:bodyPr wrap="none" rtlCol="0">
+            <a:spAutoFit/>
+          </a:bodyPr>
+          <a:lstStyle/>
+          <a:p>
+            <a:r>
+              <a:rPr lang="en-US" sz="600" dirty="0"/>
+              <a:t>Reservation Receipt</a:t>
+            </a:r>
+          </a:p>
+        </p:txBody>
+      </p:sp>
+      <p:sp>
+        <p:nvSpPr>
+          <p:cNvPr id="169" name="TextBox 168">
+            <a:extLst>
+              <a:ext uri="{FF2B5EF4-FFF2-40B4-BE49-F238E27FC236}">
+                <a16:creationId xmlns:a16="http://schemas.microsoft.com/office/drawing/2014/main" id="{9C5ECA78-527F-DC42-BD19-DD9F296AB0DD}"/>
+              </a:ext>
+            </a:extLst>
+          </p:cNvPr>
+          <p:cNvSpPr txBox="1"/>
+          <p:nvPr/>
+        </p:nvSpPr>
+        <p:spPr>
+          <a:xfrm>
+            <a:off x="8708287" y="1632211"/>
+            <a:ext cx="580608" cy="184666"/>
+          </a:xfrm>
+          <a:prstGeom prst="rect">
+            <a:avLst/>
+          </a:prstGeom>
+          <a:noFill/>
+        </p:spPr>
+        <p:txBody>
+          <a:bodyPr wrap="none" rtlCol="0">
+            <a:spAutoFit/>
+          </a:bodyPr>
+          <a:lstStyle/>
+          <a:p>
+            <a:r>
+              <a:rPr lang="en-US" sz="600" dirty="0"/>
+              <a:t>Account Info</a:t>
+            </a:r>
+          </a:p>
+        </p:txBody>
+      </p:sp>
+      <p:sp>
+        <p:nvSpPr>
+          <p:cNvPr id="170" name="TextBox 169">
+            <a:extLst>
+              <a:ext uri="{FF2B5EF4-FFF2-40B4-BE49-F238E27FC236}">
+                <a16:creationId xmlns:a16="http://schemas.microsoft.com/office/drawing/2014/main" id="{029B4073-35DD-4545-9388-45E5F049A9AB}"/>
+              </a:ext>
+            </a:extLst>
+          </p:cNvPr>
+          <p:cNvSpPr txBox="1"/>
+          <p:nvPr/>
+        </p:nvSpPr>
+        <p:spPr>
+          <a:xfrm>
+            <a:off x="10168475" y="4574318"/>
+            <a:ext cx="580608" cy="184666"/>
+          </a:xfrm>
+          <a:prstGeom prst="rect">
+            <a:avLst/>
+          </a:prstGeom>
+          <a:noFill/>
+        </p:spPr>
+        <p:txBody>
+          <a:bodyPr wrap="none" rtlCol="0">
+            <a:spAutoFit/>
+          </a:bodyPr>
+          <a:lstStyle/>
+          <a:p>
+            <a:r>
+              <a:rPr lang="en-US" sz="600" dirty="0"/>
+              <a:t>Account Info</a:t>
+            </a:r>
+          </a:p>
+        </p:txBody>
+      </p:sp>
+      <p:sp>
+        <p:nvSpPr>
+          <p:cNvPr id="175" name="TextBox 174">
+            <a:extLst>
+              <a:ext uri="{FF2B5EF4-FFF2-40B4-BE49-F238E27FC236}">
+                <a16:creationId xmlns:a16="http://schemas.microsoft.com/office/drawing/2014/main" id="{1DE799F6-B803-1740-9224-493C2BC00CC7}"/>
+              </a:ext>
+            </a:extLst>
+          </p:cNvPr>
+          <p:cNvSpPr txBox="1"/>
+          <p:nvPr/>
+        </p:nvSpPr>
+        <p:spPr>
+          <a:xfrm>
+            <a:off x="6435680" y="1586217"/>
+            <a:ext cx="532518" cy="184666"/>
+          </a:xfrm>
+          <a:prstGeom prst="rect">
+            <a:avLst/>
+          </a:prstGeom>
+          <a:noFill/>
+        </p:spPr>
+        <p:txBody>
+          <a:bodyPr wrap="none" rtlCol="0">
+            <a:spAutoFit/>
+          </a:bodyPr>
+          <a:lstStyle/>
+          <a:p>
+            <a:r>
+              <a:rPr lang="en-US" sz="600" dirty="0"/>
+              <a:t>Cancel Info</a:t>
+            </a:r>
+          </a:p>
+        </p:txBody>
+      </p:sp>
+      <p:cxnSp>
+        <p:nvCxnSpPr>
+          <p:cNvPr id="12" name="Elbow Connector 11">
+            <a:extLst>
+              <a:ext uri="{FF2B5EF4-FFF2-40B4-BE49-F238E27FC236}">
+                <a16:creationId xmlns:a16="http://schemas.microsoft.com/office/drawing/2014/main" id="{DF1985D5-CC7F-9C49-9302-55469DCF4688}"/>
+              </a:ext>
+            </a:extLst>
+          </p:cNvPr>
+          <p:cNvCxnSpPr>
+            <a:cxnSpLocks/>
+            <a:stCxn id="77" idx="3"/>
+            <a:endCxn id="4" idx="3"/>
+          </p:cNvCxnSpPr>
+          <p:nvPr/>
+        </p:nvCxnSpPr>
+        <p:spPr>
+          <a:xfrm flipH="1" flipV="1">
+            <a:off x="6352517" y="1071504"/>
+            <a:ext cx="2765249" cy="1976034"/>
+          </a:xfrm>
+          <a:prstGeom prst="bentConnector3">
+            <a:avLst>
+              <a:gd name="adj1" fmla="val -8267"/>
+            </a:avLst>
+          </a:prstGeom>
+          <a:ln>
+            <a:tailEnd type="triangle"/>
+          </a:ln>
+        </p:spPr>
+        <p:style>
+          <a:lnRef idx="1">
+            <a:schemeClr val="accent1"/>
+          </a:lnRef>
+          <a:fillRef idx="0">
+            <a:schemeClr val="accent1"/>
+          </a:fillRef>
+          <a:effectRef idx="0">
+            <a:schemeClr val="accent1"/>
+          </a:effectRef>
+          <a:fontRef idx="minor">
+            <a:schemeClr val="tx1"/>
+          </a:fontRef>
+        </p:style>
+      </p:cxnSp>
+      <p:sp>
+        <p:nvSpPr>
+          <p:cNvPr id="96" name="TextBox 95">
+            <a:extLst>
+              <a:ext uri="{FF2B5EF4-FFF2-40B4-BE49-F238E27FC236}">
+                <a16:creationId xmlns:a16="http://schemas.microsoft.com/office/drawing/2014/main" id="{5CC966F1-7305-7D4F-BC26-490A7C4F296C}"/>
+              </a:ext>
+            </a:extLst>
+          </p:cNvPr>
+          <p:cNvSpPr txBox="1"/>
+          <p:nvPr/>
+        </p:nvSpPr>
+        <p:spPr>
+          <a:xfrm>
+            <a:off x="2968842" y="1769502"/>
+            <a:ext cx="805029" cy="184666"/>
+          </a:xfrm>
+          <a:prstGeom prst="rect">
+            <a:avLst/>
+          </a:prstGeom>
+          <a:noFill/>
+        </p:spPr>
+        <p:txBody>
+          <a:bodyPr wrap="none" rtlCol="0">
+            <a:spAutoFit/>
+          </a:bodyPr>
+          <a:lstStyle/>
+          <a:p>
+            <a:r>
+              <a:rPr lang="en-US" sz="600" dirty="0"/>
+              <a:t>Room Search Query</a:t>
+            </a:r>
+          </a:p>
+        </p:txBody>
+      </p:sp>
+      <p:sp>
+        <p:nvSpPr>
+          <p:cNvPr id="107" name="TextBox 106">
+            <a:extLst>
+              <a:ext uri="{FF2B5EF4-FFF2-40B4-BE49-F238E27FC236}">
+                <a16:creationId xmlns:a16="http://schemas.microsoft.com/office/drawing/2014/main" id="{16069D6D-1904-9B46-ACDF-99141C50C8A9}"/>
+              </a:ext>
+            </a:extLst>
+          </p:cNvPr>
+          <p:cNvSpPr txBox="1"/>
+          <p:nvPr/>
+        </p:nvSpPr>
+        <p:spPr>
+          <a:xfrm>
+            <a:off x="6502861" y="4564006"/>
+            <a:ext cx="1258678" cy="184666"/>
+          </a:xfrm>
+          <a:prstGeom prst="rect">
+            <a:avLst/>
+          </a:prstGeom>
+          <a:noFill/>
+        </p:spPr>
+        <p:txBody>
+          <a:bodyPr wrap="none" rtlCol="0">
+            <a:spAutoFit/>
+          </a:bodyPr>
+          <a:lstStyle/>
+          <a:p>
+            <a:r>
+              <a:rPr lang="en-US" sz="600" dirty="0"/>
+              <a:t>Reservation / Cancellation Receipt</a:t>
+            </a:r>
+          </a:p>
+        </p:txBody>
+      </p:sp>
+    </p:spTree>
+    <p:extLst>
+      <p:ext uri="{BB962C8B-B14F-4D97-AF65-F5344CB8AC3E}">
+        <p14:creationId xmlns:p14="http://schemas.microsoft.com/office/powerpoint/2010/main" val="3752097836"/>
+      </p:ext>
+    </p:extLst>
+  </p:cSld>
+  <p:clrMapOvr>
+    <a:masterClrMapping/>
+  </p:clrMapOvr>
+</p:sld>
+</file>
+
+<file path=ppt/slides/slide11.xml><?xml version="1.0" encoding="utf-8"?>
 <p:sld xmlns:a="http://schemas.openxmlformats.org/drawingml/2006/main" xmlns:r="http://schemas.openxmlformats.org/officeDocument/2006/relationships" xmlns:p="http://schemas.openxmlformats.org/presentationml/2006/main">
   <p:cSld>
     <p:spTree>
@@ -8655,7 +11640,7 @@
         <p:spPr>
           <a:xfrm>
             <a:off x="6014022" y="3108259"/>
-            <a:ext cx="3227303" cy="597154"/>
+            <a:ext cx="3053149" cy="377278"/>
           </a:xfrm>
           <a:prstGeom prst="straightConnector1">
             <a:avLst/>
@@ -8948,7 +11933,7 @@
         </p:blipFill>
         <p:spPr>
           <a:xfrm>
-            <a:off x="9241325" y="3433876"/>
+            <a:off x="9067171" y="3214000"/>
             <a:ext cx="304121" cy="543073"/>
           </a:xfrm>
           <a:prstGeom prst="rect">
@@ -8975,7 +11960,7 @@
         <p:spPr>
           <a:xfrm>
             <a:off x="5958824" y="1220914"/>
-            <a:ext cx="3282501" cy="2484499"/>
+            <a:ext cx="3108347" cy="2264623"/>
           </a:xfrm>
           <a:prstGeom prst="straightConnector1">
             <a:avLst/>
@@ -9281,8 +12266,8 @@
         </p:nvCxnSpPr>
         <p:spPr>
           <a:xfrm flipV="1">
-            <a:off x="5996002" y="3705413"/>
-            <a:ext cx="3245323" cy="1843968"/>
+            <a:off x="5996002" y="3485537"/>
+            <a:ext cx="3071169" cy="2063844"/>
           </a:xfrm>
           <a:prstGeom prst="straightConnector1">
             <a:avLst/>
@@ -9326,7 +12311,7 @@
         <p:spPr>
           <a:xfrm>
             <a:off x="5904232" y="1957272"/>
-            <a:ext cx="3337093" cy="1748141"/>
+            <a:ext cx="3162939" cy="1528265"/>
           </a:xfrm>
           <a:prstGeom prst="straightConnector1">
             <a:avLst/>
@@ -9553,8 +12538,8 @@
         </p:nvCxnSpPr>
         <p:spPr>
           <a:xfrm flipV="1">
-            <a:off x="6084618" y="3705413"/>
-            <a:ext cx="3156707" cy="2568162"/>
+            <a:off x="6084618" y="3485537"/>
+            <a:ext cx="2982553" cy="2788038"/>
           </a:xfrm>
           <a:prstGeom prst="straightConnector1">
             <a:avLst/>
@@ -9597,8 +12582,8 @@
         </p:nvCxnSpPr>
         <p:spPr>
           <a:xfrm flipV="1">
-            <a:off x="5996002" y="3705413"/>
-            <a:ext cx="3245323" cy="162057"/>
+            <a:off x="5996002" y="3485537"/>
+            <a:ext cx="3071169" cy="381933"/>
           </a:xfrm>
           <a:prstGeom prst="straightConnector1">
             <a:avLst/>
@@ -9637,6 +12622,1800 @@
 </file>
 
 <file path=ppt/slides/slide5.xml><?xml version="1.0" encoding="utf-8"?>
+<p:sld xmlns:a="http://schemas.openxmlformats.org/drawingml/2006/main" xmlns:r="http://schemas.openxmlformats.org/officeDocument/2006/relationships" xmlns:p="http://schemas.openxmlformats.org/presentationml/2006/main">
+  <p:cSld>
+    <p:spTree>
+      <p:nvGrpSpPr>
+        <p:cNvPr id="1" name=""/>
+        <p:cNvGrpSpPr/>
+        <p:nvPr/>
+      </p:nvGrpSpPr>
+      <p:grpSpPr>
+        <a:xfrm>
+          <a:off x="0" y="0"/>
+          <a:ext cx="0" cy="0"/>
+          <a:chOff x="0" y="0"/>
+          <a:chExt cx="0" cy="0"/>
+        </a:xfrm>
+      </p:grpSpPr>
+      <p:sp>
+        <p:nvSpPr>
+          <p:cNvPr id="4" name="Oval 3">
+            <a:extLst>
+              <a:ext uri="{FF2B5EF4-FFF2-40B4-BE49-F238E27FC236}">
+                <a16:creationId xmlns:a16="http://schemas.microsoft.com/office/drawing/2014/main" id="{C2DFF875-9E51-DE48-849C-8857CF1796DB}"/>
+              </a:ext>
+            </a:extLst>
+          </p:cNvPr>
+          <p:cNvSpPr/>
+          <p:nvPr/>
+        </p:nvSpPr>
+        <p:spPr>
+          <a:xfrm>
+            <a:off x="4866538" y="977852"/>
+            <a:ext cx="1092286" cy="486123"/>
+          </a:xfrm>
+          <a:prstGeom prst="ellipse">
+            <a:avLst/>
+          </a:prstGeom>
+          <a:noFill/>
+        </p:spPr>
+        <p:style>
+          <a:lnRef idx="2">
+            <a:schemeClr val="accent1">
+              <a:shade val="50000"/>
+            </a:schemeClr>
+          </a:lnRef>
+          <a:fillRef idx="1">
+            <a:schemeClr val="accent1"/>
+          </a:fillRef>
+          <a:effectRef idx="0">
+            <a:schemeClr val="accent1"/>
+          </a:effectRef>
+          <a:fontRef idx="minor">
+            <a:schemeClr val="lt1"/>
+          </a:fontRef>
+        </p:style>
+        <p:txBody>
+          <a:bodyPr rtlCol="0" anchor="ctr"/>
+          <a:lstStyle/>
+          <a:p>
+            <a:pPr algn="ctr"/>
+            <a:r>
+              <a:rPr lang="en-US" sz="1013" dirty="0">
+                <a:solidFill>
+                  <a:schemeClr val="tx1"/>
+                </a:solidFill>
+              </a:rPr>
+              <a:t>1. </a:t>
+            </a:r>
+            <a:r>
+              <a:rPr lang="en-US" sz="1013" b="1" dirty="0">
+                <a:solidFill>
+                  <a:schemeClr val="tx1"/>
+                </a:solidFill>
+              </a:rPr>
+              <a:t>Search</a:t>
+            </a:r>
+            <a:r>
+              <a:rPr lang="en-US" sz="1013" dirty="0">
+                <a:solidFill>
+                  <a:schemeClr val="tx1"/>
+                </a:solidFill>
+              </a:rPr>
+              <a:t> Rooms</a:t>
+            </a:r>
+          </a:p>
+        </p:txBody>
+      </p:sp>
+      <p:sp>
+        <p:nvSpPr>
+          <p:cNvPr id="6" name="TextBox 5">
+            <a:extLst>
+              <a:ext uri="{FF2B5EF4-FFF2-40B4-BE49-F238E27FC236}">
+                <a16:creationId xmlns:a16="http://schemas.microsoft.com/office/drawing/2014/main" id="{05DC98C7-829C-DD42-BB7A-370D2F6C0D6B}"/>
+              </a:ext>
+            </a:extLst>
+          </p:cNvPr>
+          <p:cNvSpPr txBox="1"/>
+          <p:nvPr/>
+        </p:nvSpPr>
+        <p:spPr>
+          <a:xfrm>
+            <a:off x="642865" y="4130523"/>
+            <a:ext cx="699230" cy="248209"/>
+          </a:xfrm>
+          <a:prstGeom prst="rect">
+            <a:avLst/>
+          </a:prstGeom>
+          <a:noFill/>
+        </p:spPr>
+        <p:txBody>
+          <a:bodyPr wrap="none" rtlCol="0">
+            <a:spAutoFit/>
+          </a:bodyPr>
+          <a:lstStyle/>
+          <a:p>
+            <a:r>
+              <a:rPr lang="en-US" sz="1013" dirty="0"/>
+              <a:t>Customer</a:t>
+            </a:r>
+          </a:p>
+        </p:txBody>
+      </p:sp>
+      <p:sp>
+        <p:nvSpPr>
+          <p:cNvPr id="7" name="TextBox 6">
+            <a:extLst>
+              <a:ext uri="{FF2B5EF4-FFF2-40B4-BE49-F238E27FC236}">
+                <a16:creationId xmlns:a16="http://schemas.microsoft.com/office/drawing/2014/main" id="{F037425B-7102-554D-BE6C-82A7D5373E7E}"/>
+              </a:ext>
+            </a:extLst>
+          </p:cNvPr>
+          <p:cNvSpPr txBox="1"/>
+          <p:nvPr/>
+        </p:nvSpPr>
+        <p:spPr>
+          <a:xfrm>
+            <a:off x="11052325" y="4061314"/>
+            <a:ext cx="745717" cy="248209"/>
+          </a:xfrm>
+          <a:prstGeom prst="rect">
+            <a:avLst/>
+          </a:prstGeom>
+          <a:noFill/>
+        </p:spPr>
+        <p:txBody>
+          <a:bodyPr wrap="none" rtlCol="0">
+            <a:spAutoFit/>
+          </a:bodyPr>
+          <a:lstStyle/>
+          <a:p>
+            <a:r>
+              <a:rPr lang="en-US" sz="1013" dirty="0"/>
+              <a:t>Hotel Staff</a:t>
+            </a:r>
+          </a:p>
+        </p:txBody>
+      </p:sp>
+      <p:sp>
+        <p:nvSpPr>
+          <p:cNvPr id="8" name="Oval 7">
+            <a:extLst>
+              <a:ext uri="{FF2B5EF4-FFF2-40B4-BE49-F238E27FC236}">
+                <a16:creationId xmlns:a16="http://schemas.microsoft.com/office/drawing/2014/main" id="{2148D555-7358-D542-8862-F40C837963BF}"/>
+              </a:ext>
+            </a:extLst>
+          </p:cNvPr>
+          <p:cNvSpPr/>
+          <p:nvPr/>
+        </p:nvSpPr>
+        <p:spPr>
+          <a:xfrm>
+            <a:off x="4838636" y="2465302"/>
+            <a:ext cx="1202682" cy="544859"/>
+          </a:xfrm>
+          <a:prstGeom prst="ellipse">
+            <a:avLst/>
+          </a:prstGeom>
+          <a:noFill/>
+        </p:spPr>
+        <p:style>
+          <a:lnRef idx="2">
+            <a:schemeClr val="accent1">
+              <a:shade val="50000"/>
+            </a:schemeClr>
+          </a:lnRef>
+          <a:fillRef idx="1">
+            <a:schemeClr val="accent1"/>
+          </a:fillRef>
+          <a:effectRef idx="0">
+            <a:schemeClr val="accent1"/>
+          </a:effectRef>
+          <a:fontRef idx="minor">
+            <a:schemeClr val="lt1"/>
+          </a:fontRef>
+        </p:style>
+        <p:txBody>
+          <a:bodyPr rtlCol="0" anchor="ctr"/>
+          <a:lstStyle/>
+          <a:p>
+            <a:pPr algn="ctr"/>
+            <a:r>
+              <a:rPr lang="en-US" sz="1013" dirty="0">
+                <a:solidFill>
+                  <a:schemeClr val="tx1"/>
+                </a:solidFill>
+              </a:rPr>
+              <a:t>3. </a:t>
+            </a:r>
+            <a:r>
+              <a:rPr lang="en-US" sz="1013" b="1" dirty="0">
+                <a:solidFill>
+                  <a:schemeClr val="tx1"/>
+                </a:solidFill>
+              </a:rPr>
+              <a:t>Book</a:t>
+            </a:r>
+            <a:r>
+              <a:rPr lang="en-US" sz="1013" dirty="0">
+                <a:solidFill>
+                  <a:schemeClr val="tx1"/>
+                </a:solidFill>
+              </a:rPr>
+              <a:t> Rooms</a:t>
+            </a:r>
+          </a:p>
+        </p:txBody>
+      </p:sp>
+      <p:sp>
+        <p:nvSpPr>
+          <p:cNvPr id="9" name="Oval 8">
+            <a:extLst>
+              <a:ext uri="{FF2B5EF4-FFF2-40B4-BE49-F238E27FC236}">
+                <a16:creationId xmlns:a16="http://schemas.microsoft.com/office/drawing/2014/main" id="{50E10D58-3A70-7D41-9784-B06558C4E065}"/>
+              </a:ext>
+            </a:extLst>
+          </p:cNvPr>
+          <p:cNvSpPr/>
+          <p:nvPr/>
+        </p:nvSpPr>
+        <p:spPr>
+          <a:xfrm>
+            <a:off x="4856656" y="3253881"/>
+            <a:ext cx="1166642" cy="486123"/>
+          </a:xfrm>
+          <a:prstGeom prst="ellipse">
+            <a:avLst/>
+          </a:prstGeom>
+          <a:noFill/>
+        </p:spPr>
+        <p:style>
+          <a:lnRef idx="2">
+            <a:schemeClr val="accent1">
+              <a:shade val="50000"/>
+            </a:schemeClr>
+          </a:lnRef>
+          <a:fillRef idx="1">
+            <a:schemeClr val="accent1"/>
+          </a:fillRef>
+          <a:effectRef idx="0">
+            <a:schemeClr val="accent1"/>
+          </a:effectRef>
+          <a:fontRef idx="minor">
+            <a:schemeClr val="lt1"/>
+          </a:fontRef>
+        </p:style>
+        <p:txBody>
+          <a:bodyPr rtlCol="0" anchor="ctr"/>
+          <a:lstStyle/>
+          <a:p>
+            <a:pPr algn="ctr"/>
+            <a:r>
+              <a:rPr lang="en-US" sz="1013" dirty="0">
+                <a:solidFill>
+                  <a:schemeClr val="tx1"/>
+                </a:solidFill>
+              </a:rPr>
+              <a:t>4. </a:t>
+            </a:r>
+            <a:r>
+              <a:rPr lang="en-US" sz="1013" b="1" dirty="0">
+                <a:solidFill>
+                  <a:schemeClr val="tx1"/>
+                </a:solidFill>
+              </a:rPr>
+              <a:t>Cancel</a:t>
+            </a:r>
+            <a:r>
+              <a:rPr lang="en-US" sz="1013" dirty="0">
+                <a:solidFill>
+                  <a:schemeClr val="tx1"/>
+                </a:solidFill>
+              </a:rPr>
+              <a:t> Reservation</a:t>
+            </a:r>
+          </a:p>
+        </p:txBody>
+      </p:sp>
+      <p:cxnSp>
+        <p:nvCxnSpPr>
+          <p:cNvPr id="10" name="Straight Arrow Connector 9">
+            <a:extLst>
+              <a:ext uri="{FF2B5EF4-FFF2-40B4-BE49-F238E27FC236}">
+                <a16:creationId xmlns:a16="http://schemas.microsoft.com/office/drawing/2014/main" id="{90441CEB-7979-6043-87C0-65A7218DF43F}"/>
+              </a:ext>
+            </a:extLst>
+          </p:cNvPr>
+          <p:cNvCxnSpPr>
+            <a:cxnSpLocks/>
+            <a:stCxn id="20" idx="3"/>
+            <a:endCxn id="4" idx="2"/>
+          </p:cNvCxnSpPr>
+          <p:nvPr/>
+        </p:nvCxnSpPr>
+        <p:spPr>
+          <a:xfrm flipV="1">
+            <a:off x="1057506" y="1220914"/>
+            <a:ext cx="3809032" cy="2479623"/>
+          </a:xfrm>
+          <a:prstGeom prst="straightConnector1">
+            <a:avLst/>
+          </a:prstGeom>
+          <a:ln>
+            <a:headEnd type="none" w="med" len="med"/>
+            <a:tailEnd type="none" w="med" len="med"/>
+          </a:ln>
+        </p:spPr>
+        <p:style>
+          <a:lnRef idx="1">
+            <a:schemeClr val="accent1"/>
+          </a:lnRef>
+          <a:fillRef idx="0">
+            <a:schemeClr val="accent1"/>
+          </a:fillRef>
+          <a:effectRef idx="0">
+            <a:schemeClr val="accent1"/>
+          </a:effectRef>
+          <a:fontRef idx="minor">
+            <a:schemeClr val="tx1"/>
+          </a:fontRef>
+        </p:style>
+      </p:cxnSp>
+      <p:cxnSp>
+        <p:nvCxnSpPr>
+          <p:cNvPr id="11" name="Straight Arrow Connector 10">
+            <a:extLst>
+              <a:ext uri="{FF2B5EF4-FFF2-40B4-BE49-F238E27FC236}">
+                <a16:creationId xmlns:a16="http://schemas.microsoft.com/office/drawing/2014/main" id="{CE6009C8-29C3-394A-A1B4-37523A4EE3D7}"/>
+              </a:ext>
+            </a:extLst>
+          </p:cNvPr>
+          <p:cNvCxnSpPr>
+            <a:cxnSpLocks/>
+            <a:stCxn id="20" idx="3"/>
+            <a:endCxn id="8" idx="2"/>
+          </p:cNvCxnSpPr>
+          <p:nvPr/>
+        </p:nvCxnSpPr>
+        <p:spPr>
+          <a:xfrm flipV="1">
+            <a:off x="1057506" y="2737732"/>
+            <a:ext cx="3781130" cy="962805"/>
+          </a:xfrm>
+          <a:prstGeom prst="straightConnector1">
+            <a:avLst/>
+          </a:prstGeom>
+          <a:ln>
+            <a:headEnd type="none" w="med" len="med"/>
+            <a:tailEnd type="none" w="med" len="med"/>
+          </a:ln>
+        </p:spPr>
+        <p:style>
+          <a:lnRef idx="1">
+            <a:schemeClr val="accent1"/>
+          </a:lnRef>
+          <a:fillRef idx="0">
+            <a:schemeClr val="accent1"/>
+          </a:fillRef>
+          <a:effectRef idx="0">
+            <a:schemeClr val="accent1"/>
+          </a:effectRef>
+          <a:fontRef idx="minor">
+            <a:schemeClr val="tx1"/>
+          </a:fontRef>
+        </p:style>
+      </p:cxnSp>
+      <p:cxnSp>
+        <p:nvCxnSpPr>
+          <p:cNvPr id="12" name="Straight Arrow Connector 11">
+            <a:extLst>
+              <a:ext uri="{FF2B5EF4-FFF2-40B4-BE49-F238E27FC236}">
+                <a16:creationId xmlns:a16="http://schemas.microsoft.com/office/drawing/2014/main" id="{4CA96995-1D37-D84B-B6B7-2E98BCA0A750}"/>
+              </a:ext>
+            </a:extLst>
+          </p:cNvPr>
+          <p:cNvCxnSpPr>
+            <a:cxnSpLocks/>
+            <a:stCxn id="20" idx="3"/>
+            <a:endCxn id="9" idx="2"/>
+          </p:cNvCxnSpPr>
+          <p:nvPr/>
+        </p:nvCxnSpPr>
+        <p:spPr>
+          <a:xfrm flipV="1">
+            <a:off x="1057506" y="3496943"/>
+            <a:ext cx="3799150" cy="203594"/>
+          </a:xfrm>
+          <a:prstGeom prst="straightConnector1">
+            <a:avLst/>
+          </a:prstGeom>
+          <a:ln>
+            <a:headEnd type="none" w="med" len="med"/>
+            <a:tailEnd type="none" w="med" len="med"/>
+          </a:ln>
+        </p:spPr>
+        <p:style>
+          <a:lnRef idx="1">
+            <a:schemeClr val="accent1"/>
+          </a:lnRef>
+          <a:fillRef idx="0">
+            <a:schemeClr val="accent1"/>
+          </a:fillRef>
+          <a:effectRef idx="0">
+            <a:schemeClr val="accent1"/>
+          </a:effectRef>
+          <a:fontRef idx="minor">
+            <a:schemeClr val="tx1"/>
+          </a:fontRef>
+        </p:style>
+      </p:cxnSp>
+      <p:cxnSp>
+        <p:nvCxnSpPr>
+          <p:cNvPr id="13" name="Straight Arrow Connector 12">
+            <a:extLst>
+              <a:ext uri="{FF2B5EF4-FFF2-40B4-BE49-F238E27FC236}">
+                <a16:creationId xmlns:a16="http://schemas.microsoft.com/office/drawing/2014/main" id="{C822FEB0-C839-5341-B7A4-2A5FD01C5465}"/>
+              </a:ext>
+            </a:extLst>
+          </p:cNvPr>
+          <p:cNvCxnSpPr>
+            <a:cxnSpLocks/>
+            <a:stCxn id="8" idx="6"/>
+            <a:endCxn id="21" idx="1"/>
+          </p:cNvCxnSpPr>
+          <p:nvPr/>
+        </p:nvCxnSpPr>
+        <p:spPr>
+          <a:xfrm>
+            <a:off x="6041318" y="2737732"/>
+            <a:ext cx="5357449" cy="967681"/>
+          </a:xfrm>
+          <a:prstGeom prst="straightConnector1">
+            <a:avLst/>
+          </a:prstGeom>
+          <a:ln>
+            <a:headEnd type="none" w="med" len="med"/>
+            <a:tailEnd type="none" w="med" len="med"/>
+          </a:ln>
+        </p:spPr>
+        <p:style>
+          <a:lnRef idx="1">
+            <a:schemeClr val="accent1"/>
+          </a:lnRef>
+          <a:fillRef idx="0">
+            <a:schemeClr val="accent1"/>
+          </a:fillRef>
+          <a:effectRef idx="0">
+            <a:schemeClr val="accent1"/>
+          </a:effectRef>
+          <a:fontRef idx="minor">
+            <a:schemeClr val="tx1"/>
+          </a:fontRef>
+        </p:style>
+      </p:cxnSp>
+      <p:sp>
+        <p:nvSpPr>
+          <p:cNvPr id="15" name="Oval 14">
+            <a:extLst>
+              <a:ext uri="{FF2B5EF4-FFF2-40B4-BE49-F238E27FC236}">
+                <a16:creationId xmlns:a16="http://schemas.microsoft.com/office/drawing/2014/main" id="{72FBBFC1-B8C4-7A4F-A2F5-17927473D790}"/>
+              </a:ext>
+            </a:extLst>
+          </p:cNvPr>
+          <p:cNvSpPr/>
+          <p:nvPr/>
+        </p:nvSpPr>
+        <p:spPr>
+          <a:xfrm>
+            <a:off x="7928240" y="1301051"/>
+            <a:ext cx="1462515" cy="486123"/>
+          </a:xfrm>
+          <a:prstGeom prst="ellipse">
+            <a:avLst/>
+          </a:prstGeom>
+          <a:solidFill>
+            <a:schemeClr val="bg1"/>
+          </a:solidFill>
+        </p:spPr>
+        <p:style>
+          <a:lnRef idx="2">
+            <a:schemeClr val="accent1">
+              <a:shade val="50000"/>
+            </a:schemeClr>
+          </a:lnRef>
+          <a:fillRef idx="1">
+            <a:schemeClr val="accent1"/>
+          </a:fillRef>
+          <a:effectRef idx="0">
+            <a:schemeClr val="accent1"/>
+          </a:effectRef>
+          <a:fontRef idx="minor">
+            <a:schemeClr val="lt1"/>
+          </a:fontRef>
+        </p:style>
+        <p:txBody>
+          <a:bodyPr rtlCol="0" anchor="ctr"/>
+          <a:lstStyle/>
+          <a:p>
+            <a:pPr algn="ctr"/>
+            <a:r>
+              <a:rPr lang="en-US" sz="1013" dirty="0">
+                <a:solidFill>
+                  <a:schemeClr val="tx1"/>
+                </a:solidFill>
+              </a:rPr>
+              <a:t>Verify Room Availability</a:t>
+            </a:r>
+          </a:p>
+        </p:txBody>
+      </p:sp>
+      <p:cxnSp>
+        <p:nvCxnSpPr>
+          <p:cNvPr id="16" name="Straight Arrow Connector 15">
+            <a:extLst>
+              <a:ext uri="{FF2B5EF4-FFF2-40B4-BE49-F238E27FC236}">
+                <a16:creationId xmlns:a16="http://schemas.microsoft.com/office/drawing/2014/main" id="{E5674804-24B6-864D-B12C-0C06D6482F4A}"/>
+              </a:ext>
+            </a:extLst>
+          </p:cNvPr>
+          <p:cNvCxnSpPr>
+            <a:cxnSpLocks/>
+            <a:stCxn id="8" idx="6"/>
+            <a:endCxn id="15" idx="3"/>
+          </p:cNvCxnSpPr>
+          <p:nvPr/>
+        </p:nvCxnSpPr>
+        <p:spPr>
+          <a:xfrm flipV="1">
+            <a:off x="6041318" y="1715983"/>
+            <a:ext cx="2101102" cy="1021749"/>
+          </a:xfrm>
+          <a:prstGeom prst="straightConnector1">
+            <a:avLst/>
+          </a:prstGeom>
+          <a:ln>
+            <a:prstDash val="dash"/>
+            <a:headEnd type="none" w="med" len="med"/>
+            <a:tailEnd type="arrow" w="med" len="med"/>
+          </a:ln>
+        </p:spPr>
+        <p:style>
+          <a:lnRef idx="1">
+            <a:schemeClr val="accent1"/>
+          </a:lnRef>
+          <a:fillRef idx="0">
+            <a:schemeClr val="accent1"/>
+          </a:fillRef>
+          <a:effectRef idx="0">
+            <a:schemeClr val="accent1"/>
+          </a:effectRef>
+          <a:fontRef idx="minor">
+            <a:schemeClr val="tx1"/>
+          </a:fontRef>
+        </p:style>
+      </p:cxnSp>
+      <p:sp>
+        <p:nvSpPr>
+          <p:cNvPr id="17" name="TextBox 16">
+            <a:extLst>
+              <a:ext uri="{FF2B5EF4-FFF2-40B4-BE49-F238E27FC236}">
+                <a16:creationId xmlns:a16="http://schemas.microsoft.com/office/drawing/2014/main" id="{132EA393-6292-EF47-B4CB-171FD768310B}"/>
+              </a:ext>
+            </a:extLst>
+          </p:cNvPr>
+          <p:cNvSpPr txBox="1"/>
+          <p:nvPr/>
+        </p:nvSpPr>
+        <p:spPr>
+          <a:xfrm rot="19477302">
+            <a:off x="5948695" y="2321113"/>
+            <a:ext cx="827471" cy="248209"/>
+          </a:xfrm>
+          <a:prstGeom prst="rect">
+            <a:avLst/>
+          </a:prstGeom>
+          <a:noFill/>
+        </p:spPr>
+        <p:txBody>
+          <a:bodyPr wrap="none" rtlCol="0">
+            <a:spAutoFit/>
+          </a:bodyPr>
+          <a:lstStyle/>
+          <a:p>
+            <a:r>
+              <a:rPr lang="en-US" sz="1013" dirty="0"/>
+              <a:t>&lt;&lt;include&gt;&gt;</a:t>
+            </a:r>
+          </a:p>
+        </p:txBody>
+      </p:sp>
+      <p:cxnSp>
+        <p:nvCxnSpPr>
+          <p:cNvPr id="18" name="Straight Arrow Connector 17">
+            <a:extLst>
+              <a:ext uri="{FF2B5EF4-FFF2-40B4-BE49-F238E27FC236}">
+                <a16:creationId xmlns:a16="http://schemas.microsoft.com/office/drawing/2014/main" id="{53EC12AF-6381-B84A-B39A-C52CE20E7883}"/>
+              </a:ext>
+            </a:extLst>
+          </p:cNvPr>
+          <p:cNvCxnSpPr>
+            <a:cxnSpLocks/>
+            <a:stCxn id="4" idx="6"/>
+            <a:endCxn id="15" idx="1"/>
+          </p:cNvCxnSpPr>
+          <p:nvPr/>
+        </p:nvCxnSpPr>
+        <p:spPr>
+          <a:xfrm>
+            <a:off x="5958824" y="1220914"/>
+            <a:ext cx="2183596" cy="151328"/>
+          </a:xfrm>
+          <a:prstGeom prst="straightConnector1">
+            <a:avLst/>
+          </a:prstGeom>
+          <a:ln>
+            <a:prstDash val="dash"/>
+            <a:headEnd type="none" w="med" len="med"/>
+            <a:tailEnd type="arrow" w="med" len="med"/>
+          </a:ln>
+        </p:spPr>
+        <p:style>
+          <a:lnRef idx="1">
+            <a:schemeClr val="accent1"/>
+          </a:lnRef>
+          <a:fillRef idx="0">
+            <a:schemeClr val="accent1"/>
+          </a:fillRef>
+          <a:effectRef idx="0">
+            <a:schemeClr val="accent1"/>
+          </a:effectRef>
+          <a:fontRef idx="minor">
+            <a:schemeClr val="tx1"/>
+          </a:fontRef>
+        </p:style>
+      </p:cxnSp>
+      <p:sp>
+        <p:nvSpPr>
+          <p:cNvPr id="19" name="TextBox 18">
+            <a:extLst>
+              <a:ext uri="{FF2B5EF4-FFF2-40B4-BE49-F238E27FC236}">
+                <a16:creationId xmlns:a16="http://schemas.microsoft.com/office/drawing/2014/main" id="{B8300467-56F4-4F43-974E-030314B26266}"/>
+              </a:ext>
+            </a:extLst>
+          </p:cNvPr>
+          <p:cNvSpPr txBox="1"/>
+          <p:nvPr/>
+        </p:nvSpPr>
+        <p:spPr>
+          <a:xfrm rot="252376">
+            <a:off x="6687733" y="1069261"/>
+            <a:ext cx="827471" cy="248209"/>
+          </a:xfrm>
+          <a:prstGeom prst="rect">
+            <a:avLst/>
+          </a:prstGeom>
+          <a:noFill/>
+        </p:spPr>
+        <p:txBody>
+          <a:bodyPr wrap="none" rtlCol="0">
+            <a:spAutoFit/>
+          </a:bodyPr>
+          <a:lstStyle/>
+          <a:p>
+            <a:r>
+              <a:rPr lang="en-US" sz="1013" dirty="0"/>
+              <a:t>&lt;&lt;include&gt;&gt;</a:t>
+            </a:r>
+          </a:p>
+        </p:txBody>
+      </p:sp>
+      <p:pic>
+        <p:nvPicPr>
+          <p:cNvPr id="20" name="Picture 19">
+            <a:extLst>
+              <a:ext uri="{FF2B5EF4-FFF2-40B4-BE49-F238E27FC236}">
+                <a16:creationId xmlns:a16="http://schemas.microsoft.com/office/drawing/2014/main" id="{E1A1F8EF-51DB-7547-9661-6C1D0E81A0BE}"/>
+              </a:ext>
+            </a:extLst>
+          </p:cNvPr>
+          <p:cNvPicPr>
+            <a:picLocks noChangeAspect="1"/>
+          </p:cNvPicPr>
+          <p:nvPr/>
+        </p:nvPicPr>
+        <p:blipFill>
+          <a:blip r:embed="rId2"/>
+          <a:stretch>
+            <a:fillRect/>
+          </a:stretch>
+        </p:blipFill>
+        <p:spPr>
+          <a:xfrm>
+            <a:off x="753385" y="3429000"/>
+            <a:ext cx="304121" cy="543073"/>
+          </a:xfrm>
+          <a:prstGeom prst="rect">
+            <a:avLst/>
+          </a:prstGeom>
+        </p:spPr>
+      </p:pic>
+      <p:pic>
+        <p:nvPicPr>
+          <p:cNvPr id="21" name="Picture 20">
+            <a:extLst>
+              <a:ext uri="{FF2B5EF4-FFF2-40B4-BE49-F238E27FC236}">
+                <a16:creationId xmlns:a16="http://schemas.microsoft.com/office/drawing/2014/main" id="{DCFA7778-62C3-BF47-990E-9204849B56D5}"/>
+              </a:ext>
+            </a:extLst>
+          </p:cNvPr>
+          <p:cNvPicPr>
+            <a:picLocks noChangeAspect="1"/>
+          </p:cNvPicPr>
+          <p:nvPr/>
+        </p:nvPicPr>
+        <p:blipFill>
+          <a:blip r:embed="rId2"/>
+          <a:stretch>
+            <a:fillRect/>
+          </a:stretch>
+        </p:blipFill>
+        <p:spPr>
+          <a:xfrm>
+            <a:off x="11398767" y="3433876"/>
+            <a:ext cx="304121" cy="543073"/>
+          </a:xfrm>
+          <a:prstGeom prst="rect">
+            <a:avLst/>
+          </a:prstGeom>
+        </p:spPr>
+      </p:pic>
+      <p:cxnSp>
+        <p:nvCxnSpPr>
+          <p:cNvPr id="22" name="Straight Arrow Connector 21">
+            <a:extLst>
+              <a:ext uri="{FF2B5EF4-FFF2-40B4-BE49-F238E27FC236}">
+                <a16:creationId xmlns:a16="http://schemas.microsoft.com/office/drawing/2014/main" id="{F0CB230A-38BB-3B41-BFC0-F98EB0C80CBF}"/>
+              </a:ext>
+            </a:extLst>
+          </p:cNvPr>
+          <p:cNvCxnSpPr>
+            <a:cxnSpLocks/>
+            <a:stCxn id="4" idx="6"/>
+            <a:endCxn id="21" idx="1"/>
+          </p:cNvCxnSpPr>
+          <p:nvPr/>
+        </p:nvCxnSpPr>
+        <p:spPr>
+          <a:xfrm>
+            <a:off x="5958824" y="1220914"/>
+            <a:ext cx="5439943" cy="2484499"/>
+          </a:xfrm>
+          <a:prstGeom prst="straightConnector1">
+            <a:avLst/>
+          </a:prstGeom>
+          <a:ln>
+            <a:headEnd type="none" w="med" len="med"/>
+            <a:tailEnd type="none" w="med" len="med"/>
+          </a:ln>
+        </p:spPr>
+        <p:style>
+          <a:lnRef idx="1">
+            <a:schemeClr val="accent1"/>
+          </a:lnRef>
+          <a:fillRef idx="0">
+            <a:schemeClr val="accent1"/>
+          </a:fillRef>
+          <a:effectRef idx="0">
+            <a:schemeClr val="accent1"/>
+          </a:effectRef>
+          <a:fontRef idx="minor">
+            <a:schemeClr val="tx1"/>
+          </a:fontRef>
+        </p:style>
+      </p:cxnSp>
+      <p:sp>
+        <p:nvSpPr>
+          <p:cNvPr id="23" name="TextBox 22">
+            <a:extLst>
+              <a:ext uri="{FF2B5EF4-FFF2-40B4-BE49-F238E27FC236}">
+                <a16:creationId xmlns:a16="http://schemas.microsoft.com/office/drawing/2014/main" id="{5101076E-4E1B-DE42-995E-98FA9AC922AD}"/>
+              </a:ext>
+            </a:extLst>
+          </p:cNvPr>
+          <p:cNvSpPr txBox="1"/>
+          <p:nvPr/>
+        </p:nvSpPr>
+        <p:spPr>
+          <a:xfrm>
+            <a:off x="1762033" y="140343"/>
+            <a:ext cx="7783413" cy="584775"/>
+          </a:xfrm>
+          <a:prstGeom prst="rect">
+            <a:avLst/>
+          </a:prstGeom>
+          <a:noFill/>
+        </p:spPr>
+        <p:txBody>
+          <a:bodyPr wrap="none" rtlCol="0">
+            <a:spAutoFit/>
+          </a:bodyPr>
+          <a:lstStyle/>
+          <a:p>
+            <a:r>
+              <a:rPr lang="en-US" sz="3200" b="1" dirty="0"/>
+              <a:t>Use Case Diagram: Hotel Reservation System</a:t>
+            </a:r>
+          </a:p>
+        </p:txBody>
+      </p:sp>
+      <p:sp>
+        <p:nvSpPr>
+          <p:cNvPr id="30" name="Oval 29">
+            <a:extLst>
+              <a:ext uri="{FF2B5EF4-FFF2-40B4-BE49-F238E27FC236}">
+                <a16:creationId xmlns:a16="http://schemas.microsoft.com/office/drawing/2014/main" id="{8A56BBBC-CBCF-FF4C-BE39-1F69E5BB80F4}"/>
+              </a:ext>
+            </a:extLst>
+          </p:cNvPr>
+          <p:cNvSpPr/>
+          <p:nvPr/>
+        </p:nvSpPr>
+        <p:spPr>
+          <a:xfrm>
+            <a:off x="4921130" y="1714210"/>
+            <a:ext cx="983102" cy="486123"/>
+          </a:xfrm>
+          <a:prstGeom prst="ellipse">
+            <a:avLst/>
+          </a:prstGeom>
+          <a:noFill/>
+        </p:spPr>
+        <p:style>
+          <a:lnRef idx="2">
+            <a:schemeClr val="accent1">
+              <a:shade val="50000"/>
+            </a:schemeClr>
+          </a:lnRef>
+          <a:fillRef idx="1">
+            <a:schemeClr val="accent1"/>
+          </a:fillRef>
+          <a:effectRef idx="0">
+            <a:schemeClr val="accent1"/>
+          </a:effectRef>
+          <a:fontRef idx="minor">
+            <a:schemeClr val="lt1"/>
+          </a:fontRef>
+        </p:style>
+        <p:txBody>
+          <a:bodyPr rtlCol="0" anchor="ctr"/>
+          <a:lstStyle/>
+          <a:p>
+            <a:pPr algn="ctr"/>
+            <a:r>
+              <a:rPr lang="en-US" sz="1013" dirty="0">
+                <a:solidFill>
+                  <a:schemeClr val="tx1"/>
+                </a:solidFill>
+              </a:rPr>
+              <a:t>2. </a:t>
+            </a:r>
+            <a:r>
+              <a:rPr lang="en-US" sz="1013" b="1" dirty="0">
+                <a:solidFill>
+                  <a:schemeClr val="tx1"/>
+                </a:solidFill>
+              </a:rPr>
+              <a:t>View</a:t>
+            </a:r>
+            <a:r>
+              <a:rPr lang="en-US" sz="1013" dirty="0">
+                <a:solidFill>
+                  <a:schemeClr val="tx1"/>
+                </a:solidFill>
+              </a:rPr>
+              <a:t> Results</a:t>
+            </a:r>
+          </a:p>
+        </p:txBody>
+      </p:sp>
+      <p:cxnSp>
+        <p:nvCxnSpPr>
+          <p:cNvPr id="31" name="Straight Arrow Connector 30">
+            <a:extLst>
+              <a:ext uri="{FF2B5EF4-FFF2-40B4-BE49-F238E27FC236}">
+                <a16:creationId xmlns:a16="http://schemas.microsoft.com/office/drawing/2014/main" id="{0B8AB007-8443-8A48-9F2C-6AEE59C15053}"/>
+              </a:ext>
+            </a:extLst>
+          </p:cNvPr>
+          <p:cNvCxnSpPr>
+            <a:cxnSpLocks/>
+            <a:stCxn id="20" idx="3"/>
+            <a:endCxn id="30" idx="2"/>
+          </p:cNvCxnSpPr>
+          <p:nvPr/>
+        </p:nvCxnSpPr>
+        <p:spPr>
+          <a:xfrm flipV="1">
+            <a:off x="1057506" y="1957272"/>
+            <a:ext cx="3863624" cy="1743265"/>
+          </a:xfrm>
+          <a:prstGeom prst="straightConnector1">
+            <a:avLst/>
+          </a:prstGeom>
+          <a:ln>
+            <a:headEnd type="none" w="med" len="med"/>
+            <a:tailEnd type="none" w="med" len="med"/>
+          </a:ln>
+        </p:spPr>
+        <p:style>
+          <a:lnRef idx="1">
+            <a:schemeClr val="accent1"/>
+          </a:lnRef>
+          <a:fillRef idx="0">
+            <a:schemeClr val="accent1"/>
+          </a:fillRef>
+          <a:effectRef idx="0">
+            <a:schemeClr val="accent1"/>
+          </a:effectRef>
+          <a:fontRef idx="minor">
+            <a:schemeClr val="tx1"/>
+          </a:fontRef>
+        </p:style>
+      </p:cxnSp>
+      <p:sp>
+        <p:nvSpPr>
+          <p:cNvPr id="36" name="Oval 35">
+            <a:extLst>
+              <a:ext uri="{FF2B5EF4-FFF2-40B4-BE49-F238E27FC236}">
+                <a16:creationId xmlns:a16="http://schemas.microsoft.com/office/drawing/2014/main" id="{9D220BAE-4E96-5D47-8AE4-B6950C6F8E50}"/>
+              </a:ext>
+            </a:extLst>
+          </p:cNvPr>
+          <p:cNvSpPr/>
+          <p:nvPr/>
+        </p:nvSpPr>
+        <p:spPr>
+          <a:xfrm>
+            <a:off x="4767849" y="5774029"/>
+            <a:ext cx="1166642" cy="486123"/>
+          </a:xfrm>
+          <a:prstGeom prst="ellipse">
+            <a:avLst/>
+          </a:prstGeom>
+          <a:noFill/>
+        </p:spPr>
+        <p:style>
+          <a:lnRef idx="2">
+            <a:schemeClr val="accent1">
+              <a:shade val="50000"/>
+            </a:schemeClr>
+          </a:lnRef>
+          <a:fillRef idx="1">
+            <a:schemeClr val="accent1"/>
+          </a:fillRef>
+          <a:effectRef idx="0">
+            <a:schemeClr val="accent1"/>
+          </a:effectRef>
+          <a:fontRef idx="minor">
+            <a:schemeClr val="lt1"/>
+          </a:fontRef>
+        </p:style>
+        <p:txBody>
+          <a:bodyPr rtlCol="0" anchor="ctr"/>
+          <a:lstStyle/>
+          <a:p>
+            <a:pPr algn="ctr"/>
+            <a:r>
+              <a:rPr lang="en-US" sz="1013" dirty="0">
+                <a:solidFill>
+                  <a:schemeClr val="tx1"/>
+                </a:solidFill>
+              </a:rPr>
+              <a:t>6. </a:t>
+            </a:r>
+            <a:r>
+              <a:rPr lang="en-US" sz="1013" b="1" dirty="0">
+                <a:solidFill>
+                  <a:schemeClr val="tx1"/>
+                </a:solidFill>
+              </a:rPr>
+              <a:t>Create / Update </a:t>
+            </a:r>
+            <a:r>
+              <a:rPr lang="en-US" sz="1013" dirty="0">
+                <a:solidFill>
+                  <a:schemeClr val="tx1"/>
+                </a:solidFill>
+              </a:rPr>
+              <a:t>Account</a:t>
+            </a:r>
+          </a:p>
+        </p:txBody>
+      </p:sp>
+      <p:cxnSp>
+        <p:nvCxnSpPr>
+          <p:cNvPr id="37" name="Straight Arrow Connector 36">
+            <a:extLst>
+              <a:ext uri="{FF2B5EF4-FFF2-40B4-BE49-F238E27FC236}">
+                <a16:creationId xmlns:a16="http://schemas.microsoft.com/office/drawing/2014/main" id="{FA3461E8-E09D-B044-96D0-EDB99900C94A}"/>
+              </a:ext>
+            </a:extLst>
+          </p:cNvPr>
+          <p:cNvCxnSpPr>
+            <a:cxnSpLocks/>
+            <a:stCxn id="20" idx="3"/>
+            <a:endCxn id="36" idx="2"/>
+          </p:cNvCxnSpPr>
+          <p:nvPr/>
+        </p:nvCxnSpPr>
+        <p:spPr>
+          <a:xfrm>
+            <a:off x="1057506" y="3700537"/>
+            <a:ext cx="3710343" cy="2316554"/>
+          </a:xfrm>
+          <a:prstGeom prst="straightConnector1">
+            <a:avLst/>
+          </a:prstGeom>
+          <a:ln>
+            <a:headEnd type="none" w="med" len="med"/>
+            <a:tailEnd type="none" w="med" len="med"/>
+          </a:ln>
+        </p:spPr>
+        <p:style>
+          <a:lnRef idx="1">
+            <a:schemeClr val="accent1"/>
+          </a:lnRef>
+          <a:fillRef idx="0">
+            <a:schemeClr val="accent1"/>
+          </a:fillRef>
+          <a:effectRef idx="0">
+            <a:schemeClr val="accent1"/>
+          </a:effectRef>
+          <a:fontRef idx="minor">
+            <a:schemeClr val="tx1"/>
+          </a:fontRef>
+        </p:style>
+      </p:cxnSp>
+      <p:cxnSp>
+        <p:nvCxnSpPr>
+          <p:cNvPr id="60" name="Straight Arrow Connector 59">
+            <a:extLst>
+              <a:ext uri="{FF2B5EF4-FFF2-40B4-BE49-F238E27FC236}">
+                <a16:creationId xmlns:a16="http://schemas.microsoft.com/office/drawing/2014/main" id="{41AB7CF3-09E0-CB45-B716-ACBB50EE2391}"/>
+              </a:ext>
+            </a:extLst>
+          </p:cNvPr>
+          <p:cNvCxnSpPr>
+            <a:cxnSpLocks/>
+            <a:stCxn id="36" idx="6"/>
+            <a:endCxn id="21" idx="1"/>
+          </p:cNvCxnSpPr>
+          <p:nvPr/>
+        </p:nvCxnSpPr>
+        <p:spPr>
+          <a:xfrm flipV="1">
+            <a:off x="5934491" y="3705413"/>
+            <a:ext cx="5464276" cy="2311678"/>
+          </a:xfrm>
+          <a:prstGeom prst="straightConnector1">
+            <a:avLst/>
+          </a:prstGeom>
+          <a:ln>
+            <a:headEnd type="none" w="med" len="med"/>
+            <a:tailEnd type="none" w="med" len="med"/>
+          </a:ln>
+        </p:spPr>
+        <p:style>
+          <a:lnRef idx="1">
+            <a:schemeClr val="accent1"/>
+          </a:lnRef>
+          <a:fillRef idx="0">
+            <a:schemeClr val="accent1"/>
+          </a:fillRef>
+          <a:effectRef idx="0">
+            <a:schemeClr val="accent1"/>
+          </a:effectRef>
+          <a:fontRef idx="minor">
+            <a:schemeClr val="tx1"/>
+          </a:fontRef>
+        </p:style>
+      </p:cxnSp>
+      <p:cxnSp>
+        <p:nvCxnSpPr>
+          <p:cNvPr id="64" name="Straight Arrow Connector 63">
+            <a:extLst>
+              <a:ext uri="{FF2B5EF4-FFF2-40B4-BE49-F238E27FC236}">
+                <a16:creationId xmlns:a16="http://schemas.microsoft.com/office/drawing/2014/main" id="{1BC963C1-6E1C-174F-946F-4AAE6BDEA2C1}"/>
+              </a:ext>
+            </a:extLst>
+          </p:cNvPr>
+          <p:cNvCxnSpPr>
+            <a:cxnSpLocks/>
+            <a:stCxn id="30" idx="6"/>
+            <a:endCxn id="21" idx="1"/>
+          </p:cNvCxnSpPr>
+          <p:nvPr/>
+        </p:nvCxnSpPr>
+        <p:spPr>
+          <a:xfrm>
+            <a:off x="5904232" y="1957272"/>
+            <a:ext cx="5494535" cy="1748141"/>
+          </a:xfrm>
+          <a:prstGeom prst="straightConnector1">
+            <a:avLst/>
+          </a:prstGeom>
+          <a:ln>
+            <a:headEnd type="none" w="med" len="med"/>
+            <a:tailEnd type="none" w="med" len="med"/>
+          </a:ln>
+        </p:spPr>
+        <p:style>
+          <a:lnRef idx="1">
+            <a:schemeClr val="accent1"/>
+          </a:lnRef>
+          <a:fillRef idx="0">
+            <a:schemeClr val="accent1"/>
+          </a:fillRef>
+          <a:effectRef idx="0">
+            <a:schemeClr val="accent1"/>
+          </a:effectRef>
+          <a:fontRef idx="minor">
+            <a:schemeClr val="tx1"/>
+          </a:fontRef>
+        </p:style>
+      </p:cxnSp>
+      <p:sp>
+        <p:nvSpPr>
+          <p:cNvPr id="101" name="Oval 100">
+            <a:extLst>
+              <a:ext uri="{FF2B5EF4-FFF2-40B4-BE49-F238E27FC236}">
+                <a16:creationId xmlns:a16="http://schemas.microsoft.com/office/drawing/2014/main" id="{A7EA768B-540E-D641-BDD2-C5E048B82D00}"/>
+              </a:ext>
+            </a:extLst>
+          </p:cNvPr>
+          <p:cNvSpPr/>
+          <p:nvPr/>
+        </p:nvSpPr>
+        <p:spPr>
+          <a:xfrm>
+            <a:off x="4777350" y="4091179"/>
+            <a:ext cx="1263968" cy="544859"/>
+          </a:xfrm>
+          <a:prstGeom prst="ellipse">
+            <a:avLst/>
+          </a:prstGeom>
+          <a:noFill/>
+        </p:spPr>
+        <p:style>
+          <a:lnRef idx="2">
+            <a:schemeClr val="accent1">
+              <a:shade val="50000"/>
+            </a:schemeClr>
+          </a:lnRef>
+          <a:fillRef idx="1">
+            <a:schemeClr val="accent1"/>
+          </a:fillRef>
+          <a:effectRef idx="0">
+            <a:schemeClr val="accent1"/>
+          </a:effectRef>
+          <a:fontRef idx="minor">
+            <a:schemeClr val="lt1"/>
+          </a:fontRef>
+        </p:style>
+        <p:txBody>
+          <a:bodyPr rtlCol="0" anchor="ctr"/>
+          <a:lstStyle/>
+          <a:p>
+            <a:pPr algn="ctr"/>
+            <a:r>
+              <a:rPr lang="en-US" sz="1013" dirty="0">
+                <a:solidFill>
+                  <a:schemeClr val="tx1"/>
+                </a:solidFill>
+              </a:rPr>
+              <a:t>5a. </a:t>
+            </a:r>
+            <a:r>
+              <a:rPr lang="en-US" sz="1013" b="1" dirty="0">
+                <a:solidFill>
+                  <a:schemeClr val="tx1"/>
+                </a:solidFill>
+              </a:rPr>
+              <a:t>Receive</a:t>
+            </a:r>
+            <a:r>
+              <a:rPr lang="en-US" sz="1013" dirty="0">
+                <a:solidFill>
+                  <a:schemeClr val="tx1"/>
+                </a:solidFill>
+              </a:rPr>
+              <a:t> Booking Confirmation</a:t>
+            </a:r>
+          </a:p>
+        </p:txBody>
+      </p:sp>
+      <p:cxnSp>
+        <p:nvCxnSpPr>
+          <p:cNvPr id="102" name="Straight Arrow Connector 101">
+            <a:extLst>
+              <a:ext uri="{FF2B5EF4-FFF2-40B4-BE49-F238E27FC236}">
+                <a16:creationId xmlns:a16="http://schemas.microsoft.com/office/drawing/2014/main" id="{E703B331-8E9B-6C46-B327-26029E701B67}"/>
+              </a:ext>
+            </a:extLst>
+          </p:cNvPr>
+          <p:cNvCxnSpPr>
+            <a:cxnSpLocks/>
+            <a:stCxn id="20" idx="3"/>
+            <a:endCxn id="101" idx="2"/>
+          </p:cNvCxnSpPr>
+          <p:nvPr/>
+        </p:nvCxnSpPr>
+        <p:spPr>
+          <a:xfrm>
+            <a:off x="1057506" y="3700537"/>
+            <a:ext cx="3719844" cy="663072"/>
+          </a:xfrm>
+          <a:prstGeom prst="straightConnector1">
+            <a:avLst/>
+          </a:prstGeom>
+          <a:ln>
+            <a:headEnd type="none" w="med" len="med"/>
+            <a:tailEnd type="none" w="med" len="med"/>
+          </a:ln>
+        </p:spPr>
+        <p:style>
+          <a:lnRef idx="1">
+            <a:schemeClr val="accent1"/>
+          </a:lnRef>
+          <a:fillRef idx="0">
+            <a:schemeClr val="accent1"/>
+          </a:fillRef>
+          <a:effectRef idx="0">
+            <a:schemeClr val="accent1"/>
+          </a:effectRef>
+          <a:fontRef idx="minor">
+            <a:schemeClr val="tx1"/>
+          </a:fontRef>
+        </p:style>
+      </p:cxnSp>
+      <p:sp>
+        <p:nvSpPr>
+          <p:cNvPr id="107" name="Oval 106">
+            <a:extLst>
+              <a:ext uri="{FF2B5EF4-FFF2-40B4-BE49-F238E27FC236}">
+                <a16:creationId xmlns:a16="http://schemas.microsoft.com/office/drawing/2014/main" id="{ACA57EBA-6C21-7D49-9FBC-00A678B3DC4C}"/>
+              </a:ext>
+            </a:extLst>
+          </p:cNvPr>
+          <p:cNvSpPr/>
+          <p:nvPr/>
+        </p:nvSpPr>
+        <p:spPr>
+          <a:xfrm>
+            <a:off x="4710102" y="6430650"/>
+            <a:ext cx="1343873" cy="486123"/>
+          </a:xfrm>
+          <a:prstGeom prst="ellipse">
+            <a:avLst/>
+          </a:prstGeom>
+          <a:noFill/>
+        </p:spPr>
+        <p:style>
+          <a:lnRef idx="2">
+            <a:schemeClr val="accent1">
+              <a:shade val="50000"/>
+            </a:schemeClr>
+          </a:lnRef>
+          <a:fillRef idx="1">
+            <a:schemeClr val="accent1"/>
+          </a:fillRef>
+          <a:effectRef idx="0">
+            <a:schemeClr val="accent1"/>
+          </a:effectRef>
+          <a:fontRef idx="minor">
+            <a:schemeClr val="lt1"/>
+          </a:fontRef>
+        </p:style>
+        <p:txBody>
+          <a:bodyPr rtlCol="0" anchor="ctr"/>
+          <a:lstStyle/>
+          <a:p>
+            <a:pPr algn="ctr"/>
+            <a:r>
+              <a:rPr lang="en-US" sz="1013" dirty="0">
+                <a:solidFill>
+                  <a:schemeClr val="tx1"/>
+                </a:solidFill>
+              </a:rPr>
+              <a:t>7. </a:t>
+            </a:r>
+            <a:r>
+              <a:rPr lang="en-US" sz="1013" b="1" dirty="0">
+                <a:solidFill>
+                  <a:schemeClr val="tx1"/>
+                </a:solidFill>
+              </a:rPr>
+              <a:t>Update</a:t>
+            </a:r>
+            <a:r>
+              <a:rPr lang="en-US" sz="1013" dirty="0">
+                <a:solidFill>
+                  <a:schemeClr val="tx1"/>
+                </a:solidFill>
+              </a:rPr>
+              <a:t> Check-in/out Status</a:t>
+            </a:r>
+          </a:p>
+        </p:txBody>
+      </p:sp>
+      <p:cxnSp>
+        <p:nvCxnSpPr>
+          <p:cNvPr id="108" name="Straight Arrow Connector 107">
+            <a:extLst>
+              <a:ext uri="{FF2B5EF4-FFF2-40B4-BE49-F238E27FC236}">
+                <a16:creationId xmlns:a16="http://schemas.microsoft.com/office/drawing/2014/main" id="{628A17ED-A198-854F-9BEA-77A7017A26F8}"/>
+              </a:ext>
+            </a:extLst>
+          </p:cNvPr>
+          <p:cNvCxnSpPr>
+            <a:cxnSpLocks/>
+            <a:stCxn id="107" idx="6"/>
+            <a:endCxn id="21" idx="1"/>
+          </p:cNvCxnSpPr>
+          <p:nvPr/>
+        </p:nvCxnSpPr>
+        <p:spPr>
+          <a:xfrm flipV="1">
+            <a:off x="6053975" y="3705413"/>
+            <a:ext cx="5344792" cy="2968299"/>
+          </a:xfrm>
+          <a:prstGeom prst="straightConnector1">
+            <a:avLst/>
+          </a:prstGeom>
+          <a:ln>
+            <a:headEnd type="none" w="med" len="med"/>
+            <a:tailEnd type="none" w="med" len="med"/>
+          </a:ln>
+        </p:spPr>
+        <p:style>
+          <a:lnRef idx="1">
+            <a:schemeClr val="accent1"/>
+          </a:lnRef>
+          <a:fillRef idx="0">
+            <a:schemeClr val="accent1"/>
+          </a:fillRef>
+          <a:effectRef idx="0">
+            <a:schemeClr val="accent1"/>
+          </a:effectRef>
+          <a:fontRef idx="minor">
+            <a:schemeClr val="tx1"/>
+          </a:fontRef>
+        </p:style>
+      </p:cxnSp>
+      <p:cxnSp>
+        <p:nvCxnSpPr>
+          <p:cNvPr id="136" name="Straight Arrow Connector 135">
+            <a:extLst>
+              <a:ext uri="{FF2B5EF4-FFF2-40B4-BE49-F238E27FC236}">
+                <a16:creationId xmlns:a16="http://schemas.microsoft.com/office/drawing/2014/main" id="{391989F7-9168-7047-A74B-28CECA793C10}"/>
+              </a:ext>
+            </a:extLst>
+          </p:cNvPr>
+          <p:cNvCxnSpPr>
+            <a:cxnSpLocks/>
+            <a:stCxn id="9" idx="6"/>
+            <a:endCxn id="21" idx="1"/>
+          </p:cNvCxnSpPr>
+          <p:nvPr/>
+        </p:nvCxnSpPr>
+        <p:spPr>
+          <a:xfrm>
+            <a:off x="6023298" y="3496943"/>
+            <a:ext cx="5375469" cy="208470"/>
+          </a:xfrm>
+          <a:prstGeom prst="straightConnector1">
+            <a:avLst/>
+          </a:prstGeom>
+          <a:ln>
+            <a:headEnd type="none" w="med" len="med"/>
+            <a:tailEnd type="none" w="med" len="med"/>
+          </a:ln>
+        </p:spPr>
+        <p:style>
+          <a:lnRef idx="1">
+            <a:schemeClr val="accent1"/>
+          </a:lnRef>
+          <a:fillRef idx="0">
+            <a:schemeClr val="accent1"/>
+          </a:fillRef>
+          <a:effectRef idx="0">
+            <a:schemeClr val="accent1"/>
+          </a:effectRef>
+          <a:fontRef idx="minor">
+            <a:schemeClr val="tx1"/>
+          </a:fontRef>
+        </p:style>
+      </p:cxnSp>
+      <p:sp>
+        <p:nvSpPr>
+          <p:cNvPr id="46" name="Oval 45">
+            <a:extLst>
+              <a:ext uri="{FF2B5EF4-FFF2-40B4-BE49-F238E27FC236}">
+                <a16:creationId xmlns:a16="http://schemas.microsoft.com/office/drawing/2014/main" id="{8E87A595-DFDA-2646-992D-C4B4220DA4CB}"/>
+              </a:ext>
+            </a:extLst>
+          </p:cNvPr>
+          <p:cNvSpPr/>
+          <p:nvPr/>
+        </p:nvSpPr>
+        <p:spPr>
+          <a:xfrm>
+            <a:off x="7723438" y="4192195"/>
+            <a:ext cx="1375525" cy="544859"/>
+          </a:xfrm>
+          <a:prstGeom prst="ellipse">
+            <a:avLst/>
+          </a:prstGeom>
+          <a:noFill/>
+        </p:spPr>
+        <p:style>
+          <a:lnRef idx="2">
+            <a:schemeClr val="accent1">
+              <a:shade val="50000"/>
+            </a:schemeClr>
+          </a:lnRef>
+          <a:fillRef idx="1">
+            <a:schemeClr val="accent1"/>
+          </a:fillRef>
+          <a:effectRef idx="0">
+            <a:schemeClr val="accent1"/>
+          </a:effectRef>
+          <a:fontRef idx="minor">
+            <a:schemeClr val="lt1"/>
+          </a:fontRef>
+        </p:style>
+        <p:txBody>
+          <a:bodyPr rtlCol="0" anchor="ctr"/>
+          <a:lstStyle/>
+          <a:p>
+            <a:pPr algn="ctr"/>
+            <a:r>
+              <a:rPr lang="en-US" sz="1013" dirty="0">
+                <a:solidFill>
+                  <a:schemeClr val="tx1"/>
+                </a:solidFill>
+              </a:rPr>
+              <a:t>Confirmation</a:t>
+            </a:r>
+          </a:p>
+        </p:txBody>
+      </p:sp>
+      <p:sp>
+        <p:nvSpPr>
+          <p:cNvPr id="48" name="Oval 47">
+            <a:extLst>
+              <a:ext uri="{FF2B5EF4-FFF2-40B4-BE49-F238E27FC236}">
+                <a16:creationId xmlns:a16="http://schemas.microsoft.com/office/drawing/2014/main" id="{397F3D07-D193-5E49-8046-89BE5240DD1D}"/>
+              </a:ext>
+            </a:extLst>
+          </p:cNvPr>
+          <p:cNvSpPr/>
+          <p:nvPr/>
+        </p:nvSpPr>
+        <p:spPr>
+          <a:xfrm>
+            <a:off x="4777974" y="4984897"/>
+            <a:ext cx="1263968" cy="544859"/>
+          </a:xfrm>
+          <a:prstGeom prst="ellipse">
+            <a:avLst/>
+          </a:prstGeom>
+          <a:noFill/>
+        </p:spPr>
+        <p:style>
+          <a:lnRef idx="2">
+            <a:schemeClr val="accent1">
+              <a:shade val="50000"/>
+            </a:schemeClr>
+          </a:lnRef>
+          <a:fillRef idx="1">
+            <a:schemeClr val="accent1"/>
+          </a:fillRef>
+          <a:effectRef idx="0">
+            <a:schemeClr val="accent1"/>
+          </a:effectRef>
+          <a:fontRef idx="minor">
+            <a:schemeClr val="lt1"/>
+          </a:fontRef>
+        </p:style>
+        <p:txBody>
+          <a:bodyPr rtlCol="0" anchor="ctr"/>
+          <a:lstStyle/>
+          <a:p>
+            <a:pPr algn="ctr"/>
+            <a:r>
+              <a:rPr lang="en-US" sz="1013" dirty="0">
+                <a:solidFill>
+                  <a:schemeClr val="tx1"/>
+                </a:solidFill>
+              </a:rPr>
+              <a:t>5b. </a:t>
+            </a:r>
+            <a:r>
+              <a:rPr lang="en-US" sz="1013" b="1" dirty="0">
+                <a:solidFill>
+                  <a:schemeClr val="tx1"/>
+                </a:solidFill>
+              </a:rPr>
+              <a:t>Receive</a:t>
+            </a:r>
+            <a:r>
+              <a:rPr lang="en-US" sz="1013" dirty="0">
+                <a:solidFill>
+                  <a:schemeClr val="tx1"/>
+                </a:solidFill>
+              </a:rPr>
+              <a:t> Cancellation Confirmation</a:t>
+            </a:r>
+          </a:p>
+        </p:txBody>
+      </p:sp>
+      <p:cxnSp>
+        <p:nvCxnSpPr>
+          <p:cNvPr id="63" name="Straight Arrow Connector 62">
+            <a:extLst>
+              <a:ext uri="{FF2B5EF4-FFF2-40B4-BE49-F238E27FC236}">
+                <a16:creationId xmlns:a16="http://schemas.microsoft.com/office/drawing/2014/main" id="{45BD320F-D175-FF4F-8697-3ACA0DACB26B}"/>
+              </a:ext>
+            </a:extLst>
+          </p:cNvPr>
+          <p:cNvCxnSpPr>
+            <a:cxnSpLocks/>
+            <a:stCxn id="46" idx="2"/>
+            <a:endCxn id="101" idx="6"/>
+          </p:cNvCxnSpPr>
+          <p:nvPr/>
+        </p:nvCxnSpPr>
+        <p:spPr>
+          <a:xfrm flipH="1" flipV="1">
+            <a:off x="6041318" y="4363609"/>
+            <a:ext cx="1682120" cy="101016"/>
+          </a:xfrm>
+          <a:prstGeom prst="straightConnector1">
+            <a:avLst/>
+          </a:prstGeom>
+          <a:ln>
+            <a:prstDash val="dash"/>
+            <a:headEnd type="none" w="med" len="med"/>
+            <a:tailEnd type="arrow" w="med" len="med"/>
+          </a:ln>
+        </p:spPr>
+        <p:style>
+          <a:lnRef idx="1">
+            <a:schemeClr val="accent1"/>
+          </a:lnRef>
+          <a:fillRef idx="0">
+            <a:schemeClr val="accent1"/>
+          </a:fillRef>
+          <a:effectRef idx="0">
+            <a:schemeClr val="accent1"/>
+          </a:effectRef>
+          <a:fontRef idx="minor">
+            <a:schemeClr val="tx1"/>
+          </a:fontRef>
+        </p:style>
+      </p:cxnSp>
+      <p:cxnSp>
+        <p:nvCxnSpPr>
+          <p:cNvPr id="66" name="Straight Arrow Connector 65">
+            <a:extLst>
+              <a:ext uri="{FF2B5EF4-FFF2-40B4-BE49-F238E27FC236}">
+                <a16:creationId xmlns:a16="http://schemas.microsoft.com/office/drawing/2014/main" id="{141C8DA0-F450-6346-B94A-DBE8C268CAB0}"/>
+              </a:ext>
+            </a:extLst>
+          </p:cNvPr>
+          <p:cNvCxnSpPr>
+            <a:cxnSpLocks/>
+            <a:stCxn id="46" idx="2"/>
+            <a:endCxn id="48" idx="6"/>
+          </p:cNvCxnSpPr>
+          <p:nvPr/>
+        </p:nvCxnSpPr>
+        <p:spPr>
+          <a:xfrm flipH="1">
+            <a:off x="6041942" y="4464625"/>
+            <a:ext cx="1681496" cy="792702"/>
+          </a:xfrm>
+          <a:prstGeom prst="straightConnector1">
+            <a:avLst/>
+          </a:prstGeom>
+          <a:ln>
+            <a:prstDash val="dash"/>
+            <a:headEnd type="none" w="med" len="med"/>
+            <a:tailEnd type="arrow" w="med" len="med"/>
+          </a:ln>
+        </p:spPr>
+        <p:style>
+          <a:lnRef idx="1">
+            <a:schemeClr val="accent1"/>
+          </a:lnRef>
+          <a:fillRef idx="0">
+            <a:schemeClr val="accent1"/>
+          </a:fillRef>
+          <a:effectRef idx="0">
+            <a:schemeClr val="accent1"/>
+          </a:effectRef>
+          <a:fontRef idx="minor">
+            <a:schemeClr val="tx1"/>
+          </a:fontRef>
+        </p:style>
+      </p:cxnSp>
+      <p:sp>
+        <p:nvSpPr>
+          <p:cNvPr id="70" name="TextBox 69">
+            <a:extLst>
+              <a:ext uri="{FF2B5EF4-FFF2-40B4-BE49-F238E27FC236}">
+                <a16:creationId xmlns:a16="http://schemas.microsoft.com/office/drawing/2014/main" id="{CE7E489E-788D-7A4C-A360-AA2EE1D9CAE0}"/>
+              </a:ext>
+            </a:extLst>
+          </p:cNvPr>
+          <p:cNvSpPr txBox="1"/>
+          <p:nvPr/>
+        </p:nvSpPr>
+        <p:spPr>
+          <a:xfrm rot="19959945">
+            <a:off x="6307599" y="4925075"/>
+            <a:ext cx="806631" cy="248209"/>
+          </a:xfrm>
+          <a:prstGeom prst="rect">
+            <a:avLst/>
+          </a:prstGeom>
+          <a:noFill/>
+        </p:spPr>
+        <p:txBody>
+          <a:bodyPr wrap="none" rtlCol="0">
+            <a:spAutoFit/>
+          </a:bodyPr>
+          <a:lstStyle/>
+          <a:p>
+            <a:r>
+              <a:rPr lang="en-US" sz="1013" dirty="0"/>
+              <a:t>&lt;&lt;extend&gt;&gt;</a:t>
+            </a:r>
+          </a:p>
+        </p:txBody>
+      </p:sp>
+      <p:sp>
+        <p:nvSpPr>
+          <p:cNvPr id="47" name="TextBox 46">
+            <a:extLst>
+              <a:ext uri="{FF2B5EF4-FFF2-40B4-BE49-F238E27FC236}">
+                <a16:creationId xmlns:a16="http://schemas.microsoft.com/office/drawing/2014/main" id="{241F8815-F026-E245-8C61-0722BB9060FE}"/>
+              </a:ext>
+            </a:extLst>
+          </p:cNvPr>
+          <p:cNvSpPr txBox="1"/>
+          <p:nvPr/>
+        </p:nvSpPr>
+        <p:spPr>
+          <a:xfrm>
+            <a:off x="6413226" y="4138103"/>
+            <a:ext cx="806631" cy="248209"/>
+          </a:xfrm>
+          <a:prstGeom prst="rect">
+            <a:avLst/>
+          </a:prstGeom>
+          <a:noFill/>
+        </p:spPr>
+        <p:txBody>
+          <a:bodyPr wrap="none" rtlCol="0">
+            <a:spAutoFit/>
+          </a:bodyPr>
+          <a:lstStyle/>
+          <a:p>
+            <a:r>
+              <a:rPr lang="en-US" sz="1013" dirty="0"/>
+              <a:t>&lt;&lt;extend&gt;&gt;</a:t>
+            </a:r>
+          </a:p>
+        </p:txBody>
+      </p:sp>
+      <p:cxnSp>
+        <p:nvCxnSpPr>
+          <p:cNvPr id="49" name="Straight Arrow Connector 48">
+            <a:extLst>
+              <a:ext uri="{FF2B5EF4-FFF2-40B4-BE49-F238E27FC236}">
+                <a16:creationId xmlns:a16="http://schemas.microsoft.com/office/drawing/2014/main" id="{E32D5D09-1BF0-394A-B9B2-5C42EC5E7FBC}"/>
+              </a:ext>
+            </a:extLst>
+          </p:cNvPr>
+          <p:cNvCxnSpPr>
+            <a:cxnSpLocks/>
+            <a:stCxn id="20" idx="3"/>
+            <a:endCxn id="48" idx="2"/>
+          </p:cNvCxnSpPr>
+          <p:nvPr/>
+        </p:nvCxnSpPr>
+        <p:spPr>
+          <a:xfrm>
+            <a:off x="1057506" y="3700537"/>
+            <a:ext cx="3720468" cy="1556790"/>
+          </a:xfrm>
+          <a:prstGeom prst="straightConnector1">
+            <a:avLst/>
+          </a:prstGeom>
+          <a:ln>
+            <a:headEnd type="none" w="med" len="med"/>
+            <a:tailEnd type="none" w="med" len="med"/>
+          </a:ln>
+        </p:spPr>
+        <p:style>
+          <a:lnRef idx="1">
+            <a:schemeClr val="accent1"/>
+          </a:lnRef>
+          <a:fillRef idx="0">
+            <a:schemeClr val="accent1"/>
+          </a:fillRef>
+          <a:effectRef idx="0">
+            <a:schemeClr val="accent1"/>
+          </a:effectRef>
+          <a:fontRef idx="minor">
+            <a:schemeClr val="tx1"/>
+          </a:fontRef>
+        </p:style>
+      </p:cxnSp>
+      <p:sp>
+        <p:nvSpPr>
+          <p:cNvPr id="29" name="TextBox 28">
+            <a:extLst>
+              <a:ext uri="{FF2B5EF4-FFF2-40B4-BE49-F238E27FC236}">
+                <a16:creationId xmlns:a16="http://schemas.microsoft.com/office/drawing/2014/main" id="{B1986902-45A5-7A42-853F-596347854E43}"/>
+              </a:ext>
+            </a:extLst>
+          </p:cNvPr>
+          <p:cNvSpPr txBox="1"/>
+          <p:nvPr/>
+        </p:nvSpPr>
+        <p:spPr>
+          <a:xfrm>
+            <a:off x="9472693" y="1693384"/>
+            <a:ext cx="2230195" cy="923330"/>
+          </a:xfrm>
+          <a:prstGeom prst="rect">
+            <a:avLst/>
+          </a:prstGeom>
+          <a:solidFill>
+            <a:srgbClr val="FFFF00"/>
+          </a:solidFill>
+        </p:spPr>
+        <p:txBody>
+          <a:bodyPr wrap="square" rtlCol="0">
+            <a:spAutoFit/>
+          </a:bodyPr>
+          <a:lstStyle/>
+          <a:p>
+            <a:r>
+              <a:rPr lang="en-US" dirty="0"/>
+              <a:t>Showing examples of includes and extends, and </a:t>
+            </a:r>
+          </a:p>
+        </p:txBody>
+      </p:sp>
+    </p:spTree>
+    <p:extLst>
+      <p:ext uri="{BB962C8B-B14F-4D97-AF65-F5344CB8AC3E}">
+        <p14:creationId xmlns:p14="http://schemas.microsoft.com/office/powerpoint/2010/main" val="4041409442"/>
+      </p:ext>
+    </p:extLst>
+  </p:cSld>
+  <p:clrMapOvr>
+    <a:masterClrMapping/>
+  </p:clrMapOvr>
+</p:sld>
+</file>
+
+<file path=ppt/slides/slide6.xml><?xml version="1.0" encoding="utf-8"?>
 <p:sld xmlns:a="http://schemas.openxmlformats.org/drawingml/2006/main" xmlns:r="http://schemas.openxmlformats.org/officeDocument/2006/relationships" xmlns:p="http://schemas.openxmlformats.org/presentationml/2006/main">
   <p:cSld>
     <p:spTree>
@@ -11592,7 +16371,7 @@
 </p:sld>
 </file>
 
-<file path=ppt/slides/slide6.xml><?xml version="1.0" encoding="utf-8"?>
+<file path=ppt/slides/slide7.xml><?xml version="1.0" encoding="utf-8"?>
 <p:sld xmlns:a="http://schemas.openxmlformats.org/drawingml/2006/main" xmlns:r="http://schemas.openxmlformats.org/officeDocument/2006/relationships" xmlns:p="http://schemas.openxmlformats.org/presentationml/2006/main">
   <p:cSld>
     <p:spTree>
@@ -13401,7 +18180,7 @@
 </p:sld>
 </file>
 
-<file path=ppt/slides/slide7.xml><?xml version="1.0" encoding="utf-8"?>
+<file path=ppt/slides/slide8.xml><?xml version="1.0" encoding="utf-8"?>
 <p:sld xmlns:a="http://schemas.openxmlformats.org/drawingml/2006/main" xmlns:r="http://schemas.openxmlformats.org/officeDocument/2006/relationships" xmlns:p="http://schemas.openxmlformats.org/presentationml/2006/main">
   <p:cSld>
     <p:spTree>
@@ -14321,7 +19100,7 @@
 </p:sld>
 </file>
 
-<file path=ppt/slides/slide8.xml><?xml version="1.0" encoding="utf-8"?>
+<file path=ppt/slides/slide9.xml><?xml version="1.0" encoding="utf-8"?>
 <p:sld xmlns:a="http://schemas.openxmlformats.org/drawingml/2006/main" xmlns:r="http://schemas.openxmlformats.org/officeDocument/2006/relationships" xmlns:p="http://schemas.openxmlformats.org/presentationml/2006/main">
   <p:cSld>
     <p:spTree>
@@ -15829,2990 +20608,6 @@
     <p:extLst>
       <p:ext uri="{BB962C8B-B14F-4D97-AF65-F5344CB8AC3E}">
         <p14:creationId xmlns:p14="http://schemas.microsoft.com/office/powerpoint/2010/main" val="3059886965"/>
-      </p:ext>
-    </p:extLst>
-  </p:cSld>
-  <p:clrMapOvr>
-    <a:masterClrMapping/>
-  </p:clrMapOvr>
-</p:sld>
-</file>
-
-<file path=ppt/slides/slide9.xml><?xml version="1.0" encoding="utf-8"?>
-<p:sld xmlns:a="http://schemas.openxmlformats.org/drawingml/2006/main" xmlns:r="http://schemas.openxmlformats.org/officeDocument/2006/relationships" xmlns:p="http://schemas.openxmlformats.org/presentationml/2006/main">
-  <p:cSld>
-    <p:spTree>
-      <p:nvGrpSpPr>
-        <p:cNvPr id="1" name=""/>
-        <p:cNvGrpSpPr/>
-        <p:nvPr/>
-      </p:nvGrpSpPr>
-      <p:grpSpPr>
-        <a:xfrm>
-          <a:off x="0" y="0"/>
-          <a:ext cx="0" cy="0"/>
-          <a:chOff x="0" y="0"/>
-          <a:chExt cx="0" cy="0"/>
-        </a:xfrm>
-      </p:grpSpPr>
-      <p:sp>
-        <p:nvSpPr>
-          <p:cNvPr id="4" name="Rectangle 3">
-            <a:extLst>
-              <a:ext uri="{FF2B5EF4-FFF2-40B4-BE49-F238E27FC236}">
-                <a16:creationId xmlns:a16="http://schemas.microsoft.com/office/drawing/2014/main" id="{EEE75858-A858-7E4F-B8AD-6A09407EB0B4}"/>
-              </a:ext>
-            </a:extLst>
-          </p:cNvPr>
-          <p:cNvSpPr/>
-          <p:nvPr/>
-        </p:nvSpPr>
-        <p:spPr>
-          <a:xfrm>
-            <a:off x="5535536" y="921967"/>
-            <a:ext cx="816981" cy="299073"/>
-          </a:xfrm>
-          <a:prstGeom prst="rect">
-            <a:avLst/>
-          </a:prstGeom>
-          <a:solidFill>
-            <a:schemeClr val="bg1"/>
-          </a:solidFill>
-        </p:spPr>
-        <p:style>
-          <a:lnRef idx="2">
-            <a:schemeClr val="accent1">
-              <a:shade val="50000"/>
-            </a:schemeClr>
-          </a:lnRef>
-          <a:fillRef idx="1">
-            <a:schemeClr val="accent1"/>
-          </a:fillRef>
-          <a:effectRef idx="0">
-            <a:schemeClr val="accent1"/>
-          </a:effectRef>
-          <a:fontRef idx="minor">
-            <a:schemeClr val="lt1"/>
-          </a:fontRef>
-        </p:style>
-        <p:txBody>
-          <a:bodyPr rtlCol="0" anchor="ctr"/>
-          <a:lstStyle/>
-          <a:p>
-            <a:pPr algn="ctr"/>
-            <a:r>
-              <a:rPr lang="en-US" sz="700" dirty="0">
-                <a:solidFill>
-                  <a:schemeClr val="tx1"/>
-                </a:solidFill>
-              </a:rPr>
-              <a:t>Customer</a:t>
-            </a:r>
-          </a:p>
-        </p:txBody>
-      </p:sp>
-      <p:sp>
-        <p:nvSpPr>
-          <p:cNvPr id="8" name="TextBox 7">
-            <a:extLst>
-              <a:ext uri="{FF2B5EF4-FFF2-40B4-BE49-F238E27FC236}">
-                <a16:creationId xmlns:a16="http://schemas.microsoft.com/office/drawing/2014/main" id="{ACA475DA-AAB4-0C4F-ACC0-99DC10FCC247}"/>
-              </a:ext>
-            </a:extLst>
-          </p:cNvPr>
-          <p:cNvSpPr txBox="1"/>
-          <p:nvPr/>
-        </p:nvSpPr>
-        <p:spPr>
-          <a:xfrm>
-            <a:off x="2671280" y="28672"/>
-            <a:ext cx="8329011" cy="584775"/>
-          </a:xfrm>
-          <a:prstGeom prst="rect">
-            <a:avLst/>
-          </a:prstGeom>
-          <a:noFill/>
-        </p:spPr>
-        <p:txBody>
-          <a:bodyPr wrap="none" rtlCol="0">
-            <a:spAutoFit/>
-          </a:bodyPr>
-          <a:lstStyle/>
-          <a:p>
-            <a:r>
-              <a:rPr lang="en-US" sz="3200" b="1" dirty="0"/>
-              <a:t>System DFD : Hotel Reservation System (DRAFT)</a:t>
-            </a:r>
-          </a:p>
-        </p:txBody>
-      </p:sp>
-      <p:grpSp>
-        <p:nvGrpSpPr>
-          <p:cNvPr id="15" name="Group 14">
-            <a:extLst>
-              <a:ext uri="{FF2B5EF4-FFF2-40B4-BE49-F238E27FC236}">
-                <a16:creationId xmlns:a16="http://schemas.microsoft.com/office/drawing/2014/main" id="{2EFCF254-7E03-7446-BD00-A1AA939CEB61}"/>
-              </a:ext>
-            </a:extLst>
-          </p:cNvPr>
-          <p:cNvGrpSpPr/>
-          <p:nvPr/>
-        </p:nvGrpSpPr>
-        <p:grpSpPr>
-          <a:xfrm>
-            <a:off x="861350" y="2571320"/>
-            <a:ext cx="1033383" cy="876447"/>
-            <a:chOff x="4894996" y="1947470"/>
-            <a:chExt cx="1933434" cy="1639810"/>
-          </a:xfrm>
-        </p:grpSpPr>
-        <p:sp>
-          <p:nvSpPr>
-            <p:cNvPr id="7" name="Rounded Rectangle 6">
-              <a:extLst>
-                <a:ext uri="{FF2B5EF4-FFF2-40B4-BE49-F238E27FC236}">
-                  <a16:creationId xmlns:a16="http://schemas.microsoft.com/office/drawing/2014/main" id="{63E0E38D-BDA2-2948-8C9F-547612700343}"/>
-                </a:ext>
-              </a:extLst>
-            </p:cNvPr>
-            <p:cNvSpPr/>
-            <p:nvPr/>
-          </p:nvSpPr>
-          <p:spPr>
-            <a:xfrm>
-              <a:off x="4894996" y="2082614"/>
-              <a:ext cx="1933433" cy="1504666"/>
-            </a:xfrm>
-            <a:prstGeom prst="roundRect">
-              <a:avLst/>
-            </a:prstGeom>
-            <a:solidFill>
-              <a:schemeClr val="bg1"/>
-            </a:solidFill>
-          </p:spPr>
-          <p:style>
-            <a:lnRef idx="2">
-              <a:schemeClr val="accent1">
-                <a:shade val="50000"/>
-              </a:schemeClr>
-            </a:lnRef>
-            <a:fillRef idx="1">
-              <a:schemeClr val="accent1"/>
-            </a:fillRef>
-            <a:effectRef idx="0">
-              <a:schemeClr val="accent1"/>
-            </a:effectRef>
-            <a:fontRef idx="minor">
-              <a:schemeClr val="lt1"/>
-            </a:fontRef>
-          </p:style>
-          <p:txBody>
-            <a:bodyPr rtlCol="0" anchor="b"/>
-            <a:lstStyle/>
-            <a:p>
-              <a:pPr algn="ctr"/>
-              <a:r>
-                <a:rPr lang="en-US" sz="700" b="1" dirty="0">
-                  <a:solidFill>
-                    <a:schemeClr val="tx1"/>
-                  </a:solidFill>
-                </a:rPr>
-                <a:t>Search</a:t>
-              </a:r>
-              <a:r>
-                <a:rPr lang="en-US" sz="700" dirty="0">
-                  <a:solidFill>
-                    <a:schemeClr val="tx1"/>
-                  </a:solidFill>
-                </a:rPr>
-                <a:t> Rooms</a:t>
-              </a:r>
-            </a:p>
-          </p:txBody>
-        </p:sp>
-        <p:sp>
-          <p:nvSpPr>
-            <p:cNvPr id="19" name="Delay 18">
-              <a:extLst>
-                <a:ext uri="{FF2B5EF4-FFF2-40B4-BE49-F238E27FC236}">
-                  <a16:creationId xmlns:a16="http://schemas.microsoft.com/office/drawing/2014/main" id="{C2FEA86F-0C49-5947-A1A8-C95A6D15366C}"/>
-                </a:ext>
-              </a:extLst>
-            </p:cNvPr>
-            <p:cNvSpPr/>
-            <p:nvPr/>
-          </p:nvSpPr>
-          <p:spPr>
-            <a:xfrm rot="16200000">
-              <a:off x="5651026" y="1191440"/>
-              <a:ext cx="421373" cy="1933434"/>
-            </a:xfrm>
-            <a:prstGeom prst="flowChartDelay">
-              <a:avLst/>
-            </a:prstGeom>
-            <a:solidFill>
-              <a:schemeClr val="accent1">
-                <a:lumMod val="20000"/>
-                <a:lumOff val="80000"/>
-              </a:schemeClr>
-            </a:solidFill>
-          </p:spPr>
-          <p:style>
-            <a:lnRef idx="2">
-              <a:schemeClr val="accent1">
-                <a:shade val="50000"/>
-              </a:schemeClr>
-            </a:lnRef>
-            <a:fillRef idx="1">
-              <a:schemeClr val="accent1"/>
-            </a:fillRef>
-            <a:effectRef idx="0">
-              <a:schemeClr val="accent1"/>
-            </a:effectRef>
-            <a:fontRef idx="minor">
-              <a:schemeClr val="lt1"/>
-            </a:fontRef>
-          </p:style>
-          <p:txBody>
-            <a:bodyPr rtlCol="0" anchor="ctr"/>
-            <a:lstStyle/>
-            <a:p>
-              <a:pPr algn="ctr"/>
-              <a:endParaRPr lang="en-US" sz="700" dirty="0"/>
-            </a:p>
-          </p:txBody>
-        </p:sp>
-        <p:sp>
-          <p:nvSpPr>
-            <p:cNvPr id="20" name="TextBox 19">
-              <a:extLst>
-                <a:ext uri="{FF2B5EF4-FFF2-40B4-BE49-F238E27FC236}">
-                  <a16:creationId xmlns:a16="http://schemas.microsoft.com/office/drawing/2014/main" id="{DBB3E46C-6971-E94E-BBC9-65E463402177}"/>
-                </a:ext>
-              </a:extLst>
-            </p:cNvPr>
-            <p:cNvSpPr txBox="1"/>
-            <p:nvPr/>
-          </p:nvSpPr>
-          <p:spPr>
-            <a:xfrm>
-              <a:off x="5628981" y="1973492"/>
-              <a:ext cx="555448" cy="374298"/>
-            </a:xfrm>
-            <a:prstGeom prst="rect">
-              <a:avLst/>
-            </a:prstGeom>
-            <a:noFill/>
-          </p:spPr>
-          <p:txBody>
-            <a:bodyPr wrap="none" rtlCol="0">
-              <a:spAutoFit/>
-            </a:bodyPr>
-            <a:lstStyle/>
-            <a:p>
-              <a:r>
-                <a:rPr lang="en-US" sz="700" dirty="0"/>
-                <a:t>1.0</a:t>
-              </a:r>
-            </a:p>
-          </p:txBody>
-        </p:sp>
-      </p:grpSp>
-      <p:grpSp>
-        <p:nvGrpSpPr>
-          <p:cNvPr id="35" name="Group 34">
-            <a:extLst>
-              <a:ext uri="{FF2B5EF4-FFF2-40B4-BE49-F238E27FC236}">
-                <a16:creationId xmlns:a16="http://schemas.microsoft.com/office/drawing/2014/main" id="{190879D8-005F-0547-BD29-2413F8A12AC4}"/>
-              </a:ext>
-            </a:extLst>
-          </p:cNvPr>
-          <p:cNvGrpSpPr/>
-          <p:nvPr/>
-        </p:nvGrpSpPr>
-        <p:grpSpPr>
-          <a:xfrm>
-            <a:off x="5200187" y="4609200"/>
-            <a:ext cx="1167114" cy="307904"/>
-            <a:chOff x="903742" y="5627244"/>
-            <a:chExt cx="2183643" cy="576081"/>
-          </a:xfrm>
-        </p:grpSpPr>
-        <p:sp>
-          <p:nvSpPr>
-            <p:cNvPr id="9" name="Rectangle 8">
-              <a:extLst>
-                <a:ext uri="{FF2B5EF4-FFF2-40B4-BE49-F238E27FC236}">
-                  <a16:creationId xmlns:a16="http://schemas.microsoft.com/office/drawing/2014/main" id="{EC2A5354-F889-E740-8854-E21E03B32AAF}"/>
-                </a:ext>
-              </a:extLst>
-            </p:cNvPr>
-            <p:cNvSpPr/>
-            <p:nvPr/>
-          </p:nvSpPr>
-          <p:spPr>
-            <a:xfrm>
-              <a:off x="903743" y="5627244"/>
-              <a:ext cx="2183642" cy="576081"/>
-            </a:xfrm>
-            <a:prstGeom prst="rect">
-              <a:avLst/>
-            </a:prstGeom>
-            <a:solidFill>
-              <a:schemeClr val="bg1"/>
-            </a:solidFill>
-          </p:spPr>
-          <p:style>
-            <a:lnRef idx="2">
-              <a:schemeClr val="accent1">
-                <a:shade val="50000"/>
-              </a:schemeClr>
-            </a:lnRef>
-            <a:fillRef idx="1">
-              <a:schemeClr val="accent1"/>
-            </a:fillRef>
-            <a:effectRef idx="0">
-              <a:schemeClr val="accent1"/>
-            </a:effectRef>
-            <a:fontRef idx="minor">
-              <a:schemeClr val="lt1"/>
-            </a:fontRef>
-          </p:style>
-          <p:txBody>
-            <a:bodyPr rot="0" spcFirstLastPara="0" vertOverflow="overflow" horzOverflow="overflow" vert="horz" wrap="square" lIns="91440" tIns="45720" rIns="91440" bIns="45720" numCol="1" spcCol="0" rtlCol="0" fromWordArt="0" anchor="ctr" anchorCtr="0" forceAA="0" compatLnSpc="1">
-              <a:prstTxWarp prst="textNoShape">
-                <a:avLst/>
-              </a:prstTxWarp>
-              <a:noAutofit/>
-            </a:bodyPr>
-            <a:lstStyle/>
-            <a:p>
-              <a:pPr algn="r"/>
-              <a:r>
-                <a:rPr lang="en-US" sz="700" dirty="0">
-                  <a:solidFill>
-                    <a:schemeClr val="tx1"/>
-                  </a:solidFill>
-                </a:rPr>
-                <a:t>Reservation File</a:t>
-              </a:r>
-            </a:p>
-          </p:txBody>
-        </p:sp>
-        <p:sp>
-          <p:nvSpPr>
-            <p:cNvPr id="11" name="Rectangle 10">
-              <a:extLst>
-                <a:ext uri="{FF2B5EF4-FFF2-40B4-BE49-F238E27FC236}">
-                  <a16:creationId xmlns:a16="http://schemas.microsoft.com/office/drawing/2014/main" id="{5316078B-3729-6042-BEFF-452D9DEF5C44}"/>
-                </a:ext>
-              </a:extLst>
-            </p:cNvPr>
-            <p:cNvSpPr/>
-            <p:nvPr/>
-          </p:nvSpPr>
-          <p:spPr>
-            <a:xfrm>
-              <a:off x="903742" y="5627244"/>
-              <a:ext cx="527000" cy="576081"/>
-            </a:xfrm>
-            <a:prstGeom prst="rect">
-              <a:avLst/>
-            </a:prstGeom>
-            <a:solidFill>
-              <a:schemeClr val="accent1">
-                <a:lumMod val="20000"/>
-                <a:lumOff val="80000"/>
-              </a:schemeClr>
-            </a:solidFill>
-          </p:spPr>
-          <p:style>
-            <a:lnRef idx="2">
-              <a:schemeClr val="accent1">
-                <a:shade val="50000"/>
-              </a:schemeClr>
-            </a:lnRef>
-            <a:fillRef idx="1">
-              <a:schemeClr val="accent1"/>
-            </a:fillRef>
-            <a:effectRef idx="0">
-              <a:schemeClr val="accent1"/>
-            </a:effectRef>
-            <a:fontRef idx="minor">
-              <a:schemeClr val="lt1"/>
-            </a:fontRef>
-          </p:style>
-          <p:txBody>
-            <a:bodyPr rtlCol="0" anchor="ctr"/>
-            <a:lstStyle/>
-            <a:p>
-              <a:pPr algn="ctr"/>
-              <a:r>
-                <a:rPr lang="en-US" sz="700" dirty="0">
-                  <a:solidFill>
-                    <a:schemeClr val="tx1"/>
-                  </a:solidFill>
-                </a:rPr>
-                <a:t>D2</a:t>
-              </a:r>
-            </a:p>
-          </p:txBody>
-        </p:sp>
-      </p:grpSp>
-      <p:grpSp>
-        <p:nvGrpSpPr>
-          <p:cNvPr id="57" name="Group 56">
-            <a:extLst>
-              <a:ext uri="{FF2B5EF4-FFF2-40B4-BE49-F238E27FC236}">
-                <a16:creationId xmlns:a16="http://schemas.microsoft.com/office/drawing/2014/main" id="{C5F9AB48-B4D8-154B-88E0-9E3DCF7823BE}"/>
-              </a:ext>
-            </a:extLst>
-          </p:cNvPr>
-          <p:cNvGrpSpPr/>
-          <p:nvPr/>
-        </p:nvGrpSpPr>
-        <p:grpSpPr>
-          <a:xfrm>
-            <a:off x="9452955" y="5106477"/>
-            <a:ext cx="1167114" cy="307904"/>
-            <a:chOff x="903742" y="5627244"/>
-            <a:chExt cx="2183643" cy="576081"/>
-          </a:xfrm>
-        </p:grpSpPr>
-        <p:sp>
-          <p:nvSpPr>
-            <p:cNvPr id="58" name="Rectangle 57">
-              <a:extLst>
-                <a:ext uri="{FF2B5EF4-FFF2-40B4-BE49-F238E27FC236}">
-                  <a16:creationId xmlns:a16="http://schemas.microsoft.com/office/drawing/2014/main" id="{B5B89637-8698-394D-9F18-656DC220FB34}"/>
-                </a:ext>
-              </a:extLst>
-            </p:cNvPr>
-            <p:cNvSpPr/>
-            <p:nvPr/>
-          </p:nvSpPr>
-          <p:spPr>
-            <a:xfrm>
-              <a:off x="903744" y="5627244"/>
-              <a:ext cx="2183641" cy="576081"/>
-            </a:xfrm>
-            <a:prstGeom prst="rect">
-              <a:avLst/>
-            </a:prstGeom>
-            <a:solidFill>
-              <a:schemeClr val="bg1"/>
-            </a:solidFill>
-          </p:spPr>
-          <p:style>
-            <a:lnRef idx="2">
-              <a:schemeClr val="accent1">
-                <a:shade val="50000"/>
-              </a:schemeClr>
-            </a:lnRef>
-            <a:fillRef idx="1">
-              <a:schemeClr val="accent1"/>
-            </a:fillRef>
-            <a:effectRef idx="0">
-              <a:schemeClr val="accent1"/>
-            </a:effectRef>
-            <a:fontRef idx="minor">
-              <a:schemeClr val="lt1"/>
-            </a:fontRef>
-          </p:style>
-          <p:txBody>
-            <a:bodyPr rot="0" spcFirstLastPara="0" vertOverflow="overflow" horzOverflow="overflow" vert="horz" wrap="square" lIns="91440" tIns="45720" rIns="91440" bIns="45720" numCol="1" spcCol="0" rtlCol="0" fromWordArt="0" anchor="ctr" anchorCtr="0" forceAA="0" compatLnSpc="1">
-              <a:prstTxWarp prst="textNoShape">
-                <a:avLst/>
-              </a:prstTxWarp>
-              <a:noAutofit/>
-            </a:bodyPr>
-            <a:lstStyle/>
-            <a:p>
-              <a:pPr algn="r"/>
-              <a:r>
-                <a:rPr lang="en-US" sz="700" dirty="0">
-                  <a:solidFill>
-                    <a:schemeClr val="tx1"/>
-                  </a:solidFill>
-                </a:rPr>
-                <a:t>Account File</a:t>
-              </a:r>
-            </a:p>
-          </p:txBody>
-        </p:sp>
-        <p:sp>
-          <p:nvSpPr>
-            <p:cNvPr id="59" name="Rectangle 58">
-              <a:extLst>
-                <a:ext uri="{FF2B5EF4-FFF2-40B4-BE49-F238E27FC236}">
-                  <a16:creationId xmlns:a16="http://schemas.microsoft.com/office/drawing/2014/main" id="{0D110CCA-0E0A-D54B-AE1E-BA2AC6A7F9BE}"/>
-                </a:ext>
-              </a:extLst>
-            </p:cNvPr>
-            <p:cNvSpPr/>
-            <p:nvPr/>
-          </p:nvSpPr>
-          <p:spPr>
-            <a:xfrm>
-              <a:off x="903742" y="5627244"/>
-              <a:ext cx="527000" cy="576081"/>
-            </a:xfrm>
-            <a:prstGeom prst="rect">
-              <a:avLst/>
-            </a:prstGeom>
-            <a:solidFill>
-              <a:schemeClr val="accent1">
-                <a:lumMod val="20000"/>
-                <a:lumOff val="80000"/>
-              </a:schemeClr>
-            </a:solidFill>
-          </p:spPr>
-          <p:style>
-            <a:lnRef idx="2">
-              <a:schemeClr val="accent1">
-                <a:shade val="50000"/>
-              </a:schemeClr>
-            </a:lnRef>
-            <a:fillRef idx="1">
-              <a:schemeClr val="accent1"/>
-            </a:fillRef>
-            <a:effectRef idx="0">
-              <a:schemeClr val="accent1"/>
-            </a:effectRef>
-            <a:fontRef idx="minor">
-              <a:schemeClr val="lt1"/>
-            </a:fontRef>
-          </p:style>
-          <p:txBody>
-            <a:bodyPr rtlCol="0" anchor="ctr"/>
-            <a:lstStyle/>
-            <a:p>
-              <a:pPr algn="ctr"/>
-              <a:r>
-                <a:rPr lang="en-US" sz="700" dirty="0">
-                  <a:solidFill>
-                    <a:schemeClr val="tx1"/>
-                  </a:solidFill>
-                </a:rPr>
-                <a:t>D3</a:t>
-              </a:r>
-            </a:p>
-          </p:txBody>
-        </p:sp>
-      </p:grpSp>
-      <p:grpSp>
-        <p:nvGrpSpPr>
-          <p:cNvPr id="76" name="Group 75">
-            <a:extLst>
-              <a:ext uri="{FF2B5EF4-FFF2-40B4-BE49-F238E27FC236}">
-                <a16:creationId xmlns:a16="http://schemas.microsoft.com/office/drawing/2014/main" id="{0DB72949-3E73-CD42-80CE-5946B25D2965}"/>
-              </a:ext>
-            </a:extLst>
-          </p:cNvPr>
-          <p:cNvGrpSpPr/>
-          <p:nvPr/>
-        </p:nvGrpSpPr>
-        <p:grpSpPr>
-          <a:xfrm>
-            <a:off x="8084384" y="2573198"/>
-            <a:ext cx="1033383" cy="876447"/>
-            <a:chOff x="4894996" y="1947470"/>
-            <a:chExt cx="1933434" cy="1639810"/>
-          </a:xfrm>
-        </p:grpSpPr>
-        <p:sp>
-          <p:nvSpPr>
-            <p:cNvPr id="77" name="Rounded Rectangle 76">
-              <a:extLst>
-                <a:ext uri="{FF2B5EF4-FFF2-40B4-BE49-F238E27FC236}">
-                  <a16:creationId xmlns:a16="http://schemas.microsoft.com/office/drawing/2014/main" id="{D38F9B3C-FB3F-B849-BC29-8388C7382520}"/>
-                </a:ext>
-              </a:extLst>
-            </p:cNvPr>
-            <p:cNvSpPr/>
-            <p:nvPr/>
-          </p:nvSpPr>
-          <p:spPr>
-            <a:xfrm>
-              <a:off x="4894996" y="2082614"/>
-              <a:ext cx="1933433" cy="1504666"/>
-            </a:xfrm>
-            <a:prstGeom prst="roundRect">
-              <a:avLst/>
-            </a:prstGeom>
-            <a:solidFill>
-              <a:schemeClr val="bg1"/>
-            </a:solidFill>
-          </p:spPr>
-          <p:style>
-            <a:lnRef idx="2">
-              <a:schemeClr val="accent1">
-                <a:shade val="50000"/>
-              </a:schemeClr>
-            </a:lnRef>
-            <a:fillRef idx="1">
-              <a:schemeClr val="accent1"/>
-            </a:fillRef>
-            <a:effectRef idx="0">
-              <a:schemeClr val="accent1"/>
-            </a:effectRef>
-            <a:fontRef idx="minor">
-              <a:schemeClr val="lt1"/>
-            </a:fontRef>
-          </p:style>
-          <p:txBody>
-            <a:bodyPr rtlCol="0" anchor="b"/>
-            <a:lstStyle/>
-            <a:p>
-              <a:pPr algn="ctr"/>
-              <a:r>
-                <a:rPr lang="en-US" sz="700" b="1" dirty="0">
-                  <a:solidFill>
-                    <a:schemeClr val="tx1"/>
-                  </a:solidFill>
-                </a:rPr>
-                <a:t>Receive </a:t>
-              </a:r>
-              <a:r>
-                <a:rPr lang="en-US" sz="700" dirty="0">
-                  <a:solidFill>
-                    <a:schemeClr val="tx1"/>
-                  </a:solidFill>
-                </a:rPr>
-                <a:t>Confirmation</a:t>
-              </a:r>
-            </a:p>
-          </p:txBody>
-        </p:sp>
-        <p:sp>
-          <p:nvSpPr>
-            <p:cNvPr id="78" name="Delay 77">
-              <a:extLst>
-                <a:ext uri="{FF2B5EF4-FFF2-40B4-BE49-F238E27FC236}">
-                  <a16:creationId xmlns:a16="http://schemas.microsoft.com/office/drawing/2014/main" id="{769380F5-A19F-D642-90B5-4B66F9C9F170}"/>
-                </a:ext>
-              </a:extLst>
-            </p:cNvPr>
-            <p:cNvSpPr/>
-            <p:nvPr/>
-          </p:nvSpPr>
-          <p:spPr>
-            <a:xfrm rot="16200000">
-              <a:off x="5651026" y="1191440"/>
-              <a:ext cx="421373" cy="1933434"/>
-            </a:xfrm>
-            <a:prstGeom prst="flowChartDelay">
-              <a:avLst/>
-            </a:prstGeom>
-            <a:solidFill>
-              <a:schemeClr val="accent1">
-                <a:lumMod val="20000"/>
-                <a:lumOff val="80000"/>
-              </a:schemeClr>
-            </a:solidFill>
-          </p:spPr>
-          <p:style>
-            <a:lnRef idx="2">
-              <a:schemeClr val="accent1">
-                <a:shade val="50000"/>
-              </a:schemeClr>
-            </a:lnRef>
-            <a:fillRef idx="1">
-              <a:schemeClr val="accent1"/>
-            </a:fillRef>
-            <a:effectRef idx="0">
-              <a:schemeClr val="accent1"/>
-            </a:effectRef>
-            <a:fontRef idx="minor">
-              <a:schemeClr val="lt1"/>
-            </a:fontRef>
-          </p:style>
-          <p:txBody>
-            <a:bodyPr rtlCol="0" anchor="ctr"/>
-            <a:lstStyle/>
-            <a:p>
-              <a:pPr algn="ctr"/>
-              <a:endParaRPr lang="en-US" sz="700" dirty="0"/>
-            </a:p>
-          </p:txBody>
-        </p:sp>
-        <p:sp>
-          <p:nvSpPr>
-            <p:cNvPr id="79" name="TextBox 78">
-              <a:extLst>
-                <a:ext uri="{FF2B5EF4-FFF2-40B4-BE49-F238E27FC236}">
-                  <a16:creationId xmlns:a16="http://schemas.microsoft.com/office/drawing/2014/main" id="{A9EEDA21-C1C8-684E-9D56-7C7455AA83BA}"/>
-                </a:ext>
-              </a:extLst>
-            </p:cNvPr>
-            <p:cNvSpPr txBox="1"/>
-            <p:nvPr/>
-          </p:nvSpPr>
-          <p:spPr>
-            <a:xfrm>
-              <a:off x="5628981" y="1973492"/>
-              <a:ext cx="555448" cy="374298"/>
-            </a:xfrm>
-            <a:prstGeom prst="rect">
-              <a:avLst/>
-            </a:prstGeom>
-            <a:noFill/>
-          </p:spPr>
-          <p:txBody>
-            <a:bodyPr wrap="none" rtlCol="0">
-              <a:spAutoFit/>
-            </a:bodyPr>
-            <a:lstStyle/>
-            <a:p>
-              <a:r>
-                <a:rPr lang="en-US" sz="700" dirty="0"/>
-                <a:t>5.0</a:t>
-              </a:r>
-            </a:p>
-          </p:txBody>
-        </p:sp>
-      </p:grpSp>
-      <p:grpSp>
-        <p:nvGrpSpPr>
-          <p:cNvPr id="80" name="Group 79">
-            <a:extLst>
-              <a:ext uri="{FF2B5EF4-FFF2-40B4-BE49-F238E27FC236}">
-                <a16:creationId xmlns:a16="http://schemas.microsoft.com/office/drawing/2014/main" id="{B7A424EF-EC93-CA4D-937E-BD73114933F4}"/>
-              </a:ext>
-            </a:extLst>
-          </p:cNvPr>
-          <p:cNvGrpSpPr/>
-          <p:nvPr/>
-        </p:nvGrpSpPr>
-        <p:grpSpPr>
-          <a:xfrm>
-            <a:off x="5783746" y="2583184"/>
-            <a:ext cx="1033383" cy="876447"/>
-            <a:chOff x="4894996" y="1947470"/>
-            <a:chExt cx="1933434" cy="1639810"/>
-          </a:xfrm>
-        </p:grpSpPr>
-        <p:sp>
-          <p:nvSpPr>
-            <p:cNvPr id="81" name="Rounded Rectangle 80">
-              <a:extLst>
-                <a:ext uri="{FF2B5EF4-FFF2-40B4-BE49-F238E27FC236}">
-                  <a16:creationId xmlns:a16="http://schemas.microsoft.com/office/drawing/2014/main" id="{7ACC0D16-AF81-0C4A-9D40-69E767D9DA70}"/>
-                </a:ext>
-              </a:extLst>
-            </p:cNvPr>
-            <p:cNvSpPr/>
-            <p:nvPr/>
-          </p:nvSpPr>
-          <p:spPr>
-            <a:xfrm>
-              <a:off x="4894996" y="2082614"/>
-              <a:ext cx="1933433" cy="1504666"/>
-            </a:xfrm>
-            <a:prstGeom prst="roundRect">
-              <a:avLst/>
-            </a:prstGeom>
-            <a:solidFill>
-              <a:schemeClr val="bg1"/>
-            </a:solidFill>
-          </p:spPr>
-          <p:style>
-            <a:lnRef idx="2">
-              <a:schemeClr val="accent1">
-                <a:shade val="50000"/>
-              </a:schemeClr>
-            </a:lnRef>
-            <a:fillRef idx="1">
-              <a:schemeClr val="accent1"/>
-            </a:fillRef>
-            <a:effectRef idx="0">
-              <a:schemeClr val="accent1"/>
-            </a:effectRef>
-            <a:fontRef idx="minor">
-              <a:schemeClr val="lt1"/>
-            </a:fontRef>
-          </p:style>
-          <p:txBody>
-            <a:bodyPr rtlCol="0" anchor="b"/>
-            <a:lstStyle/>
-            <a:p>
-              <a:pPr algn="ctr"/>
-              <a:r>
-                <a:rPr lang="en-US" sz="700" b="1" dirty="0">
-                  <a:solidFill>
-                    <a:schemeClr val="tx1"/>
-                  </a:solidFill>
-                </a:rPr>
-                <a:t>Book</a:t>
-              </a:r>
-              <a:r>
-                <a:rPr lang="en-US" sz="700" dirty="0">
-                  <a:solidFill>
-                    <a:schemeClr val="tx1"/>
-                  </a:solidFill>
-                </a:rPr>
-                <a:t> Rooms</a:t>
-              </a:r>
-            </a:p>
-          </p:txBody>
-        </p:sp>
-        <p:sp>
-          <p:nvSpPr>
-            <p:cNvPr id="82" name="Delay 81">
-              <a:extLst>
-                <a:ext uri="{FF2B5EF4-FFF2-40B4-BE49-F238E27FC236}">
-                  <a16:creationId xmlns:a16="http://schemas.microsoft.com/office/drawing/2014/main" id="{EFDA4729-EE7A-DF49-BACE-947DD6060891}"/>
-                </a:ext>
-              </a:extLst>
-            </p:cNvPr>
-            <p:cNvSpPr/>
-            <p:nvPr/>
-          </p:nvSpPr>
-          <p:spPr>
-            <a:xfrm rot="16200000">
-              <a:off x="5651026" y="1191440"/>
-              <a:ext cx="421373" cy="1933434"/>
-            </a:xfrm>
-            <a:prstGeom prst="flowChartDelay">
-              <a:avLst/>
-            </a:prstGeom>
-            <a:solidFill>
-              <a:schemeClr val="accent1">
-                <a:lumMod val="20000"/>
-                <a:lumOff val="80000"/>
-              </a:schemeClr>
-            </a:solidFill>
-          </p:spPr>
-          <p:style>
-            <a:lnRef idx="2">
-              <a:schemeClr val="accent1">
-                <a:shade val="50000"/>
-              </a:schemeClr>
-            </a:lnRef>
-            <a:fillRef idx="1">
-              <a:schemeClr val="accent1"/>
-            </a:fillRef>
-            <a:effectRef idx="0">
-              <a:schemeClr val="accent1"/>
-            </a:effectRef>
-            <a:fontRef idx="minor">
-              <a:schemeClr val="lt1"/>
-            </a:fontRef>
-          </p:style>
-          <p:txBody>
-            <a:bodyPr rtlCol="0" anchor="ctr"/>
-            <a:lstStyle/>
-            <a:p>
-              <a:pPr algn="ctr"/>
-              <a:endParaRPr lang="en-US" sz="700" dirty="0"/>
-            </a:p>
-          </p:txBody>
-        </p:sp>
-        <p:sp>
-          <p:nvSpPr>
-            <p:cNvPr id="83" name="TextBox 82">
-              <a:extLst>
-                <a:ext uri="{FF2B5EF4-FFF2-40B4-BE49-F238E27FC236}">
-                  <a16:creationId xmlns:a16="http://schemas.microsoft.com/office/drawing/2014/main" id="{A7725265-B903-DE49-9B06-844747542A71}"/>
-                </a:ext>
-              </a:extLst>
-            </p:cNvPr>
-            <p:cNvSpPr txBox="1"/>
-            <p:nvPr/>
-          </p:nvSpPr>
-          <p:spPr>
-            <a:xfrm>
-              <a:off x="5628981" y="1973492"/>
-              <a:ext cx="555448" cy="374298"/>
-            </a:xfrm>
-            <a:prstGeom prst="rect">
-              <a:avLst/>
-            </a:prstGeom>
-            <a:noFill/>
-          </p:spPr>
-          <p:txBody>
-            <a:bodyPr wrap="none" rtlCol="0">
-              <a:spAutoFit/>
-            </a:bodyPr>
-            <a:lstStyle/>
-            <a:p>
-              <a:r>
-                <a:rPr lang="en-US" sz="700" dirty="0"/>
-                <a:t>3.0</a:t>
-              </a:r>
-            </a:p>
-          </p:txBody>
-        </p:sp>
-      </p:grpSp>
-      <p:grpSp>
-        <p:nvGrpSpPr>
-          <p:cNvPr id="84" name="Group 83">
-            <a:extLst>
-              <a:ext uri="{FF2B5EF4-FFF2-40B4-BE49-F238E27FC236}">
-                <a16:creationId xmlns:a16="http://schemas.microsoft.com/office/drawing/2014/main" id="{3F2817F1-4B42-6E4A-9F4F-5D6B60568B59}"/>
-              </a:ext>
-            </a:extLst>
-          </p:cNvPr>
-          <p:cNvGrpSpPr/>
-          <p:nvPr/>
-        </p:nvGrpSpPr>
-        <p:grpSpPr>
-          <a:xfrm>
-            <a:off x="6919112" y="2583184"/>
-            <a:ext cx="1033383" cy="876447"/>
-            <a:chOff x="4894996" y="1947470"/>
-            <a:chExt cx="1933434" cy="1639810"/>
-          </a:xfrm>
-        </p:grpSpPr>
-        <p:sp>
-          <p:nvSpPr>
-            <p:cNvPr id="85" name="Rounded Rectangle 84">
-              <a:extLst>
-                <a:ext uri="{FF2B5EF4-FFF2-40B4-BE49-F238E27FC236}">
-                  <a16:creationId xmlns:a16="http://schemas.microsoft.com/office/drawing/2014/main" id="{E1A95158-4B02-3349-B90F-B111643F1FE0}"/>
-                </a:ext>
-              </a:extLst>
-            </p:cNvPr>
-            <p:cNvSpPr/>
-            <p:nvPr/>
-          </p:nvSpPr>
-          <p:spPr>
-            <a:xfrm>
-              <a:off x="4894996" y="2082614"/>
-              <a:ext cx="1933433" cy="1504666"/>
-            </a:xfrm>
-            <a:prstGeom prst="roundRect">
-              <a:avLst/>
-            </a:prstGeom>
-            <a:solidFill>
-              <a:schemeClr val="bg1"/>
-            </a:solidFill>
-          </p:spPr>
-          <p:style>
-            <a:lnRef idx="2">
-              <a:schemeClr val="accent1">
-                <a:shade val="50000"/>
-              </a:schemeClr>
-            </a:lnRef>
-            <a:fillRef idx="1">
-              <a:schemeClr val="accent1"/>
-            </a:fillRef>
-            <a:effectRef idx="0">
-              <a:schemeClr val="accent1"/>
-            </a:effectRef>
-            <a:fontRef idx="minor">
-              <a:schemeClr val="lt1"/>
-            </a:fontRef>
-          </p:style>
-          <p:txBody>
-            <a:bodyPr rtlCol="0" anchor="b"/>
-            <a:lstStyle/>
-            <a:p>
-              <a:pPr algn="ctr"/>
-              <a:r>
-                <a:rPr lang="en-US" sz="700" b="1" dirty="0">
-                  <a:solidFill>
-                    <a:schemeClr val="tx1"/>
-                  </a:solidFill>
-                </a:rPr>
-                <a:t>Cancel</a:t>
-              </a:r>
-              <a:r>
-                <a:rPr lang="en-US" sz="700" dirty="0">
-                  <a:solidFill>
-                    <a:schemeClr val="tx1"/>
-                  </a:solidFill>
-                </a:rPr>
-                <a:t> Reservation</a:t>
-              </a:r>
-            </a:p>
-          </p:txBody>
-        </p:sp>
-        <p:sp>
-          <p:nvSpPr>
-            <p:cNvPr id="86" name="Delay 85">
-              <a:extLst>
-                <a:ext uri="{FF2B5EF4-FFF2-40B4-BE49-F238E27FC236}">
-                  <a16:creationId xmlns:a16="http://schemas.microsoft.com/office/drawing/2014/main" id="{D8AF57B8-D18C-F647-B90A-C7E909ADC443}"/>
-                </a:ext>
-              </a:extLst>
-            </p:cNvPr>
-            <p:cNvSpPr/>
-            <p:nvPr/>
-          </p:nvSpPr>
-          <p:spPr>
-            <a:xfrm rot="16200000">
-              <a:off x="5651026" y="1191440"/>
-              <a:ext cx="421373" cy="1933434"/>
-            </a:xfrm>
-            <a:prstGeom prst="flowChartDelay">
-              <a:avLst/>
-            </a:prstGeom>
-            <a:solidFill>
-              <a:schemeClr val="accent1">
-                <a:lumMod val="20000"/>
-                <a:lumOff val="80000"/>
-              </a:schemeClr>
-            </a:solidFill>
-          </p:spPr>
-          <p:style>
-            <a:lnRef idx="2">
-              <a:schemeClr val="accent1">
-                <a:shade val="50000"/>
-              </a:schemeClr>
-            </a:lnRef>
-            <a:fillRef idx="1">
-              <a:schemeClr val="accent1"/>
-            </a:fillRef>
-            <a:effectRef idx="0">
-              <a:schemeClr val="accent1"/>
-            </a:effectRef>
-            <a:fontRef idx="minor">
-              <a:schemeClr val="lt1"/>
-            </a:fontRef>
-          </p:style>
-          <p:txBody>
-            <a:bodyPr rtlCol="0" anchor="ctr"/>
-            <a:lstStyle/>
-            <a:p>
-              <a:pPr algn="ctr"/>
-              <a:endParaRPr lang="en-US" sz="700" dirty="0"/>
-            </a:p>
-          </p:txBody>
-        </p:sp>
-        <p:sp>
-          <p:nvSpPr>
-            <p:cNvPr id="87" name="TextBox 86">
-              <a:extLst>
-                <a:ext uri="{FF2B5EF4-FFF2-40B4-BE49-F238E27FC236}">
-                  <a16:creationId xmlns:a16="http://schemas.microsoft.com/office/drawing/2014/main" id="{254317A5-AEE9-9B45-B791-6860EDC9E8FB}"/>
-                </a:ext>
-              </a:extLst>
-            </p:cNvPr>
-            <p:cNvSpPr txBox="1"/>
-            <p:nvPr/>
-          </p:nvSpPr>
-          <p:spPr>
-            <a:xfrm>
-              <a:off x="5628981" y="1973492"/>
-              <a:ext cx="555448" cy="374298"/>
-            </a:xfrm>
-            <a:prstGeom prst="rect">
-              <a:avLst/>
-            </a:prstGeom>
-            <a:noFill/>
-          </p:spPr>
-          <p:txBody>
-            <a:bodyPr wrap="none" rtlCol="0">
-              <a:spAutoFit/>
-            </a:bodyPr>
-            <a:lstStyle/>
-            <a:p>
-              <a:r>
-                <a:rPr lang="en-US" sz="700" dirty="0"/>
-                <a:t>4.0</a:t>
-              </a:r>
-            </a:p>
-          </p:txBody>
-        </p:sp>
-      </p:grpSp>
-      <p:grpSp>
-        <p:nvGrpSpPr>
-          <p:cNvPr id="97" name="Group 96">
-            <a:extLst>
-              <a:ext uri="{FF2B5EF4-FFF2-40B4-BE49-F238E27FC236}">
-                <a16:creationId xmlns:a16="http://schemas.microsoft.com/office/drawing/2014/main" id="{573FB219-3A9E-C740-B3DE-356B95581CE2}"/>
-              </a:ext>
-            </a:extLst>
-          </p:cNvPr>
-          <p:cNvGrpSpPr/>
-          <p:nvPr/>
-        </p:nvGrpSpPr>
-        <p:grpSpPr>
-          <a:xfrm>
-            <a:off x="3097098" y="2628661"/>
-            <a:ext cx="1033383" cy="876447"/>
-            <a:chOff x="4894996" y="1947470"/>
-            <a:chExt cx="1933434" cy="1639810"/>
-          </a:xfrm>
-        </p:grpSpPr>
-        <p:sp>
-          <p:nvSpPr>
-            <p:cNvPr id="98" name="Rounded Rectangle 97">
-              <a:extLst>
-                <a:ext uri="{FF2B5EF4-FFF2-40B4-BE49-F238E27FC236}">
-                  <a16:creationId xmlns:a16="http://schemas.microsoft.com/office/drawing/2014/main" id="{E815F7BB-EF83-1142-80D7-0DCC9A248F26}"/>
-                </a:ext>
-              </a:extLst>
-            </p:cNvPr>
-            <p:cNvSpPr/>
-            <p:nvPr/>
-          </p:nvSpPr>
-          <p:spPr>
-            <a:xfrm>
-              <a:off x="4894996" y="2082614"/>
-              <a:ext cx="1933433" cy="1504666"/>
-            </a:xfrm>
-            <a:prstGeom prst="roundRect">
-              <a:avLst/>
-            </a:prstGeom>
-            <a:solidFill>
-              <a:schemeClr val="bg1"/>
-            </a:solidFill>
-          </p:spPr>
-          <p:style>
-            <a:lnRef idx="2">
-              <a:schemeClr val="accent1">
-                <a:shade val="50000"/>
-              </a:schemeClr>
-            </a:lnRef>
-            <a:fillRef idx="1">
-              <a:schemeClr val="accent1"/>
-            </a:fillRef>
-            <a:effectRef idx="0">
-              <a:schemeClr val="accent1"/>
-            </a:effectRef>
-            <a:fontRef idx="minor">
-              <a:schemeClr val="lt1"/>
-            </a:fontRef>
-          </p:style>
-          <p:txBody>
-            <a:bodyPr rtlCol="0" anchor="b"/>
-            <a:lstStyle/>
-            <a:p>
-              <a:pPr algn="ctr"/>
-              <a:r>
-                <a:rPr lang="en-US" sz="700" b="1" dirty="0">
-                  <a:solidFill>
-                    <a:schemeClr val="tx1"/>
-                  </a:solidFill>
-                </a:rPr>
-                <a:t>View</a:t>
-              </a:r>
-              <a:r>
-                <a:rPr lang="en-US" sz="700" dirty="0">
-                  <a:solidFill>
-                    <a:schemeClr val="tx1"/>
-                  </a:solidFill>
-                </a:rPr>
-                <a:t> Results</a:t>
-              </a:r>
-            </a:p>
-          </p:txBody>
-        </p:sp>
-        <p:sp>
-          <p:nvSpPr>
-            <p:cNvPr id="99" name="Delay 98">
-              <a:extLst>
-                <a:ext uri="{FF2B5EF4-FFF2-40B4-BE49-F238E27FC236}">
-                  <a16:creationId xmlns:a16="http://schemas.microsoft.com/office/drawing/2014/main" id="{01D83F20-1D3D-7F4E-A2DE-7F8483FC29ED}"/>
-                </a:ext>
-              </a:extLst>
-            </p:cNvPr>
-            <p:cNvSpPr/>
-            <p:nvPr/>
-          </p:nvSpPr>
-          <p:spPr>
-            <a:xfrm rot="16200000">
-              <a:off x="5651026" y="1191440"/>
-              <a:ext cx="421373" cy="1933434"/>
-            </a:xfrm>
-            <a:prstGeom prst="flowChartDelay">
-              <a:avLst/>
-            </a:prstGeom>
-            <a:solidFill>
-              <a:schemeClr val="accent1">
-                <a:lumMod val="20000"/>
-                <a:lumOff val="80000"/>
-              </a:schemeClr>
-            </a:solidFill>
-          </p:spPr>
-          <p:style>
-            <a:lnRef idx="2">
-              <a:schemeClr val="accent1">
-                <a:shade val="50000"/>
-              </a:schemeClr>
-            </a:lnRef>
-            <a:fillRef idx="1">
-              <a:schemeClr val="accent1"/>
-            </a:fillRef>
-            <a:effectRef idx="0">
-              <a:schemeClr val="accent1"/>
-            </a:effectRef>
-            <a:fontRef idx="minor">
-              <a:schemeClr val="lt1"/>
-            </a:fontRef>
-          </p:style>
-          <p:txBody>
-            <a:bodyPr rtlCol="0" anchor="ctr"/>
-            <a:lstStyle/>
-            <a:p>
-              <a:pPr algn="ctr"/>
-              <a:endParaRPr lang="en-US" sz="700" dirty="0"/>
-            </a:p>
-          </p:txBody>
-        </p:sp>
-        <p:sp>
-          <p:nvSpPr>
-            <p:cNvPr id="100" name="TextBox 99">
-              <a:extLst>
-                <a:ext uri="{FF2B5EF4-FFF2-40B4-BE49-F238E27FC236}">
-                  <a16:creationId xmlns:a16="http://schemas.microsoft.com/office/drawing/2014/main" id="{2D59337E-A118-C049-8ECB-E6D0CA665E5C}"/>
-                </a:ext>
-              </a:extLst>
-            </p:cNvPr>
-            <p:cNvSpPr txBox="1"/>
-            <p:nvPr/>
-          </p:nvSpPr>
-          <p:spPr>
-            <a:xfrm>
-              <a:off x="5628981" y="1973492"/>
-              <a:ext cx="555448" cy="374298"/>
-            </a:xfrm>
-            <a:prstGeom prst="rect">
-              <a:avLst/>
-            </a:prstGeom>
-            <a:noFill/>
-          </p:spPr>
-          <p:txBody>
-            <a:bodyPr wrap="none" rtlCol="0">
-              <a:spAutoFit/>
-            </a:bodyPr>
-            <a:lstStyle/>
-            <a:p>
-              <a:r>
-                <a:rPr lang="en-US" sz="700" dirty="0"/>
-                <a:t>2.0</a:t>
-              </a:r>
-            </a:p>
-          </p:txBody>
-        </p:sp>
-      </p:grpSp>
-      <p:grpSp>
-        <p:nvGrpSpPr>
-          <p:cNvPr id="101" name="Group 100">
-            <a:extLst>
-              <a:ext uri="{FF2B5EF4-FFF2-40B4-BE49-F238E27FC236}">
-                <a16:creationId xmlns:a16="http://schemas.microsoft.com/office/drawing/2014/main" id="{1F7FD450-2A97-5542-879A-86CAC8B9AF2B}"/>
-              </a:ext>
-            </a:extLst>
-          </p:cNvPr>
-          <p:cNvGrpSpPr/>
-          <p:nvPr/>
-        </p:nvGrpSpPr>
-        <p:grpSpPr>
-          <a:xfrm>
-            <a:off x="738294" y="4604829"/>
-            <a:ext cx="1167114" cy="307904"/>
-            <a:chOff x="903742" y="5627244"/>
-            <a:chExt cx="2183643" cy="576081"/>
-          </a:xfrm>
-        </p:grpSpPr>
-        <p:sp>
-          <p:nvSpPr>
-            <p:cNvPr id="102" name="Rectangle 101">
-              <a:extLst>
-                <a:ext uri="{FF2B5EF4-FFF2-40B4-BE49-F238E27FC236}">
-                  <a16:creationId xmlns:a16="http://schemas.microsoft.com/office/drawing/2014/main" id="{DBC0D4D8-FA9B-464B-BBFA-ACF3BD09AC07}"/>
-                </a:ext>
-              </a:extLst>
-            </p:cNvPr>
-            <p:cNvSpPr/>
-            <p:nvPr/>
-          </p:nvSpPr>
-          <p:spPr>
-            <a:xfrm>
-              <a:off x="903743" y="5627244"/>
-              <a:ext cx="2183642" cy="576081"/>
-            </a:xfrm>
-            <a:prstGeom prst="rect">
-              <a:avLst/>
-            </a:prstGeom>
-            <a:solidFill>
-              <a:schemeClr val="bg1"/>
-            </a:solidFill>
-          </p:spPr>
-          <p:style>
-            <a:lnRef idx="2">
-              <a:schemeClr val="accent1">
-                <a:shade val="50000"/>
-              </a:schemeClr>
-            </a:lnRef>
-            <a:fillRef idx="1">
-              <a:schemeClr val="accent1"/>
-            </a:fillRef>
-            <a:effectRef idx="0">
-              <a:schemeClr val="accent1"/>
-            </a:effectRef>
-            <a:fontRef idx="minor">
-              <a:schemeClr val="lt1"/>
-            </a:fontRef>
-          </p:style>
-          <p:txBody>
-            <a:bodyPr rot="0" spcFirstLastPara="0" vertOverflow="overflow" horzOverflow="overflow" vert="horz" wrap="square" lIns="91440" tIns="45720" rIns="91440" bIns="45720" numCol="1" spcCol="0" rtlCol="0" fromWordArt="0" anchor="ctr" anchorCtr="0" forceAA="0" compatLnSpc="1">
-              <a:prstTxWarp prst="textNoShape">
-                <a:avLst/>
-              </a:prstTxWarp>
-              <a:noAutofit/>
-            </a:bodyPr>
-            <a:lstStyle/>
-            <a:p>
-              <a:pPr algn="r"/>
-              <a:r>
-                <a:rPr lang="en-US" sz="700" dirty="0">
-                  <a:solidFill>
-                    <a:schemeClr val="tx1"/>
-                  </a:solidFill>
-                </a:rPr>
-                <a:t>Room File</a:t>
-              </a:r>
-            </a:p>
-          </p:txBody>
-        </p:sp>
-        <p:sp>
-          <p:nvSpPr>
-            <p:cNvPr id="103" name="Rectangle 102">
-              <a:extLst>
-                <a:ext uri="{FF2B5EF4-FFF2-40B4-BE49-F238E27FC236}">
-                  <a16:creationId xmlns:a16="http://schemas.microsoft.com/office/drawing/2014/main" id="{A260378A-2661-6E42-9EC0-FF74C6D5850B}"/>
-                </a:ext>
-              </a:extLst>
-            </p:cNvPr>
-            <p:cNvSpPr/>
-            <p:nvPr/>
-          </p:nvSpPr>
-          <p:spPr>
-            <a:xfrm>
-              <a:off x="903742" y="5627244"/>
-              <a:ext cx="527000" cy="576081"/>
-            </a:xfrm>
-            <a:prstGeom prst="rect">
-              <a:avLst/>
-            </a:prstGeom>
-            <a:solidFill>
-              <a:schemeClr val="accent1">
-                <a:lumMod val="20000"/>
-                <a:lumOff val="80000"/>
-              </a:schemeClr>
-            </a:solidFill>
-          </p:spPr>
-          <p:style>
-            <a:lnRef idx="2">
-              <a:schemeClr val="accent1">
-                <a:shade val="50000"/>
-              </a:schemeClr>
-            </a:lnRef>
-            <a:fillRef idx="1">
-              <a:schemeClr val="accent1"/>
-            </a:fillRef>
-            <a:effectRef idx="0">
-              <a:schemeClr val="accent1"/>
-            </a:effectRef>
-            <a:fontRef idx="minor">
-              <a:schemeClr val="lt1"/>
-            </a:fontRef>
-          </p:style>
-          <p:txBody>
-            <a:bodyPr rtlCol="0" anchor="ctr"/>
-            <a:lstStyle/>
-            <a:p>
-              <a:pPr algn="ctr"/>
-              <a:r>
-                <a:rPr lang="en-US" sz="700" dirty="0">
-                  <a:solidFill>
-                    <a:schemeClr val="tx1"/>
-                  </a:solidFill>
-                </a:rPr>
-                <a:t>D1</a:t>
-              </a:r>
-            </a:p>
-          </p:txBody>
-        </p:sp>
-      </p:grpSp>
-      <p:grpSp>
-        <p:nvGrpSpPr>
-          <p:cNvPr id="114" name="Group 113">
-            <a:extLst>
-              <a:ext uri="{FF2B5EF4-FFF2-40B4-BE49-F238E27FC236}">
-                <a16:creationId xmlns:a16="http://schemas.microsoft.com/office/drawing/2014/main" id="{EC01D5AF-A0D6-1542-8FF7-2E547F7EA679}"/>
-              </a:ext>
-            </a:extLst>
-          </p:cNvPr>
-          <p:cNvGrpSpPr/>
-          <p:nvPr/>
-        </p:nvGrpSpPr>
-        <p:grpSpPr>
-          <a:xfrm>
-            <a:off x="9495773" y="2573198"/>
-            <a:ext cx="1033383" cy="876447"/>
-            <a:chOff x="4894996" y="1947470"/>
-            <a:chExt cx="1933434" cy="1639810"/>
-          </a:xfrm>
-        </p:grpSpPr>
-        <p:sp>
-          <p:nvSpPr>
-            <p:cNvPr id="115" name="Rounded Rectangle 114">
-              <a:extLst>
-                <a:ext uri="{FF2B5EF4-FFF2-40B4-BE49-F238E27FC236}">
-                  <a16:creationId xmlns:a16="http://schemas.microsoft.com/office/drawing/2014/main" id="{A178AB7D-5A0D-8642-8EF0-156A4D1EEE01}"/>
-                </a:ext>
-              </a:extLst>
-            </p:cNvPr>
-            <p:cNvSpPr/>
-            <p:nvPr/>
-          </p:nvSpPr>
-          <p:spPr>
-            <a:xfrm>
-              <a:off x="4894996" y="2082614"/>
-              <a:ext cx="1933433" cy="1504666"/>
-            </a:xfrm>
-            <a:prstGeom prst="roundRect">
-              <a:avLst/>
-            </a:prstGeom>
-            <a:solidFill>
-              <a:schemeClr val="bg1"/>
-            </a:solidFill>
-          </p:spPr>
-          <p:style>
-            <a:lnRef idx="2">
-              <a:schemeClr val="accent1">
-                <a:shade val="50000"/>
-              </a:schemeClr>
-            </a:lnRef>
-            <a:fillRef idx="1">
-              <a:schemeClr val="accent1"/>
-            </a:fillRef>
-            <a:effectRef idx="0">
-              <a:schemeClr val="accent1"/>
-            </a:effectRef>
-            <a:fontRef idx="minor">
-              <a:schemeClr val="lt1"/>
-            </a:fontRef>
-          </p:style>
-          <p:txBody>
-            <a:bodyPr rtlCol="0" anchor="b"/>
-            <a:lstStyle/>
-            <a:p>
-              <a:pPr algn="ctr"/>
-              <a:r>
-                <a:rPr lang="en-US" sz="700" b="1" dirty="0">
-                  <a:solidFill>
-                    <a:schemeClr val="tx1"/>
-                  </a:solidFill>
-                </a:rPr>
-                <a:t>Create / Update </a:t>
-              </a:r>
-              <a:r>
-                <a:rPr lang="en-US" sz="700" dirty="0">
-                  <a:solidFill>
-                    <a:schemeClr val="tx1"/>
-                  </a:solidFill>
-                </a:rPr>
-                <a:t> Account</a:t>
-              </a:r>
-            </a:p>
-          </p:txBody>
-        </p:sp>
-        <p:sp>
-          <p:nvSpPr>
-            <p:cNvPr id="116" name="Delay 115">
-              <a:extLst>
-                <a:ext uri="{FF2B5EF4-FFF2-40B4-BE49-F238E27FC236}">
-                  <a16:creationId xmlns:a16="http://schemas.microsoft.com/office/drawing/2014/main" id="{7A33EA24-9982-6E44-9379-09A07B78CB9A}"/>
-                </a:ext>
-              </a:extLst>
-            </p:cNvPr>
-            <p:cNvSpPr/>
-            <p:nvPr/>
-          </p:nvSpPr>
-          <p:spPr>
-            <a:xfrm rot="16200000">
-              <a:off x="5651026" y="1191440"/>
-              <a:ext cx="421373" cy="1933434"/>
-            </a:xfrm>
-            <a:prstGeom prst="flowChartDelay">
-              <a:avLst/>
-            </a:prstGeom>
-            <a:solidFill>
-              <a:schemeClr val="accent1">
-                <a:lumMod val="20000"/>
-                <a:lumOff val="80000"/>
-              </a:schemeClr>
-            </a:solidFill>
-          </p:spPr>
-          <p:style>
-            <a:lnRef idx="2">
-              <a:schemeClr val="accent1">
-                <a:shade val="50000"/>
-              </a:schemeClr>
-            </a:lnRef>
-            <a:fillRef idx="1">
-              <a:schemeClr val="accent1"/>
-            </a:fillRef>
-            <a:effectRef idx="0">
-              <a:schemeClr val="accent1"/>
-            </a:effectRef>
-            <a:fontRef idx="minor">
-              <a:schemeClr val="lt1"/>
-            </a:fontRef>
-          </p:style>
-          <p:txBody>
-            <a:bodyPr rtlCol="0" anchor="ctr"/>
-            <a:lstStyle/>
-            <a:p>
-              <a:pPr algn="ctr"/>
-              <a:endParaRPr lang="en-US" sz="700" dirty="0"/>
-            </a:p>
-          </p:txBody>
-        </p:sp>
-        <p:sp>
-          <p:nvSpPr>
-            <p:cNvPr id="117" name="TextBox 116">
-              <a:extLst>
-                <a:ext uri="{FF2B5EF4-FFF2-40B4-BE49-F238E27FC236}">
-                  <a16:creationId xmlns:a16="http://schemas.microsoft.com/office/drawing/2014/main" id="{CEA427A9-B369-504F-934C-B7D49C88ADA3}"/>
-                </a:ext>
-              </a:extLst>
-            </p:cNvPr>
-            <p:cNvSpPr txBox="1"/>
-            <p:nvPr/>
-          </p:nvSpPr>
-          <p:spPr>
-            <a:xfrm>
-              <a:off x="5628981" y="1973492"/>
-              <a:ext cx="555448" cy="374298"/>
-            </a:xfrm>
-            <a:prstGeom prst="rect">
-              <a:avLst/>
-            </a:prstGeom>
-            <a:noFill/>
-          </p:spPr>
-          <p:txBody>
-            <a:bodyPr wrap="none" rtlCol="0">
-              <a:spAutoFit/>
-            </a:bodyPr>
-            <a:lstStyle/>
-            <a:p>
-              <a:r>
-                <a:rPr lang="en-US" sz="700" dirty="0"/>
-                <a:t>6.0</a:t>
-              </a:r>
-            </a:p>
-          </p:txBody>
-        </p:sp>
-      </p:grpSp>
-      <p:cxnSp>
-        <p:nvCxnSpPr>
-          <p:cNvPr id="3" name="Elbow Connector 2">
-            <a:extLst>
-              <a:ext uri="{FF2B5EF4-FFF2-40B4-BE49-F238E27FC236}">
-                <a16:creationId xmlns:a16="http://schemas.microsoft.com/office/drawing/2014/main" id="{29869E58-441A-7549-AE87-73845B02DDCA}"/>
-              </a:ext>
-            </a:extLst>
-          </p:cNvPr>
-          <p:cNvCxnSpPr>
-            <a:stCxn id="4" idx="2"/>
-            <a:endCxn id="20" idx="0"/>
-          </p:cNvCxnSpPr>
-          <p:nvPr/>
-        </p:nvCxnSpPr>
-        <p:spPr>
-          <a:xfrm rot="5400000">
-            <a:off x="2990964" y="-367835"/>
-            <a:ext cx="1364188" cy="4541938"/>
-          </a:xfrm>
-          <a:prstGeom prst="bentConnector3">
-            <a:avLst>
-              <a:gd name="adj1" fmla="val 58160"/>
-            </a:avLst>
-          </a:prstGeom>
-          <a:ln>
-            <a:tailEnd type="triangle"/>
-          </a:ln>
-        </p:spPr>
-        <p:style>
-          <a:lnRef idx="1">
-            <a:schemeClr val="accent1"/>
-          </a:lnRef>
-          <a:fillRef idx="0">
-            <a:schemeClr val="accent1"/>
-          </a:fillRef>
-          <a:effectRef idx="0">
-            <a:schemeClr val="accent1"/>
-          </a:effectRef>
-          <a:fontRef idx="minor">
-            <a:schemeClr val="tx1"/>
-          </a:fontRef>
-        </p:style>
-      </p:cxnSp>
-      <p:cxnSp>
-        <p:nvCxnSpPr>
-          <p:cNvPr id="44" name="Elbow Connector 43">
-            <a:extLst>
-              <a:ext uri="{FF2B5EF4-FFF2-40B4-BE49-F238E27FC236}">
-                <a16:creationId xmlns:a16="http://schemas.microsoft.com/office/drawing/2014/main" id="{08CDA1DB-02DF-CF45-9C82-EF487B800F3F}"/>
-              </a:ext>
-            </a:extLst>
-          </p:cNvPr>
-          <p:cNvCxnSpPr>
-            <a:cxnSpLocks/>
-            <a:stCxn id="7" idx="2"/>
-            <a:endCxn id="102" idx="0"/>
-          </p:cNvCxnSpPr>
-          <p:nvPr/>
-        </p:nvCxnSpPr>
-        <p:spPr>
-          <a:xfrm rot="5400000">
-            <a:off x="771416" y="3998204"/>
-            <a:ext cx="1157062" cy="56189"/>
-          </a:xfrm>
-          <a:prstGeom prst="bentConnector3">
-            <a:avLst>
-              <a:gd name="adj1" fmla="val 50000"/>
-            </a:avLst>
-          </a:prstGeom>
-          <a:ln>
-            <a:tailEnd type="triangle"/>
-          </a:ln>
-        </p:spPr>
-        <p:style>
-          <a:lnRef idx="1">
-            <a:schemeClr val="accent1"/>
-          </a:lnRef>
-          <a:fillRef idx="0">
-            <a:schemeClr val="accent1"/>
-          </a:fillRef>
-          <a:effectRef idx="0">
-            <a:schemeClr val="accent1"/>
-          </a:effectRef>
-          <a:fontRef idx="minor">
-            <a:schemeClr val="tx1"/>
-          </a:fontRef>
-        </p:style>
-      </p:cxnSp>
-      <p:cxnSp>
-        <p:nvCxnSpPr>
-          <p:cNvPr id="47" name="Elbow Connector 46">
-            <a:extLst>
-              <a:ext uri="{FF2B5EF4-FFF2-40B4-BE49-F238E27FC236}">
-                <a16:creationId xmlns:a16="http://schemas.microsoft.com/office/drawing/2014/main" id="{C70FF695-2E70-DF42-9071-4114A9CB1A4E}"/>
-              </a:ext>
-            </a:extLst>
-          </p:cNvPr>
-          <p:cNvCxnSpPr>
-            <a:cxnSpLocks/>
-            <a:stCxn id="102" idx="2"/>
-            <a:endCxn id="119" idx="1"/>
-          </p:cNvCxnSpPr>
-          <p:nvPr/>
-        </p:nvCxnSpPr>
-        <p:spPr>
-          <a:xfrm rot="5400000" flipH="1" flipV="1">
-            <a:off x="1716704" y="4302392"/>
-            <a:ext cx="215488" cy="1005193"/>
-          </a:xfrm>
-          <a:prstGeom prst="bentConnector4">
-            <a:avLst>
-              <a:gd name="adj1" fmla="val -106085"/>
-              <a:gd name="adj2" fmla="val 79027"/>
-            </a:avLst>
-          </a:prstGeom>
-          <a:ln>
-            <a:tailEnd type="triangle"/>
-          </a:ln>
-        </p:spPr>
-        <p:style>
-          <a:lnRef idx="1">
-            <a:schemeClr val="accent1"/>
-          </a:lnRef>
-          <a:fillRef idx="0">
-            <a:schemeClr val="accent1"/>
-          </a:fillRef>
-          <a:effectRef idx="0">
-            <a:schemeClr val="accent1"/>
-          </a:effectRef>
-          <a:fontRef idx="minor">
-            <a:schemeClr val="tx1"/>
-          </a:fontRef>
-        </p:style>
-      </p:cxnSp>
-      <p:cxnSp>
-        <p:nvCxnSpPr>
-          <p:cNvPr id="63" name="Elbow Connector 62">
-            <a:extLst>
-              <a:ext uri="{FF2B5EF4-FFF2-40B4-BE49-F238E27FC236}">
-                <a16:creationId xmlns:a16="http://schemas.microsoft.com/office/drawing/2014/main" id="{CCA88E51-2D4A-B04D-A207-2B611F431392}"/>
-              </a:ext>
-            </a:extLst>
-          </p:cNvPr>
-          <p:cNvCxnSpPr>
-            <a:cxnSpLocks/>
-            <a:stCxn id="119" idx="3"/>
-            <a:endCxn id="11" idx="1"/>
-          </p:cNvCxnSpPr>
-          <p:nvPr/>
-        </p:nvCxnSpPr>
-        <p:spPr>
-          <a:xfrm>
-            <a:off x="3360427" y="4697245"/>
-            <a:ext cx="1839760" cy="65907"/>
-          </a:xfrm>
-          <a:prstGeom prst="bentConnector3">
-            <a:avLst>
-              <a:gd name="adj1" fmla="val 50000"/>
-            </a:avLst>
-          </a:prstGeom>
-          <a:ln>
-            <a:tailEnd type="triangle"/>
-          </a:ln>
-        </p:spPr>
-        <p:style>
-          <a:lnRef idx="1">
-            <a:schemeClr val="accent1"/>
-          </a:lnRef>
-          <a:fillRef idx="0">
-            <a:schemeClr val="accent1"/>
-          </a:fillRef>
-          <a:effectRef idx="0">
-            <a:schemeClr val="accent1"/>
-          </a:effectRef>
-          <a:fontRef idx="minor">
-            <a:schemeClr val="tx1"/>
-          </a:fontRef>
-        </p:style>
-      </p:cxnSp>
-      <p:cxnSp>
-        <p:nvCxnSpPr>
-          <p:cNvPr id="67" name="Elbow Connector 66">
-            <a:extLst>
-              <a:ext uri="{FF2B5EF4-FFF2-40B4-BE49-F238E27FC236}">
-                <a16:creationId xmlns:a16="http://schemas.microsoft.com/office/drawing/2014/main" id="{2BCBC0F3-4566-1F45-995C-5EE2D99C71BA}"/>
-              </a:ext>
-            </a:extLst>
-          </p:cNvPr>
-          <p:cNvCxnSpPr>
-            <a:cxnSpLocks/>
-            <a:stCxn id="4" idx="2"/>
-            <a:endCxn id="83" idx="0"/>
-          </p:cNvCxnSpPr>
-          <p:nvPr/>
-        </p:nvCxnSpPr>
-        <p:spPr>
-          <a:xfrm rot="16200000" flipH="1">
-            <a:off x="5446230" y="1718837"/>
-            <a:ext cx="1376052" cy="380458"/>
-          </a:xfrm>
-          <a:prstGeom prst="bentConnector3">
-            <a:avLst>
-              <a:gd name="adj1" fmla="val 50000"/>
-            </a:avLst>
-          </a:prstGeom>
-          <a:ln>
-            <a:tailEnd type="triangle"/>
-          </a:ln>
-        </p:spPr>
-        <p:style>
-          <a:lnRef idx="1">
-            <a:schemeClr val="accent1"/>
-          </a:lnRef>
-          <a:fillRef idx="0">
-            <a:schemeClr val="accent1"/>
-          </a:fillRef>
-          <a:effectRef idx="0">
-            <a:schemeClr val="accent1"/>
-          </a:effectRef>
-          <a:fontRef idx="minor">
-            <a:schemeClr val="tx1"/>
-          </a:fontRef>
-        </p:style>
-      </p:cxnSp>
-      <p:cxnSp>
-        <p:nvCxnSpPr>
-          <p:cNvPr id="70" name="Elbow Connector 69">
-            <a:extLst>
-              <a:ext uri="{FF2B5EF4-FFF2-40B4-BE49-F238E27FC236}">
-                <a16:creationId xmlns:a16="http://schemas.microsoft.com/office/drawing/2014/main" id="{729E87BD-2852-EC4D-8BC1-89D9FDD59C04}"/>
-              </a:ext>
-            </a:extLst>
-          </p:cNvPr>
-          <p:cNvCxnSpPr>
-            <a:cxnSpLocks/>
-            <a:stCxn id="81" idx="2"/>
-            <a:endCxn id="9" idx="0"/>
-          </p:cNvCxnSpPr>
-          <p:nvPr/>
-        </p:nvCxnSpPr>
-        <p:spPr>
-          <a:xfrm rot="5400000">
-            <a:off x="5467307" y="3776069"/>
-            <a:ext cx="1149569" cy="516692"/>
-          </a:xfrm>
-          <a:prstGeom prst="bentConnector3">
-            <a:avLst>
-              <a:gd name="adj1" fmla="val 50000"/>
-            </a:avLst>
-          </a:prstGeom>
-          <a:ln>
-            <a:tailEnd type="triangle"/>
-          </a:ln>
-        </p:spPr>
-        <p:style>
-          <a:lnRef idx="1">
-            <a:schemeClr val="accent1"/>
-          </a:lnRef>
-          <a:fillRef idx="0">
-            <a:schemeClr val="accent1"/>
-          </a:fillRef>
-          <a:effectRef idx="0">
-            <a:schemeClr val="accent1"/>
-          </a:effectRef>
-          <a:fontRef idx="minor">
-            <a:schemeClr val="tx1"/>
-          </a:fontRef>
-        </p:style>
-      </p:cxnSp>
-      <p:cxnSp>
-        <p:nvCxnSpPr>
-          <p:cNvPr id="73" name="Elbow Connector 72">
-            <a:extLst>
-              <a:ext uri="{FF2B5EF4-FFF2-40B4-BE49-F238E27FC236}">
-                <a16:creationId xmlns:a16="http://schemas.microsoft.com/office/drawing/2014/main" id="{70018CF3-CA68-1842-805E-6891B2094F49}"/>
-              </a:ext>
-            </a:extLst>
-          </p:cNvPr>
-          <p:cNvCxnSpPr>
-            <a:cxnSpLocks/>
-            <a:stCxn id="4" idx="2"/>
-            <a:endCxn id="87" idx="0"/>
-          </p:cNvCxnSpPr>
-          <p:nvPr/>
-        </p:nvCxnSpPr>
-        <p:spPr>
-          <a:xfrm rot="16200000" flipH="1">
-            <a:off x="6013913" y="1151154"/>
-            <a:ext cx="1376052" cy="1515824"/>
-          </a:xfrm>
-          <a:prstGeom prst="bentConnector3">
-            <a:avLst>
-              <a:gd name="adj1" fmla="val 39599"/>
-            </a:avLst>
-          </a:prstGeom>
-          <a:ln>
-            <a:tailEnd type="triangle"/>
-          </a:ln>
-        </p:spPr>
-        <p:style>
-          <a:lnRef idx="1">
-            <a:schemeClr val="accent1"/>
-          </a:lnRef>
-          <a:fillRef idx="0">
-            <a:schemeClr val="accent1"/>
-          </a:fillRef>
-          <a:effectRef idx="0">
-            <a:schemeClr val="accent1"/>
-          </a:effectRef>
-          <a:fontRef idx="minor">
-            <a:schemeClr val="tx1"/>
-          </a:fontRef>
-        </p:style>
-      </p:cxnSp>
-      <p:cxnSp>
-        <p:nvCxnSpPr>
-          <p:cNvPr id="88" name="Elbow Connector 87">
-            <a:extLst>
-              <a:ext uri="{FF2B5EF4-FFF2-40B4-BE49-F238E27FC236}">
-                <a16:creationId xmlns:a16="http://schemas.microsoft.com/office/drawing/2014/main" id="{4EE4CBBD-ED66-D842-AACA-DFA9D2EE4E04}"/>
-              </a:ext>
-            </a:extLst>
-          </p:cNvPr>
-          <p:cNvCxnSpPr>
-            <a:cxnSpLocks/>
-            <a:stCxn id="4" idx="2"/>
-            <a:endCxn id="117" idx="0"/>
-          </p:cNvCxnSpPr>
-          <p:nvPr/>
-        </p:nvCxnSpPr>
-        <p:spPr>
-          <a:xfrm rot="16200000" flipH="1">
-            <a:off x="7307236" y="-142170"/>
-            <a:ext cx="1366066" cy="4092485"/>
-          </a:xfrm>
-          <a:prstGeom prst="bentConnector3">
-            <a:avLst>
-              <a:gd name="adj1" fmla="val 45343"/>
-            </a:avLst>
-          </a:prstGeom>
-          <a:ln>
-            <a:tailEnd type="triangle"/>
-          </a:ln>
-        </p:spPr>
-        <p:style>
-          <a:lnRef idx="1">
-            <a:schemeClr val="accent1"/>
-          </a:lnRef>
-          <a:fillRef idx="0">
-            <a:schemeClr val="accent1"/>
-          </a:fillRef>
-          <a:effectRef idx="0">
-            <a:schemeClr val="accent1"/>
-          </a:effectRef>
-          <a:fontRef idx="minor">
-            <a:schemeClr val="tx1"/>
-          </a:fontRef>
-        </p:style>
-      </p:cxnSp>
-      <p:cxnSp>
-        <p:nvCxnSpPr>
-          <p:cNvPr id="90" name="Elbow Connector 89">
-            <a:extLst>
-              <a:ext uri="{FF2B5EF4-FFF2-40B4-BE49-F238E27FC236}">
-                <a16:creationId xmlns:a16="http://schemas.microsoft.com/office/drawing/2014/main" id="{5DFDA46C-4FE0-F046-A59E-831D796DBF97}"/>
-              </a:ext>
-            </a:extLst>
-          </p:cNvPr>
-          <p:cNvCxnSpPr>
-            <a:cxnSpLocks/>
-            <a:stCxn id="85" idx="2"/>
-            <a:endCxn id="9" idx="0"/>
-          </p:cNvCxnSpPr>
-          <p:nvPr/>
-        </p:nvCxnSpPr>
-        <p:spPr>
-          <a:xfrm rot="5400000">
-            <a:off x="6034990" y="3208386"/>
-            <a:ext cx="1149569" cy="1652058"/>
-          </a:xfrm>
-          <a:prstGeom prst="bentConnector3">
-            <a:avLst>
-              <a:gd name="adj1" fmla="val 50000"/>
-            </a:avLst>
-          </a:prstGeom>
-          <a:ln>
-            <a:tailEnd type="triangle"/>
-          </a:ln>
-        </p:spPr>
-        <p:style>
-          <a:lnRef idx="1">
-            <a:schemeClr val="accent1"/>
-          </a:lnRef>
-          <a:fillRef idx="0">
-            <a:schemeClr val="accent1"/>
-          </a:fillRef>
-          <a:effectRef idx="0">
-            <a:schemeClr val="accent1"/>
-          </a:effectRef>
-          <a:fontRef idx="minor">
-            <a:schemeClr val="tx1"/>
-          </a:fontRef>
-        </p:style>
-      </p:cxnSp>
-      <p:cxnSp>
-        <p:nvCxnSpPr>
-          <p:cNvPr id="91" name="Elbow Connector 90">
-            <a:extLst>
-              <a:ext uri="{FF2B5EF4-FFF2-40B4-BE49-F238E27FC236}">
-                <a16:creationId xmlns:a16="http://schemas.microsoft.com/office/drawing/2014/main" id="{CDFC900B-16F4-8843-8D46-1DCD2AAD741A}"/>
-              </a:ext>
-            </a:extLst>
-          </p:cNvPr>
-          <p:cNvCxnSpPr>
-            <a:cxnSpLocks/>
-            <a:stCxn id="9" idx="3"/>
-            <a:endCxn id="77" idx="2"/>
-          </p:cNvCxnSpPr>
-          <p:nvPr/>
-        </p:nvCxnSpPr>
-        <p:spPr>
-          <a:xfrm flipV="1">
-            <a:off x="6367301" y="3449645"/>
-            <a:ext cx="2233774" cy="1313507"/>
-          </a:xfrm>
-          <a:prstGeom prst="bentConnector2">
-            <a:avLst/>
-          </a:prstGeom>
-          <a:ln>
-            <a:tailEnd type="triangle"/>
-          </a:ln>
-        </p:spPr>
-        <p:style>
-          <a:lnRef idx="1">
-            <a:schemeClr val="accent1"/>
-          </a:lnRef>
-          <a:fillRef idx="0">
-            <a:schemeClr val="accent1"/>
-          </a:fillRef>
-          <a:effectRef idx="0">
-            <a:schemeClr val="accent1"/>
-          </a:effectRef>
-          <a:fontRef idx="minor">
-            <a:schemeClr val="tx1"/>
-          </a:fontRef>
-        </p:style>
-      </p:cxnSp>
-      <p:cxnSp>
-        <p:nvCxnSpPr>
-          <p:cNvPr id="92" name="Elbow Connector 91">
-            <a:extLst>
-              <a:ext uri="{FF2B5EF4-FFF2-40B4-BE49-F238E27FC236}">
-                <a16:creationId xmlns:a16="http://schemas.microsoft.com/office/drawing/2014/main" id="{92D09CC9-C0A0-9842-8D70-3CC61D564851}"/>
-              </a:ext>
-            </a:extLst>
-          </p:cNvPr>
-          <p:cNvCxnSpPr>
-            <a:cxnSpLocks/>
-            <a:stCxn id="115" idx="2"/>
-            <a:endCxn id="58" idx="0"/>
-          </p:cNvCxnSpPr>
-          <p:nvPr/>
-        </p:nvCxnSpPr>
-        <p:spPr>
-          <a:xfrm rot="16200000" flipH="1">
-            <a:off x="9196072" y="4266036"/>
-            <a:ext cx="1656832" cy="24049"/>
-          </a:xfrm>
-          <a:prstGeom prst="bentConnector3">
-            <a:avLst>
-              <a:gd name="adj1" fmla="val 50000"/>
-            </a:avLst>
-          </a:prstGeom>
-          <a:ln>
-            <a:tailEnd type="triangle"/>
-          </a:ln>
-        </p:spPr>
-        <p:style>
-          <a:lnRef idx="1">
-            <a:schemeClr val="accent1"/>
-          </a:lnRef>
-          <a:fillRef idx="0">
-            <a:schemeClr val="accent1"/>
-          </a:fillRef>
-          <a:effectRef idx="0">
-            <a:schemeClr val="accent1"/>
-          </a:effectRef>
-          <a:fontRef idx="minor">
-            <a:schemeClr val="tx1"/>
-          </a:fontRef>
-        </p:style>
-      </p:cxnSp>
-      <p:sp>
-        <p:nvSpPr>
-          <p:cNvPr id="105" name="TextBox 104">
-            <a:extLst>
-              <a:ext uri="{FF2B5EF4-FFF2-40B4-BE49-F238E27FC236}">
-                <a16:creationId xmlns:a16="http://schemas.microsoft.com/office/drawing/2014/main" id="{86D822C2-17A4-7243-BA1E-16898CB615B2}"/>
-              </a:ext>
-            </a:extLst>
-          </p:cNvPr>
-          <p:cNvSpPr txBox="1"/>
-          <p:nvPr/>
-        </p:nvSpPr>
-        <p:spPr>
-          <a:xfrm>
-            <a:off x="1372384" y="3775765"/>
-            <a:ext cx="604653" cy="184666"/>
-          </a:xfrm>
-          <a:prstGeom prst="rect">
-            <a:avLst/>
-          </a:prstGeom>
-          <a:noFill/>
-        </p:spPr>
-        <p:txBody>
-          <a:bodyPr wrap="none" rtlCol="0">
-            <a:spAutoFit/>
-          </a:bodyPr>
-          <a:lstStyle/>
-          <a:p>
-            <a:r>
-              <a:rPr lang="en-US" sz="600" dirty="0"/>
-              <a:t>Search Query</a:t>
-            </a:r>
-          </a:p>
-        </p:txBody>
-      </p:sp>
-      <p:sp>
-        <p:nvSpPr>
-          <p:cNvPr id="106" name="TextBox 105">
-            <a:extLst>
-              <a:ext uri="{FF2B5EF4-FFF2-40B4-BE49-F238E27FC236}">
-                <a16:creationId xmlns:a16="http://schemas.microsoft.com/office/drawing/2014/main" id="{B9DB5DC2-9D75-0945-B0BA-A3F1EE9B7587}"/>
-              </a:ext>
-            </a:extLst>
-          </p:cNvPr>
-          <p:cNvSpPr txBox="1"/>
-          <p:nvPr/>
-        </p:nvSpPr>
-        <p:spPr>
-          <a:xfrm>
-            <a:off x="1342115" y="5130174"/>
-            <a:ext cx="508473" cy="184666"/>
-          </a:xfrm>
-          <a:prstGeom prst="rect">
-            <a:avLst/>
-          </a:prstGeom>
-          <a:noFill/>
-        </p:spPr>
-        <p:txBody>
-          <a:bodyPr wrap="none" rtlCol="0">
-            <a:spAutoFit/>
-          </a:bodyPr>
-          <a:lstStyle/>
-          <a:p>
-            <a:r>
-              <a:rPr lang="en-US" sz="600" dirty="0"/>
-              <a:t>Room Info</a:t>
-            </a:r>
-          </a:p>
-        </p:txBody>
-      </p:sp>
-      <p:grpSp>
-        <p:nvGrpSpPr>
-          <p:cNvPr id="118" name="Group 117">
-            <a:extLst>
-              <a:ext uri="{FF2B5EF4-FFF2-40B4-BE49-F238E27FC236}">
-                <a16:creationId xmlns:a16="http://schemas.microsoft.com/office/drawing/2014/main" id="{36FA9446-EB95-3347-8920-1470D9626C9D}"/>
-              </a:ext>
-            </a:extLst>
-          </p:cNvPr>
-          <p:cNvGrpSpPr/>
-          <p:nvPr/>
-        </p:nvGrpSpPr>
-        <p:grpSpPr>
-          <a:xfrm>
-            <a:off x="2327045" y="4222905"/>
-            <a:ext cx="1033383" cy="876447"/>
-            <a:chOff x="4894996" y="1947470"/>
-            <a:chExt cx="1933434" cy="1639810"/>
-          </a:xfrm>
-        </p:grpSpPr>
-        <p:sp>
-          <p:nvSpPr>
-            <p:cNvPr id="119" name="Rounded Rectangle 118">
-              <a:extLst>
-                <a:ext uri="{FF2B5EF4-FFF2-40B4-BE49-F238E27FC236}">
-                  <a16:creationId xmlns:a16="http://schemas.microsoft.com/office/drawing/2014/main" id="{31BE4895-B4FE-654B-B1F6-4110E44523B3}"/>
-                </a:ext>
-              </a:extLst>
-            </p:cNvPr>
-            <p:cNvSpPr/>
-            <p:nvPr/>
-          </p:nvSpPr>
-          <p:spPr>
-            <a:xfrm>
-              <a:off x="4894996" y="2082614"/>
-              <a:ext cx="1933433" cy="1504666"/>
-            </a:xfrm>
-            <a:prstGeom prst="roundRect">
-              <a:avLst/>
-            </a:prstGeom>
-            <a:solidFill>
-              <a:schemeClr val="bg1"/>
-            </a:solidFill>
-          </p:spPr>
-          <p:style>
-            <a:lnRef idx="2">
-              <a:schemeClr val="accent1">
-                <a:shade val="50000"/>
-              </a:schemeClr>
-            </a:lnRef>
-            <a:fillRef idx="1">
-              <a:schemeClr val="accent1"/>
-            </a:fillRef>
-            <a:effectRef idx="0">
-              <a:schemeClr val="accent1"/>
-            </a:effectRef>
-            <a:fontRef idx="minor">
-              <a:schemeClr val="lt1"/>
-            </a:fontRef>
-          </p:style>
-          <p:txBody>
-            <a:bodyPr rtlCol="0" anchor="b"/>
-            <a:lstStyle/>
-            <a:p>
-              <a:pPr algn="ctr"/>
-              <a:r>
-                <a:rPr lang="en-US" sz="700" b="1" dirty="0">
-                  <a:solidFill>
-                    <a:schemeClr val="tx1"/>
-                  </a:solidFill>
-                </a:rPr>
-                <a:t>Find</a:t>
-              </a:r>
-            </a:p>
-            <a:p>
-              <a:pPr algn="ctr"/>
-              <a:r>
-                <a:rPr lang="en-US" sz="700" dirty="0">
-                  <a:solidFill>
-                    <a:schemeClr val="tx1"/>
-                  </a:solidFill>
-                </a:rPr>
-                <a:t>Availability</a:t>
-              </a:r>
-            </a:p>
-          </p:txBody>
-        </p:sp>
-        <p:sp>
-          <p:nvSpPr>
-            <p:cNvPr id="120" name="Delay 119">
-              <a:extLst>
-                <a:ext uri="{FF2B5EF4-FFF2-40B4-BE49-F238E27FC236}">
-                  <a16:creationId xmlns:a16="http://schemas.microsoft.com/office/drawing/2014/main" id="{5075492C-66B1-144A-B46A-DF1212428506}"/>
-                </a:ext>
-              </a:extLst>
-            </p:cNvPr>
-            <p:cNvSpPr/>
-            <p:nvPr/>
-          </p:nvSpPr>
-          <p:spPr>
-            <a:xfrm rot="16200000">
-              <a:off x="5651026" y="1191440"/>
-              <a:ext cx="421373" cy="1933434"/>
-            </a:xfrm>
-            <a:prstGeom prst="flowChartDelay">
-              <a:avLst/>
-            </a:prstGeom>
-            <a:solidFill>
-              <a:schemeClr val="accent1">
-                <a:lumMod val="20000"/>
-                <a:lumOff val="80000"/>
-              </a:schemeClr>
-            </a:solidFill>
-          </p:spPr>
-          <p:style>
-            <a:lnRef idx="2">
-              <a:schemeClr val="accent1">
-                <a:shade val="50000"/>
-              </a:schemeClr>
-            </a:lnRef>
-            <a:fillRef idx="1">
-              <a:schemeClr val="accent1"/>
-            </a:fillRef>
-            <a:effectRef idx="0">
-              <a:schemeClr val="accent1"/>
-            </a:effectRef>
-            <a:fontRef idx="minor">
-              <a:schemeClr val="lt1"/>
-            </a:fontRef>
-          </p:style>
-          <p:txBody>
-            <a:bodyPr rtlCol="0" anchor="ctr"/>
-            <a:lstStyle/>
-            <a:p>
-              <a:pPr algn="ctr"/>
-              <a:endParaRPr lang="en-US" sz="700" dirty="0"/>
-            </a:p>
-          </p:txBody>
-        </p:sp>
-        <p:sp>
-          <p:nvSpPr>
-            <p:cNvPr id="121" name="TextBox 120">
-              <a:extLst>
-                <a:ext uri="{FF2B5EF4-FFF2-40B4-BE49-F238E27FC236}">
-                  <a16:creationId xmlns:a16="http://schemas.microsoft.com/office/drawing/2014/main" id="{F2CD3DF0-1E56-6B4D-BA72-CB16B3113CB3}"/>
-                </a:ext>
-              </a:extLst>
-            </p:cNvPr>
-            <p:cNvSpPr txBox="1"/>
-            <p:nvPr/>
-          </p:nvSpPr>
-          <p:spPr>
-            <a:xfrm>
-              <a:off x="5628981" y="1973492"/>
-              <a:ext cx="555448" cy="374298"/>
-            </a:xfrm>
-            <a:prstGeom prst="rect">
-              <a:avLst/>
-            </a:prstGeom>
-            <a:noFill/>
-          </p:spPr>
-          <p:txBody>
-            <a:bodyPr wrap="none" rtlCol="0">
-              <a:spAutoFit/>
-            </a:bodyPr>
-            <a:lstStyle/>
-            <a:p>
-              <a:r>
-                <a:rPr lang="en-US" sz="700" dirty="0"/>
-                <a:t>8.0</a:t>
-              </a:r>
-            </a:p>
-          </p:txBody>
-        </p:sp>
-      </p:grpSp>
-      <p:sp>
-        <p:nvSpPr>
-          <p:cNvPr id="122" name="TextBox 121">
-            <a:extLst>
-              <a:ext uri="{FF2B5EF4-FFF2-40B4-BE49-F238E27FC236}">
-                <a16:creationId xmlns:a16="http://schemas.microsoft.com/office/drawing/2014/main" id="{9A8BE212-74A5-C543-B32E-41C00DD6D18C}"/>
-              </a:ext>
-            </a:extLst>
-          </p:cNvPr>
-          <p:cNvSpPr txBox="1"/>
-          <p:nvPr/>
-        </p:nvSpPr>
-        <p:spPr>
-          <a:xfrm>
-            <a:off x="3498323" y="4518812"/>
-            <a:ext cx="508473" cy="184666"/>
-          </a:xfrm>
-          <a:prstGeom prst="rect">
-            <a:avLst/>
-          </a:prstGeom>
-          <a:noFill/>
-        </p:spPr>
-        <p:txBody>
-          <a:bodyPr wrap="none" rtlCol="0">
-            <a:spAutoFit/>
-          </a:bodyPr>
-          <a:lstStyle/>
-          <a:p>
-            <a:r>
-              <a:rPr lang="en-US" sz="600" dirty="0"/>
-              <a:t>Room Info</a:t>
-            </a:r>
-          </a:p>
-        </p:txBody>
-      </p:sp>
-      <p:cxnSp>
-        <p:nvCxnSpPr>
-          <p:cNvPr id="123" name="Elbow Connector 122">
-            <a:extLst>
-              <a:ext uri="{FF2B5EF4-FFF2-40B4-BE49-F238E27FC236}">
-                <a16:creationId xmlns:a16="http://schemas.microsoft.com/office/drawing/2014/main" id="{A2DC2E0B-060A-E540-923F-B3B972CB8F13}"/>
-              </a:ext>
-            </a:extLst>
-          </p:cNvPr>
-          <p:cNvCxnSpPr>
-            <a:cxnSpLocks/>
-            <a:stCxn id="9" idx="2"/>
-            <a:endCxn id="119" idx="2"/>
-          </p:cNvCxnSpPr>
-          <p:nvPr/>
-        </p:nvCxnSpPr>
-        <p:spPr>
-          <a:xfrm rot="5400000">
-            <a:off x="4222617" y="3538224"/>
-            <a:ext cx="182248" cy="2940009"/>
-          </a:xfrm>
-          <a:prstGeom prst="bentConnector3">
-            <a:avLst>
-              <a:gd name="adj1" fmla="val 225433"/>
-            </a:avLst>
-          </a:prstGeom>
-          <a:ln>
-            <a:tailEnd type="triangle"/>
-          </a:ln>
-        </p:spPr>
-        <p:style>
-          <a:lnRef idx="1">
-            <a:schemeClr val="accent1"/>
-          </a:lnRef>
-          <a:fillRef idx="0">
-            <a:schemeClr val="accent1"/>
-          </a:fillRef>
-          <a:effectRef idx="0">
-            <a:schemeClr val="accent1"/>
-          </a:effectRef>
-          <a:fontRef idx="minor">
-            <a:schemeClr val="tx1"/>
-          </a:fontRef>
-        </p:style>
-      </p:cxnSp>
-      <p:cxnSp>
-        <p:nvCxnSpPr>
-          <p:cNvPr id="124" name="Elbow Connector 123">
-            <a:extLst>
-              <a:ext uri="{FF2B5EF4-FFF2-40B4-BE49-F238E27FC236}">
-                <a16:creationId xmlns:a16="http://schemas.microsoft.com/office/drawing/2014/main" id="{C175BABA-4B56-C043-9FCE-AAAB1FACBD60}"/>
-              </a:ext>
-            </a:extLst>
-          </p:cNvPr>
-          <p:cNvCxnSpPr>
-            <a:cxnSpLocks/>
-            <a:stCxn id="121" idx="0"/>
-            <a:endCxn id="98" idx="2"/>
-          </p:cNvCxnSpPr>
-          <p:nvPr/>
-        </p:nvCxnSpPr>
-        <p:spPr>
-          <a:xfrm rot="5400000" flipH="1" flipV="1">
-            <a:off x="2874934" y="3497959"/>
-            <a:ext cx="731705" cy="746005"/>
-          </a:xfrm>
-          <a:prstGeom prst="bentConnector3">
-            <a:avLst>
-              <a:gd name="adj1" fmla="val 50000"/>
-            </a:avLst>
-          </a:prstGeom>
-          <a:ln>
-            <a:tailEnd type="triangle"/>
-          </a:ln>
-        </p:spPr>
-        <p:style>
-          <a:lnRef idx="1">
-            <a:schemeClr val="accent1"/>
-          </a:lnRef>
-          <a:fillRef idx="0">
-            <a:schemeClr val="accent1"/>
-          </a:fillRef>
-          <a:effectRef idx="0">
-            <a:schemeClr val="accent1"/>
-          </a:effectRef>
-          <a:fontRef idx="minor">
-            <a:schemeClr val="tx1"/>
-          </a:fontRef>
-        </p:style>
-      </p:cxnSp>
-      <p:sp>
-        <p:nvSpPr>
-          <p:cNvPr id="132" name="TextBox 131">
-            <a:extLst>
-              <a:ext uri="{FF2B5EF4-FFF2-40B4-BE49-F238E27FC236}">
-                <a16:creationId xmlns:a16="http://schemas.microsoft.com/office/drawing/2014/main" id="{322746D7-E12D-6B44-BC01-8B5392076BA6}"/>
-              </a:ext>
-            </a:extLst>
-          </p:cNvPr>
-          <p:cNvSpPr txBox="1"/>
-          <p:nvPr/>
-        </p:nvSpPr>
-        <p:spPr>
-          <a:xfrm>
-            <a:off x="3214494" y="5379479"/>
-            <a:ext cx="668773" cy="184666"/>
-          </a:xfrm>
-          <a:prstGeom prst="rect">
-            <a:avLst/>
-          </a:prstGeom>
-          <a:noFill/>
-        </p:spPr>
-        <p:txBody>
-          <a:bodyPr wrap="none" rtlCol="0">
-            <a:spAutoFit/>
-          </a:bodyPr>
-          <a:lstStyle/>
-          <a:p>
-            <a:r>
-              <a:rPr lang="en-US" sz="600" dirty="0"/>
-              <a:t>Availability Info</a:t>
-            </a:r>
-          </a:p>
-        </p:txBody>
-      </p:sp>
-      <p:sp>
-        <p:nvSpPr>
-          <p:cNvPr id="134" name="TextBox 133">
-            <a:extLst>
-              <a:ext uri="{FF2B5EF4-FFF2-40B4-BE49-F238E27FC236}">
-                <a16:creationId xmlns:a16="http://schemas.microsoft.com/office/drawing/2014/main" id="{D1B68123-F00D-1049-A43C-9704F1EC1486}"/>
-              </a:ext>
-            </a:extLst>
-          </p:cNvPr>
-          <p:cNvSpPr txBox="1"/>
-          <p:nvPr/>
-        </p:nvSpPr>
-        <p:spPr>
-          <a:xfrm>
-            <a:off x="2700483" y="3677207"/>
-            <a:ext cx="939681" cy="184666"/>
-          </a:xfrm>
-          <a:prstGeom prst="rect">
-            <a:avLst/>
-          </a:prstGeom>
-          <a:noFill/>
-        </p:spPr>
-        <p:txBody>
-          <a:bodyPr wrap="none" rtlCol="0">
-            <a:spAutoFit/>
-          </a:bodyPr>
-          <a:lstStyle/>
-          <a:p>
-            <a:r>
-              <a:rPr lang="en-US" sz="600" dirty="0"/>
-              <a:t>Room &amp; Availability Info</a:t>
-            </a:r>
-          </a:p>
-        </p:txBody>
-      </p:sp>
-      <p:sp>
-        <p:nvSpPr>
-          <p:cNvPr id="137" name="TextBox 136">
-            <a:extLst>
-              <a:ext uri="{FF2B5EF4-FFF2-40B4-BE49-F238E27FC236}">
-                <a16:creationId xmlns:a16="http://schemas.microsoft.com/office/drawing/2014/main" id="{780348C9-B59C-3E41-93AE-77551F5AD6D0}"/>
-              </a:ext>
-            </a:extLst>
-          </p:cNvPr>
-          <p:cNvSpPr txBox="1"/>
-          <p:nvPr/>
-        </p:nvSpPr>
-        <p:spPr>
-          <a:xfrm>
-            <a:off x="271516" y="3265559"/>
-            <a:ext cx="595035" cy="184666"/>
-          </a:xfrm>
-          <a:prstGeom prst="rect">
-            <a:avLst/>
-          </a:prstGeom>
-          <a:noFill/>
-        </p:spPr>
-        <p:txBody>
-          <a:bodyPr wrap="none" rtlCol="0">
-            <a:spAutoFit/>
-          </a:bodyPr>
-          <a:lstStyle/>
-          <a:p>
-            <a:r>
-              <a:rPr lang="en-US" sz="600" dirty="0"/>
-              <a:t>Room Search</a:t>
-            </a:r>
-          </a:p>
-        </p:txBody>
-      </p:sp>
-      <p:sp>
-        <p:nvSpPr>
-          <p:cNvPr id="139" name="TextBox 138">
-            <a:extLst>
-              <a:ext uri="{FF2B5EF4-FFF2-40B4-BE49-F238E27FC236}">
-                <a16:creationId xmlns:a16="http://schemas.microsoft.com/office/drawing/2014/main" id="{F9324337-F5BB-FD49-BB64-7BBC6F403DD6}"/>
-              </a:ext>
-            </a:extLst>
-          </p:cNvPr>
-          <p:cNvSpPr txBox="1"/>
-          <p:nvPr/>
-        </p:nvSpPr>
-        <p:spPr>
-          <a:xfrm rot="5400000">
-            <a:off x="4413170" y="2205538"/>
-            <a:ext cx="636713" cy="184666"/>
-          </a:xfrm>
-          <a:prstGeom prst="rect">
-            <a:avLst/>
-          </a:prstGeom>
-          <a:noFill/>
-        </p:spPr>
-        <p:txBody>
-          <a:bodyPr wrap="none" rtlCol="0">
-            <a:spAutoFit/>
-          </a:bodyPr>
-          <a:lstStyle/>
-          <a:p>
-            <a:r>
-              <a:rPr lang="en-US" sz="600" dirty="0"/>
-              <a:t>Search Results</a:t>
-            </a:r>
-          </a:p>
-        </p:txBody>
-      </p:sp>
-      <p:cxnSp>
-        <p:nvCxnSpPr>
-          <p:cNvPr id="144" name="Elbow Connector 143">
-            <a:extLst>
-              <a:ext uri="{FF2B5EF4-FFF2-40B4-BE49-F238E27FC236}">
-                <a16:creationId xmlns:a16="http://schemas.microsoft.com/office/drawing/2014/main" id="{D5BE5D4F-EB32-6742-9B61-4466674E98B9}"/>
-              </a:ext>
-            </a:extLst>
-          </p:cNvPr>
-          <p:cNvCxnSpPr>
-            <a:cxnSpLocks/>
-            <a:stCxn id="98" idx="3"/>
-            <a:endCxn id="4" idx="1"/>
-          </p:cNvCxnSpPr>
-          <p:nvPr/>
-        </p:nvCxnSpPr>
-        <p:spPr>
-          <a:xfrm flipV="1">
-            <a:off x="4130480" y="1071504"/>
-            <a:ext cx="1405056" cy="2031497"/>
-          </a:xfrm>
-          <a:prstGeom prst="bentConnector3">
-            <a:avLst>
-              <a:gd name="adj1" fmla="val 50000"/>
-            </a:avLst>
-          </a:prstGeom>
-          <a:ln>
-            <a:tailEnd type="triangle"/>
-          </a:ln>
-        </p:spPr>
-        <p:style>
-          <a:lnRef idx="1">
-            <a:schemeClr val="accent1"/>
-          </a:lnRef>
-          <a:fillRef idx="0">
-            <a:schemeClr val="accent1"/>
-          </a:fillRef>
-          <a:effectRef idx="0">
-            <a:schemeClr val="accent1"/>
-          </a:effectRef>
-          <a:fontRef idx="minor">
-            <a:schemeClr val="tx1"/>
-          </a:fontRef>
-        </p:style>
-      </p:cxnSp>
-      <p:sp>
-        <p:nvSpPr>
-          <p:cNvPr id="159" name="TextBox 158">
-            <a:extLst>
-              <a:ext uri="{FF2B5EF4-FFF2-40B4-BE49-F238E27FC236}">
-                <a16:creationId xmlns:a16="http://schemas.microsoft.com/office/drawing/2014/main" id="{B5B9B31D-8001-A946-8863-7DB97DB0F7B2}"/>
-              </a:ext>
-            </a:extLst>
-          </p:cNvPr>
-          <p:cNvSpPr txBox="1"/>
-          <p:nvPr/>
-        </p:nvSpPr>
-        <p:spPr>
-          <a:xfrm>
-            <a:off x="5531093" y="2057216"/>
-            <a:ext cx="715260" cy="184666"/>
-          </a:xfrm>
-          <a:prstGeom prst="rect">
-            <a:avLst/>
-          </a:prstGeom>
-          <a:noFill/>
-        </p:spPr>
-        <p:txBody>
-          <a:bodyPr wrap="none" rtlCol="0">
-            <a:spAutoFit/>
-          </a:bodyPr>
-          <a:lstStyle/>
-          <a:p>
-            <a:r>
-              <a:rPr lang="en-US" sz="600" dirty="0"/>
-              <a:t>Reservation  Info</a:t>
-            </a:r>
-          </a:p>
-        </p:txBody>
-      </p:sp>
-      <p:sp>
-        <p:nvSpPr>
-          <p:cNvPr id="160" name="TextBox 159">
-            <a:extLst>
-              <a:ext uri="{FF2B5EF4-FFF2-40B4-BE49-F238E27FC236}">
-                <a16:creationId xmlns:a16="http://schemas.microsoft.com/office/drawing/2014/main" id="{35E8A0E0-CE0B-B144-88B0-DDEE20754186}"/>
-              </a:ext>
-            </a:extLst>
-          </p:cNvPr>
-          <p:cNvSpPr txBox="1"/>
-          <p:nvPr/>
-        </p:nvSpPr>
-        <p:spPr>
-          <a:xfrm>
-            <a:off x="6235177" y="3683779"/>
-            <a:ext cx="715260" cy="184666"/>
-          </a:xfrm>
-          <a:prstGeom prst="rect">
-            <a:avLst/>
-          </a:prstGeom>
-          <a:noFill/>
-        </p:spPr>
-        <p:txBody>
-          <a:bodyPr wrap="none" rtlCol="0">
-            <a:spAutoFit/>
-          </a:bodyPr>
-          <a:lstStyle/>
-          <a:p>
-            <a:r>
-              <a:rPr lang="en-US" sz="600" dirty="0"/>
-              <a:t>Reservation  Info</a:t>
-            </a:r>
-          </a:p>
-        </p:txBody>
-      </p:sp>
-      <p:sp>
-        <p:nvSpPr>
-          <p:cNvPr id="161" name="TextBox 160">
-            <a:extLst>
-              <a:ext uri="{FF2B5EF4-FFF2-40B4-BE49-F238E27FC236}">
-                <a16:creationId xmlns:a16="http://schemas.microsoft.com/office/drawing/2014/main" id="{68B77603-DE04-534B-AD23-679F5D1C91FB}"/>
-              </a:ext>
-            </a:extLst>
-          </p:cNvPr>
-          <p:cNvSpPr txBox="1"/>
-          <p:nvPr/>
-        </p:nvSpPr>
-        <p:spPr>
-          <a:xfrm>
-            <a:off x="6485546" y="4062547"/>
-            <a:ext cx="532518" cy="184666"/>
-          </a:xfrm>
-          <a:prstGeom prst="rect">
-            <a:avLst/>
-          </a:prstGeom>
-          <a:noFill/>
-        </p:spPr>
-        <p:txBody>
-          <a:bodyPr wrap="none" rtlCol="0">
-            <a:spAutoFit/>
-          </a:bodyPr>
-          <a:lstStyle/>
-          <a:p>
-            <a:r>
-              <a:rPr lang="en-US" sz="600" dirty="0"/>
-              <a:t>Cancel Info</a:t>
-            </a:r>
-          </a:p>
-        </p:txBody>
-      </p:sp>
-      <p:sp>
-        <p:nvSpPr>
-          <p:cNvPr id="163" name="TextBox 162">
-            <a:extLst>
-              <a:ext uri="{FF2B5EF4-FFF2-40B4-BE49-F238E27FC236}">
-                <a16:creationId xmlns:a16="http://schemas.microsoft.com/office/drawing/2014/main" id="{F17CDBA6-BFB5-CE4F-8AAB-0504559AA392}"/>
-              </a:ext>
-            </a:extLst>
-          </p:cNvPr>
-          <p:cNvSpPr txBox="1"/>
-          <p:nvPr/>
-        </p:nvSpPr>
-        <p:spPr>
-          <a:xfrm>
-            <a:off x="8213792" y="1152729"/>
-            <a:ext cx="808235" cy="184666"/>
-          </a:xfrm>
-          <a:prstGeom prst="rect">
-            <a:avLst/>
-          </a:prstGeom>
-          <a:noFill/>
-        </p:spPr>
-        <p:txBody>
-          <a:bodyPr wrap="none" rtlCol="0">
-            <a:spAutoFit/>
-          </a:bodyPr>
-          <a:lstStyle/>
-          <a:p>
-            <a:r>
-              <a:rPr lang="en-US" sz="600" dirty="0"/>
-              <a:t>Reservation Receipt</a:t>
-            </a:r>
-          </a:p>
-        </p:txBody>
-      </p:sp>
-      <p:sp>
-        <p:nvSpPr>
-          <p:cNvPr id="169" name="TextBox 168">
-            <a:extLst>
-              <a:ext uri="{FF2B5EF4-FFF2-40B4-BE49-F238E27FC236}">
-                <a16:creationId xmlns:a16="http://schemas.microsoft.com/office/drawing/2014/main" id="{9C5ECA78-527F-DC42-BD19-DD9F296AB0DD}"/>
-              </a:ext>
-            </a:extLst>
-          </p:cNvPr>
-          <p:cNvSpPr txBox="1"/>
-          <p:nvPr/>
-        </p:nvSpPr>
-        <p:spPr>
-          <a:xfrm>
-            <a:off x="8708287" y="1632211"/>
-            <a:ext cx="580608" cy="184666"/>
-          </a:xfrm>
-          <a:prstGeom prst="rect">
-            <a:avLst/>
-          </a:prstGeom>
-          <a:noFill/>
-        </p:spPr>
-        <p:txBody>
-          <a:bodyPr wrap="none" rtlCol="0">
-            <a:spAutoFit/>
-          </a:bodyPr>
-          <a:lstStyle/>
-          <a:p>
-            <a:r>
-              <a:rPr lang="en-US" sz="600" dirty="0"/>
-              <a:t>Account Info</a:t>
-            </a:r>
-          </a:p>
-        </p:txBody>
-      </p:sp>
-      <p:sp>
-        <p:nvSpPr>
-          <p:cNvPr id="170" name="TextBox 169">
-            <a:extLst>
-              <a:ext uri="{FF2B5EF4-FFF2-40B4-BE49-F238E27FC236}">
-                <a16:creationId xmlns:a16="http://schemas.microsoft.com/office/drawing/2014/main" id="{029B4073-35DD-4545-9388-45E5F049A9AB}"/>
-              </a:ext>
-            </a:extLst>
-          </p:cNvPr>
-          <p:cNvSpPr txBox="1"/>
-          <p:nvPr/>
-        </p:nvSpPr>
-        <p:spPr>
-          <a:xfrm>
-            <a:off x="10168475" y="4574318"/>
-            <a:ext cx="580608" cy="184666"/>
-          </a:xfrm>
-          <a:prstGeom prst="rect">
-            <a:avLst/>
-          </a:prstGeom>
-          <a:noFill/>
-        </p:spPr>
-        <p:txBody>
-          <a:bodyPr wrap="none" rtlCol="0">
-            <a:spAutoFit/>
-          </a:bodyPr>
-          <a:lstStyle/>
-          <a:p>
-            <a:r>
-              <a:rPr lang="en-US" sz="600" dirty="0"/>
-              <a:t>Account Info</a:t>
-            </a:r>
-          </a:p>
-        </p:txBody>
-      </p:sp>
-      <p:sp>
-        <p:nvSpPr>
-          <p:cNvPr id="175" name="TextBox 174">
-            <a:extLst>
-              <a:ext uri="{FF2B5EF4-FFF2-40B4-BE49-F238E27FC236}">
-                <a16:creationId xmlns:a16="http://schemas.microsoft.com/office/drawing/2014/main" id="{1DE799F6-B803-1740-9224-493C2BC00CC7}"/>
-              </a:ext>
-            </a:extLst>
-          </p:cNvPr>
-          <p:cNvSpPr txBox="1"/>
-          <p:nvPr/>
-        </p:nvSpPr>
-        <p:spPr>
-          <a:xfrm>
-            <a:off x="6435680" y="1586217"/>
-            <a:ext cx="532518" cy="184666"/>
-          </a:xfrm>
-          <a:prstGeom prst="rect">
-            <a:avLst/>
-          </a:prstGeom>
-          <a:noFill/>
-        </p:spPr>
-        <p:txBody>
-          <a:bodyPr wrap="none" rtlCol="0">
-            <a:spAutoFit/>
-          </a:bodyPr>
-          <a:lstStyle/>
-          <a:p>
-            <a:r>
-              <a:rPr lang="en-US" sz="600" dirty="0"/>
-              <a:t>Cancel Info</a:t>
-            </a:r>
-          </a:p>
-        </p:txBody>
-      </p:sp>
-      <p:cxnSp>
-        <p:nvCxnSpPr>
-          <p:cNvPr id="12" name="Elbow Connector 11">
-            <a:extLst>
-              <a:ext uri="{FF2B5EF4-FFF2-40B4-BE49-F238E27FC236}">
-                <a16:creationId xmlns:a16="http://schemas.microsoft.com/office/drawing/2014/main" id="{DF1985D5-CC7F-9C49-9302-55469DCF4688}"/>
-              </a:ext>
-            </a:extLst>
-          </p:cNvPr>
-          <p:cNvCxnSpPr>
-            <a:cxnSpLocks/>
-            <a:stCxn id="77" idx="3"/>
-            <a:endCxn id="4" idx="3"/>
-          </p:cNvCxnSpPr>
-          <p:nvPr/>
-        </p:nvCxnSpPr>
-        <p:spPr>
-          <a:xfrm flipH="1" flipV="1">
-            <a:off x="6352517" y="1071504"/>
-            <a:ext cx="2765249" cy="1976034"/>
-          </a:xfrm>
-          <a:prstGeom prst="bentConnector3">
-            <a:avLst>
-              <a:gd name="adj1" fmla="val -8267"/>
-            </a:avLst>
-          </a:prstGeom>
-          <a:ln>
-            <a:tailEnd type="triangle"/>
-          </a:ln>
-        </p:spPr>
-        <p:style>
-          <a:lnRef idx="1">
-            <a:schemeClr val="accent1"/>
-          </a:lnRef>
-          <a:fillRef idx="0">
-            <a:schemeClr val="accent1"/>
-          </a:fillRef>
-          <a:effectRef idx="0">
-            <a:schemeClr val="accent1"/>
-          </a:effectRef>
-          <a:fontRef idx="minor">
-            <a:schemeClr val="tx1"/>
-          </a:fontRef>
-        </p:style>
-      </p:cxnSp>
-      <p:sp>
-        <p:nvSpPr>
-          <p:cNvPr id="96" name="TextBox 95">
-            <a:extLst>
-              <a:ext uri="{FF2B5EF4-FFF2-40B4-BE49-F238E27FC236}">
-                <a16:creationId xmlns:a16="http://schemas.microsoft.com/office/drawing/2014/main" id="{5CC966F1-7305-7D4F-BC26-490A7C4F296C}"/>
-              </a:ext>
-            </a:extLst>
-          </p:cNvPr>
-          <p:cNvSpPr txBox="1"/>
-          <p:nvPr/>
-        </p:nvSpPr>
-        <p:spPr>
-          <a:xfrm>
-            <a:off x="2968842" y="1769502"/>
-            <a:ext cx="805029" cy="184666"/>
-          </a:xfrm>
-          <a:prstGeom prst="rect">
-            <a:avLst/>
-          </a:prstGeom>
-          <a:noFill/>
-        </p:spPr>
-        <p:txBody>
-          <a:bodyPr wrap="none" rtlCol="0">
-            <a:spAutoFit/>
-          </a:bodyPr>
-          <a:lstStyle/>
-          <a:p>
-            <a:r>
-              <a:rPr lang="en-US" sz="600" dirty="0"/>
-              <a:t>Room Search Query</a:t>
-            </a:r>
-          </a:p>
-        </p:txBody>
-      </p:sp>
-      <p:sp>
-        <p:nvSpPr>
-          <p:cNvPr id="107" name="TextBox 106">
-            <a:extLst>
-              <a:ext uri="{FF2B5EF4-FFF2-40B4-BE49-F238E27FC236}">
-                <a16:creationId xmlns:a16="http://schemas.microsoft.com/office/drawing/2014/main" id="{16069D6D-1904-9B46-ACDF-99141C50C8A9}"/>
-              </a:ext>
-            </a:extLst>
-          </p:cNvPr>
-          <p:cNvSpPr txBox="1"/>
-          <p:nvPr/>
-        </p:nvSpPr>
-        <p:spPr>
-          <a:xfrm>
-            <a:off x="6502861" y="4564006"/>
-            <a:ext cx="1258678" cy="184666"/>
-          </a:xfrm>
-          <a:prstGeom prst="rect">
-            <a:avLst/>
-          </a:prstGeom>
-          <a:noFill/>
-        </p:spPr>
-        <p:txBody>
-          <a:bodyPr wrap="none" rtlCol="0">
-            <a:spAutoFit/>
-          </a:bodyPr>
-          <a:lstStyle/>
-          <a:p>
-            <a:r>
-              <a:rPr lang="en-US" sz="600" dirty="0"/>
-              <a:t>Reservation / Cancellation Receipt</a:t>
-            </a:r>
-          </a:p>
-        </p:txBody>
-      </p:sp>
-    </p:spTree>
-    <p:extLst>
-      <p:ext uri="{BB962C8B-B14F-4D97-AF65-F5344CB8AC3E}">
-        <p14:creationId xmlns:p14="http://schemas.microsoft.com/office/powerpoint/2010/main" val="3752097836"/>
       </p:ext>
     </p:extLst>
   </p:cSld>
